--- a/assets/Support+de+présentation+ModeTrends.pptx
+++ b/assets/Support+de+présentation+ModeTrends.pptx
@@ -1,49 +1,44 @@
 
 <file path=ppt/presentation.xml><?xml version="1.0" encoding="utf-8"?>
-<p:presentation xmlns:a="http://schemas.openxmlformats.org/drawingml/2006/main" xmlns:r="http://schemas.openxmlformats.org/officeDocument/2006/relationships" xmlns:mc="http://schemas.openxmlformats.org/markup-compatibility/2006" xmlns:mv="urn:schemas-microsoft-com:mac:vml" xmlns:p="http://schemas.openxmlformats.org/presentationml/2006/main" xmlns:c="http://schemas.openxmlformats.org/drawingml/2006/chart" xmlns:dgm="http://schemas.openxmlformats.org/drawingml/2006/diagram" xmlns:o="urn:schemas-microsoft-com:office:office" xmlns:v="urn:schemas-microsoft-com:vml" xmlns:pvml="urn:schemas-microsoft-com:office:powerpoint" xmlns:com="http://schemas.openxmlformats.org/drawingml/2006/compatibility" xmlns:p14="http://schemas.microsoft.com/office/powerpoint/2010/main" xmlns:p15="http://schemas.microsoft.com/office/powerpoint/2012/main" xmlns:ahyp="http://schemas.microsoft.com/office/drawing/2018/hyperlinkcolor" autoCompressPictures="0" embedTrueTypeFonts="1" strictFirstAndLastChars="0" saveSubsetFonts="1">
+<p:presentation xmlns:a="http://schemas.openxmlformats.org/drawingml/2006/main" xmlns:r="http://schemas.openxmlformats.org/officeDocument/2006/relationships" xmlns:p="http://schemas.openxmlformats.org/presentationml/2006/main" strictFirstAndLastChars="0" embedTrueTypeFonts="1" saveSubsetFonts="1" autoCompressPictures="0">
   <p:sldMasterIdLst>
-    <p:sldMasterId id="2147483659" r:id="rId4"/>
+    <p:sldMasterId id="2147483659" r:id="rId1"/>
   </p:sldMasterIdLst>
   <p:notesMasterIdLst>
-    <p:notesMasterId r:id="rId5"/>
+    <p:notesMasterId r:id="rId12"/>
   </p:notesMasterIdLst>
   <p:sldIdLst>
-    <p:sldId id="256" r:id="rId6"/>
-    <p:sldId id="257" r:id="rId7"/>
-    <p:sldId id="258" r:id="rId8"/>
-    <p:sldId id="259" r:id="rId9"/>
-    <p:sldId id="260" r:id="rId10"/>
-    <p:sldId id="261" r:id="rId11"/>
-    <p:sldId id="262" r:id="rId12"/>
-    <p:sldId id="263" r:id="rId13"/>
+    <p:sldId id="256" r:id="rId2"/>
+    <p:sldId id="257" r:id="rId3"/>
+    <p:sldId id="258" r:id="rId4"/>
+    <p:sldId id="264" r:id="rId5"/>
+    <p:sldId id="259" r:id="rId6"/>
+    <p:sldId id="265" r:id="rId7"/>
+    <p:sldId id="260" r:id="rId8"/>
+    <p:sldId id="261" r:id="rId9"/>
+    <p:sldId id="262" r:id="rId10"/>
+    <p:sldId id="263" r:id="rId11"/>
   </p:sldIdLst>
-  <p:sldSz cy="5143500" cx="9144000"/>
+  <p:sldSz cx="9144000" cy="5143500" type="screen16x9"/>
   <p:notesSz cx="6858000" cy="9144000"/>
   <p:embeddedFontLst>
     <p:embeddedFont>
-      <p:font typeface="Montserrat"/>
-      <p:regular r:id="rId14"/>
-      <p:bold r:id="rId15"/>
-      <p:italic r:id="rId16"/>
-      <p:boldItalic r:id="rId17"/>
+      <p:font typeface="Lato" panose="020F0502020204030203" pitchFamily="34" charset="0"/>
+      <p:regular r:id="rId13"/>
+      <p:bold r:id="rId14"/>
+      <p:italic r:id="rId15"/>
+      <p:boldItalic r:id="rId16"/>
     </p:embeddedFont>
     <p:embeddedFont>
-      <p:font typeface="Lato"/>
-      <p:regular r:id="rId18"/>
-      <p:bold r:id="rId19"/>
-      <p:italic r:id="rId20"/>
-      <p:boldItalic r:id="rId21"/>
-    </p:embeddedFont>
-    <p:embeddedFont>
-      <p:font typeface="Inter"/>
-      <p:regular r:id="rId22"/>
-      <p:bold r:id="rId23"/>
-      <p:italic r:id="rId24"/>
-      <p:boldItalic r:id="rId25"/>
+      <p:font typeface="Montserrat" panose="00000500000000000000" pitchFamily="2" charset="0"/>
+      <p:regular r:id="rId17"/>
+      <p:bold r:id="rId18"/>
+      <p:italic r:id="rId19"/>
+      <p:boldItalic r:id="rId20"/>
     </p:embeddedFont>
   </p:embeddedFontLst>
   <p:defaultTextStyle>
-    <a:defPPr lvl="0" marR="0" rtl="0" algn="l">
+    <a:defPPr marR="0" lvl="0" algn="l" rtl="0">
       <a:lnSpc>
         <a:spcPct val="100000"/>
       </a:lnSpc>
@@ -54,7 +49,7 @@
         <a:spcPts val="0"/>
       </a:spcAft>
     </a:defPPr>
-    <a:lvl1pPr lvl="0" marR="0" rtl="0" algn="l">
+    <a:lvl1pPr marR="0" lvl="0" algn="l" rtl="0">
       <a:lnSpc>
         <a:spcPct val="100000"/>
       </a:lnSpc>
@@ -68,7 +63,7 @@
         <a:srgbClr val="000000"/>
       </a:buClr>
       <a:buFont typeface="Arial"/>
-      <a:defRPr b="0" i="0" sz="1400" u="none" cap="none" strike="noStrike">
+      <a:defRPr sz="1400" b="0" i="0" u="none" strike="noStrike" cap="none">
         <a:solidFill>
           <a:srgbClr val="000000"/>
         </a:solidFill>
@@ -78,7 +73,7 @@
         <a:sym typeface="Arial"/>
       </a:defRPr>
     </a:lvl1pPr>
-    <a:lvl2pPr lvl="1" marR="0" rtl="0" algn="l">
+    <a:lvl2pPr marR="0" lvl="1" algn="l" rtl="0">
       <a:lnSpc>
         <a:spcPct val="100000"/>
       </a:lnSpc>
@@ -92,7 +87,7 @@
         <a:srgbClr val="000000"/>
       </a:buClr>
       <a:buFont typeface="Arial"/>
-      <a:defRPr b="0" i="0" sz="1400" u="none" cap="none" strike="noStrike">
+      <a:defRPr sz="1400" b="0" i="0" u="none" strike="noStrike" cap="none">
         <a:solidFill>
           <a:srgbClr val="000000"/>
         </a:solidFill>
@@ -102,7 +97,7 @@
         <a:sym typeface="Arial"/>
       </a:defRPr>
     </a:lvl2pPr>
-    <a:lvl3pPr lvl="2" marR="0" rtl="0" algn="l">
+    <a:lvl3pPr marR="0" lvl="2" algn="l" rtl="0">
       <a:lnSpc>
         <a:spcPct val="100000"/>
       </a:lnSpc>
@@ -116,7 +111,7 @@
         <a:srgbClr val="000000"/>
       </a:buClr>
       <a:buFont typeface="Arial"/>
-      <a:defRPr b="0" i="0" sz="1400" u="none" cap="none" strike="noStrike">
+      <a:defRPr sz="1400" b="0" i="0" u="none" strike="noStrike" cap="none">
         <a:solidFill>
           <a:srgbClr val="000000"/>
         </a:solidFill>
@@ -126,7 +121,7 @@
         <a:sym typeface="Arial"/>
       </a:defRPr>
     </a:lvl3pPr>
-    <a:lvl4pPr lvl="3" marR="0" rtl="0" algn="l">
+    <a:lvl4pPr marR="0" lvl="3" algn="l" rtl="0">
       <a:lnSpc>
         <a:spcPct val="100000"/>
       </a:lnSpc>
@@ -140,7 +135,7 @@
         <a:srgbClr val="000000"/>
       </a:buClr>
       <a:buFont typeface="Arial"/>
-      <a:defRPr b="0" i="0" sz="1400" u="none" cap="none" strike="noStrike">
+      <a:defRPr sz="1400" b="0" i="0" u="none" strike="noStrike" cap="none">
         <a:solidFill>
           <a:srgbClr val="000000"/>
         </a:solidFill>
@@ -150,7 +145,7 @@
         <a:sym typeface="Arial"/>
       </a:defRPr>
     </a:lvl4pPr>
-    <a:lvl5pPr lvl="4" marR="0" rtl="0" algn="l">
+    <a:lvl5pPr marR="0" lvl="4" algn="l" rtl="0">
       <a:lnSpc>
         <a:spcPct val="100000"/>
       </a:lnSpc>
@@ -164,7 +159,7 @@
         <a:srgbClr val="000000"/>
       </a:buClr>
       <a:buFont typeface="Arial"/>
-      <a:defRPr b="0" i="0" sz="1400" u="none" cap="none" strike="noStrike">
+      <a:defRPr sz="1400" b="0" i="0" u="none" strike="noStrike" cap="none">
         <a:solidFill>
           <a:srgbClr val="000000"/>
         </a:solidFill>
@@ -174,7 +169,7 @@
         <a:sym typeface="Arial"/>
       </a:defRPr>
     </a:lvl5pPr>
-    <a:lvl6pPr lvl="5" marR="0" rtl="0" algn="l">
+    <a:lvl6pPr marR="0" lvl="5" algn="l" rtl="0">
       <a:lnSpc>
         <a:spcPct val="100000"/>
       </a:lnSpc>
@@ -188,7 +183,7 @@
         <a:srgbClr val="000000"/>
       </a:buClr>
       <a:buFont typeface="Arial"/>
-      <a:defRPr b="0" i="0" sz="1400" u="none" cap="none" strike="noStrike">
+      <a:defRPr sz="1400" b="0" i="0" u="none" strike="noStrike" cap="none">
         <a:solidFill>
           <a:srgbClr val="000000"/>
         </a:solidFill>
@@ -198,7 +193,7 @@
         <a:sym typeface="Arial"/>
       </a:defRPr>
     </a:lvl6pPr>
-    <a:lvl7pPr lvl="6" marR="0" rtl="0" algn="l">
+    <a:lvl7pPr marR="0" lvl="6" algn="l" rtl="0">
       <a:lnSpc>
         <a:spcPct val="100000"/>
       </a:lnSpc>
@@ -212,7 +207,7 @@
         <a:srgbClr val="000000"/>
       </a:buClr>
       <a:buFont typeface="Arial"/>
-      <a:defRPr b="0" i="0" sz="1400" u="none" cap="none" strike="noStrike">
+      <a:defRPr sz="1400" b="0" i="0" u="none" strike="noStrike" cap="none">
         <a:solidFill>
           <a:srgbClr val="000000"/>
         </a:solidFill>
@@ -222,7 +217,7 @@
         <a:sym typeface="Arial"/>
       </a:defRPr>
     </a:lvl7pPr>
-    <a:lvl8pPr lvl="7" marR="0" rtl="0" algn="l">
+    <a:lvl8pPr marR="0" lvl="7" algn="l" rtl="0">
       <a:lnSpc>
         <a:spcPct val="100000"/>
       </a:lnSpc>
@@ -236,7 +231,7 @@
         <a:srgbClr val="000000"/>
       </a:buClr>
       <a:buFont typeface="Arial"/>
-      <a:defRPr b="0" i="0" sz="1400" u="none" cap="none" strike="noStrike">
+      <a:defRPr sz="1400" b="0" i="0" u="none" strike="noStrike" cap="none">
         <a:solidFill>
           <a:srgbClr val="000000"/>
         </a:solidFill>
@@ -246,7 +241,7 @@
         <a:sym typeface="Arial"/>
       </a:defRPr>
     </a:lvl8pPr>
-    <a:lvl9pPr lvl="8" marR="0" rtl="0" algn="l">
+    <a:lvl9pPr marR="0" lvl="8" algn="l" rtl="0">
       <a:lnSpc>
         <a:spcPct val="100000"/>
       </a:lnSpc>
@@ -260,7 +255,7 @@
         <a:srgbClr val="000000"/>
       </a:buClr>
       <a:buFont typeface="Arial"/>
-      <a:defRPr b="0" i="0" sz="1400" u="none" cap="none" strike="noStrike">
+      <a:defRPr sz="1400" b="0" i="0" u="none" strike="noStrike" cap="none">
         <a:solidFill>
           <a:srgbClr val="000000"/>
         </a:solidFill>
@@ -273,7 +268,7 @@
   </p:defaultTextStyle>
   <p:extLst>
     <p:ext uri="{EFAFB233-063F-42B5-8137-9DF3F51BA10A}">
-      <p15:sldGuideLst>
+      <p15:sldGuideLst xmlns:p15="http://schemas.microsoft.com/office/powerpoint/2012/main">
         <p15:guide id="1" orient="horz" pos="1620">
           <p15:clr>
             <a:srgbClr val="747775"/>
@@ -291,11 +286,16 @@
 </file>
 
 <file path=ppt/notesMasters/notesMaster1.xml><?xml version="1.0" encoding="utf-8"?>
-<p:notesMaster xmlns:a="http://schemas.openxmlformats.org/drawingml/2006/main" xmlns:r="http://schemas.openxmlformats.org/officeDocument/2006/relationships" xmlns:mc="http://schemas.openxmlformats.org/markup-compatibility/2006" xmlns:mv="urn:schemas-microsoft-com:mac:vml" xmlns:p="http://schemas.openxmlformats.org/presentationml/2006/main" xmlns:c="http://schemas.openxmlformats.org/drawingml/2006/chart" xmlns:dgm="http://schemas.openxmlformats.org/drawingml/2006/diagram" xmlns:o="urn:schemas-microsoft-com:office:office" xmlns:v="urn:schemas-microsoft-com:vml" xmlns:pvml="urn:schemas-microsoft-com:office:powerpoint" xmlns:com="http://schemas.openxmlformats.org/drawingml/2006/compatibility" xmlns:p14="http://schemas.microsoft.com/office/powerpoint/2010/main" xmlns:p15="http://schemas.microsoft.com/office/powerpoint/2012/main" xmlns:ahyp="http://schemas.microsoft.com/office/drawing/2018/hyperlinkcolor">
+<p:notesMaster xmlns:a="http://schemas.openxmlformats.org/drawingml/2006/main" xmlns:r="http://schemas.openxmlformats.org/officeDocument/2006/relationships" xmlns:p="http://schemas.openxmlformats.org/presentationml/2006/main">
   <p:cSld>
+    <p:bg>
+      <p:bgRef idx="1001">
+        <a:schemeClr val="bg1"/>
+      </p:bgRef>
+    </p:bg>
     <p:spTree>
       <p:nvGrpSpPr>
-        <p:cNvPr id="2" name="Shape 2"/>
+        <p:cNvPr id="1" name="Shape 2"/>
         <p:cNvGrpSpPr/>
         <p:nvPr/>
       </p:nvGrpSpPr>
@@ -310,9 +310,11 @@
       <p:sp>
         <p:nvSpPr>
           <p:cNvPr id="3" name="Google Shape;3;n"/>
-          <p:cNvSpPr/>
+          <p:cNvSpPr>
+            <a:spLocks noGrp="1" noRot="1" noChangeAspect="1"/>
+          </p:cNvSpPr>
           <p:nvPr>
-            <p:ph idx="2" type="sldImg"/>
+            <p:ph type="sldImg" idx="2"/>
           </p:nvPr>
         </p:nvSpPr>
         <p:spPr>
@@ -321,9 +323,13 @@
             <a:ext cx="6096075" cy="3429000"/>
           </a:xfrm>
           <a:custGeom>
-            <a:rect b="b" l="l" r="r" t="t"/>
+            <a:avLst/>
+            <a:gdLst/>
+            <a:ahLst/>
+            <a:cxnLst/>
+            <a:rect l="l" t="t" r="r" b="b"/>
             <a:pathLst>
-              <a:path extrusionOk="0" h="120000" w="120000">
+              <a:path w="120000" h="120000" extrusionOk="0">
                 <a:moveTo>
                   <a:pt x="0" y="0"/>
                 </a:moveTo>
@@ -341,23 +347,25 @@
             </a:pathLst>
           </a:custGeom>
           <a:noFill/>
-          <a:ln cap="flat" cmpd="sng" w="9525">
+          <a:ln w="9525" cap="flat" cmpd="sng">
             <a:solidFill>
               <a:srgbClr val="000000"/>
             </a:solidFill>
             <a:prstDash val="solid"/>
             <a:round/>
-            <a:headEnd len="sm" w="sm" type="none"/>
-            <a:tailEnd len="sm" w="sm" type="none"/>
+            <a:headEnd type="none" w="sm" len="sm"/>
+            <a:tailEnd type="none" w="sm" len="sm"/>
           </a:ln>
         </p:spPr>
       </p:sp>
       <p:sp>
         <p:nvSpPr>
           <p:cNvPr id="4" name="Google Shape;4;n"/>
-          <p:cNvSpPr txBox="1"/>
+          <p:cNvSpPr txBox="1">
+            <a:spLocks noGrp="1"/>
+          </p:cNvSpPr>
           <p:nvPr>
-            <p:ph idx="1" type="body"/>
+            <p:ph type="body" idx="1"/>
           </p:nvPr>
         </p:nvSpPr>
         <p:spPr>
@@ -374,11 +382,11 @@
           </a:ln>
         </p:spPr>
         <p:txBody>
-          <a:bodyPr anchorCtr="0" anchor="t" bIns="91425" lIns="91425" spcFirstLastPara="1" rIns="91425" wrap="square" tIns="91425">
+          <a:bodyPr spcFirstLastPara="1" wrap="square" lIns="91425" tIns="91425" rIns="91425" bIns="91425" anchor="t" anchorCtr="0">
             <a:noAutofit/>
           </a:bodyPr>
           <a:lstStyle>
-            <a:lvl1pPr indent="-298450" lvl="0" marL="457200">
+            <a:lvl1pPr marL="457200" lvl="0" indent="-298450">
               <a:spcBef>
                 <a:spcPts val="0"/>
               </a:spcBef>
@@ -389,7 +397,7 @@
               <a:buChar char="●"/>
               <a:defRPr sz="1100"/>
             </a:lvl1pPr>
-            <a:lvl2pPr indent="-298450" lvl="1" marL="914400">
+            <a:lvl2pPr marL="914400" lvl="1" indent="-298450">
               <a:spcBef>
                 <a:spcPts val="0"/>
               </a:spcBef>
@@ -400,7 +408,7 @@
               <a:buChar char="○"/>
               <a:defRPr sz="1100"/>
             </a:lvl2pPr>
-            <a:lvl3pPr indent="-298450" lvl="2" marL="1371600">
+            <a:lvl3pPr marL="1371600" lvl="2" indent="-298450">
               <a:spcBef>
                 <a:spcPts val="0"/>
               </a:spcBef>
@@ -411,7 +419,7 @@
               <a:buChar char="■"/>
               <a:defRPr sz="1100"/>
             </a:lvl3pPr>
-            <a:lvl4pPr indent="-298450" lvl="3" marL="1828800">
+            <a:lvl4pPr marL="1828800" lvl="3" indent="-298450">
               <a:spcBef>
                 <a:spcPts val="0"/>
               </a:spcBef>
@@ -422,7 +430,7 @@
               <a:buChar char="●"/>
               <a:defRPr sz="1100"/>
             </a:lvl4pPr>
-            <a:lvl5pPr indent="-298450" lvl="4" marL="2286000">
+            <a:lvl5pPr marL="2286000" lvl="4" indent="-298450">
               <a:spcBef>
                 <a:spcPts val="0"/>
               </a:spcBef>
@@ -433,7 +441,7 @@
               <a:buChar char="○"/>
               <a:defRPr sz="1100"/>
             </a:lvl5pPr>
-            <a:lvl6pPr indent="-298450" lvl="5" marL="2743200">
+            <a:lvl6pPr marL="2743200" lvl="5" indent="-298450">
               <a:spcBef>
                 <a:spcPts val="0"/>
               </a:spcBef>
@@ -444,7 +452,7 @@
               <a:buChar char="■"/>
               <a:defRPr sz="1100"/>
             </a:lvl6pPr>
-            <a:lvl7pPr indent="-298450" lvl="6" marL="3200400">
+            <a:lvl7pPr marL="3200400" lvl="6" indent="-298450">
               <a:spcBef>
                 <a:spcPts val="0"/>
               </a:spcBef>
@@ -455,7 +463,7 @@
               <a:buChar char="●"/>
               <a:defRPr sz="1100"/>
             </a:lvl7pPr>
-            <a:lvl8pPr indent="-298450" lvl="7" marL="3657600">
+            <a:lvl8pPr marL="3657600" lvl="7" indent="-298450">
               <a:spcBef>
                 <a:spcPts val="0"/>
               </a:spcBef>
@@ -466,7 +474,7 @@
               <a:buChar char="○"/>
               <a:defRPr sz="1100"/>
             </a:lvl8pPr>
-            <a:lvl9pPr indent="-298450" lvl="8" marL="4114800">
+            <a:lvl9pPr marL="4114800" lvl="8" indent="-298450">
               <a:spcBef>
                 <a:spcPts val="0"/>
               </a:spcBef>
@@ -478,14 +486,16 @@
               <a:defRPr sz="1100"/>
             </a:lvl9pPr>
           </a:lstStyle>
-          <a:p/>
+          <a:p>
+            <a:endParaRPr/>
+          </a:p>
         </p:txBody>
       </p:sp>
     </p:spTree>
   </p:cSld>
-  <p:clrMap accent1="accent1" accent2="accent2" accent3="accent3" accent4="accent4" accent5="accent5" accent6="accent6" bg1="lt1" bg2="dk2" tx1="dk1" tx2="lt2" folHlink="folHlink" hlink="hlink"/>
+  <p:clrMap bg1="lt1" tx1="dk1" bg2="dk2" tx2="lt2" accent1="accent1" accent2="accent2" accent3="accent3" accent4="accent4" accent5="accent5" accent6="accent6" hlink="hlink" folHlink="folHlink"/>
   <p:notesStyle>
-    <a:defPPr lvl="0" marR="0" rtl="0" algn="l">
+    <a:defPPr marR="0" lvl="0" algn="l" rtl="0">
       <a:lnSpc>
         <a:spcPct val="100000"/>
       </a:lnSpc>
@@ -496,7 +506,7 @@
         <a:spcPts val="0"/>
       </a:spcAft>
     </a:defPPr>
-    <a:lvl1pPr lvl="0" marR="0" rtl="0" algn="l">
+    <a:lvl1pPr marR="0" lvl="0" algn="l" rtl="0">
       <a:lnSpc>
         <a:spcPct val="100000"/>
       </a:lnSpc>
@@ -510,7 +520,7 @@
         <a:srgbClr val="000000"/>
       </a:buClr>
       <a:buFont typeface="Arial"/>
-      <a:defRPr b="0" i="0" sz="1400" u="none" cap="none" strike="noStrike">
+      <a:defRPr sz="1400" b="0" i="0" u="none" strike="noStrike" cap="none">
         <a:solidFill>
           <a:srgbClr val="000000"/>
         </a:solidFill>
@@ -520,7 +530,7 @@
         <a:sym typeface="Arial"/>
       </a:defRPr>
     </a:lvl1pPr>
-    <a:lvl2pPr lvl="1" marR="0" rtl="0" algn="l">
+    <a:lvl2pPr marR="0" lvl="1" algn="l" rtl="0">
       <a:lnSpc>
         <a:spcPct val="100000"/>
       </a:lnSpc>
@@ -534,7 +544,7 @@
         <a:srgbClr val="000000"/>
       </a:buClr>
       <a:buFont typeface="Arial"/>
-      <a:defRPr b="0" i="0" sz="1400" u="none" cap="none" strike="noStrike">
+      <a:defRPr sz="1400" b="0" i="0" u="none" strike="noStrike" cap="none">
         <a:solidFill>
           <a:srgbClr val="000000"/>
         </a:solidFill>
@@ -544,7 +554,7 @@
         <a:sym typeface="Arial"/>
       </a:defRPr>
     </a:lvl2pPr>
-    <a:lvl3pPr lvl="2" marR="0" rtl="0" algn="l">
+    <a:lvl3pPr marR="0" lvl="2" algn="l" rtl="0">
       <a:lnSpc>
         <a:spcPct val="100000"/>
       </a:lnSpc>
@@ -558,7 +568,7 @@
         <a:srgbClr val="000000"/>
       </a:buClr>
       <a:buFont typeface="Arial"/>
-      <a:defRPr b="0" i="0" sz="1400" u="none" cap="none" strike="noStrike">
+      <a:defRPr sz="1400" b="0" i="0" u="none" strike="noStrike" cap="none">
         <a:solidFill>
           <a:srgbClr val="000000"/>
         </a:solidFill>
@@ -568,7 +578,7 @@
         <a:sym typeface="Arial"/>
       </a:defRPr>
     </a:lvl3pPr>
-    <a:lvl4pPr lvl="3" marR="0" rtl="0" algn="l">
+    <a:lvl4pPr marR="0" lvl="3" algn="l" rtl="0">
       <a:lnSpc>
         <a:spcPct val="100000"/>
       </a:lnSpc>
@@ -582,7 +592,7 @@
         <a:srgbClr val="000000"/>
       </a:buClr>
       <a:buFont typeface="Arial"/>
-      <a:defRPr b="0" i="0" sz="1400" u="none" cap="none" strike="noStrike">
+      <a:defRPr sz="1400" b="0" i="0" u="none" strike="noStrike" cap="none">
         <a:solidFill>
           <a:srgbClr val="000000"/>
         </a:solidFill>
@@ -592,7 +602,7 @@
         <a:sym typeface="Arial"/>
       </a:defRPr>
     </a:lvl4pPr>
-    <a:lvl5pPr lvl="4" marR="0" rtl="0" algn="l">
+    <a:lvl5pPr marR="0" lvl="4" algn="l" rtl="0">
       <a:lnSpc>
         <a:spcPct val="100000"/>
       </a:lnSpc>
@@ -606,7 +616,7 @@
         <a:srgbClr val="000000"/>
       </a:buClr>
       <a:buFont typeface="Arial"/>
-      <a:defRPr b="0" i="0" sz="1400" u="none" cap="none" strike="noStrike">
+      <a:defRPr sz="1400" b="0" i="0" u="none" strike="noStrike" cap="none">
         <a:solidFill>
           <a:srgbClr val="000000"/>
         </a:solidFill>
@@ -616,7 +626,7 @@
         <a:sym typeface="Arial"/>
       </a:defRPr>
     </a:lvl5pPr>
-    <a:lvl6pPr lvl="5" marR="0" rtl="0" algn="l">
+    <a:lvl6pPr marR="0" lvl="5" algn="l" rtl="0">
       <a:lnSpc>
         <a:spcPct val="100000"/>
       </a:lnSpc>
@@ -630,7 +640,7 @@
         <a:srgbClr val="000000"/>
       </a:buClr>
       <a:buFont typeface="Arial"/>
-      <a:defRPr b="0" i="0" sz="1400" u="none" cap="none" strike="noStrike">
+      <a:defRPr sz="1400" b="0" i="0" u="none" strike="noStrike" cap="none">
         <a:solidFill>
           <a:srgbClr val="000000"/>
         </a:solidFill>
@@ -640,7 +650,7 @@
         <a:sym typeface="Arial"/>
       </a:defRPr>
     </a:lvl6pPr>
-    <a:lvl7pPr lvl="6" marR="0" rtl="0" algn="l">
+    <a:lvl7pPr marR="0" lvl="6" algn="l" rtl="0">
       <a:lnSpc>
         <a:spcPct val="100000"/>
       </a:lnSpc>
@@ -654,7 +664,7 @@
         <a:srgbClr val="000000"/>
       </a:buClr>
       <a:buFont typeface="Arial"/>
-      <a:defRPr b="0" i="0" sz="1400" u="none" cap="none" strike="noStrike">
+      <a:defRPr sz="1400" b="0" i="0" u="none" strike="noStrike" cap="none">
         <a:solidFill>
           <a:srgbClr val="000000"/>
         </a:solidFill>
@@ -664,7 +674,7 @@
         <a:sym typeface="Arial"/>
       </a:defRPr>
     </a:lvl7pPr>
-    <a:lvl8pPr lvl="7" marR="0" rtl="0" algn="l">
+    <a:lvl8pPr marR="0" lvl="7" algn="l" rtl="0">
       <a:lnSpc>
         <a:spcPct val="100000"/>
       </a:lnSpc>
@@ -678,7 +688,7 @@
         <a:srgbClr val="000000"/>
       </a:buClr>
       <a:buFont typeface="Arial"/>
-      <a:defRPr b="0" i="0" sz="1400" u="none" cap="none" strike="noStrike">
+      <a:defRPr sz="1400" b="0" i="0" u="none" strike="noStrike" cap="none">
         <a:solidFill>
           <a:srgbClr val="000000"/>
         </a:solidFill>
@@ -688,7 +698,7 @@
         <a:sym typeface="Arial"/>
       </a:defRPr>
     </a:lvl8pPr>
-    <a:lvl9pPr lvl="8" marR="0" rtl="0" algn="l">
+    <a:lvl9pPr marR="0" lvl="8" algn="l" rtl="0">
       <a:lnSpc>
         <a:spcPct val="100000"/>
       </a:lnSpc>
@@ -702,7 +712,7 @@
         <a:srgbClr val="000000"/>
       </a:buClr>
       <a:buFont typeface="Arial"/>
-      <a:defRPr b="0" i="0" sz="1400" u="none" cap="none" strike="noStrike">
+      <a:defRPr sz="1400" b="0" i="0" u="none" strike="noStrike" cap="none">
         <a:solidFill>
           <a:srgbClr val="000000"/>
         </a:solidFill>
@@ -717,11 +727,11 @@
 </file>
 
 <file path=ppt/notesSlides/notesSlide1.xml><?xml version="1.0" encoding="utf-8"?>
-<p:notes xmlns:a="http://schemas.openxmlformats.org/drawingml/2006/main" xmlns:r="http://schemas.openxmlformats.org/officeDocument/2006/relationships" xmlns:mc="http://schemas.openxmlformats.org/markup-compatibility/2006" xmlns:mv="urn:schemas-microsoft-com:mac:vml" xmlns:p="http://schemas.openxmlformats.org/presentationml/2006/main" xmlns:c="http://schemas.openxmlformats.org/drawingml/2006/chart" xmlns:dgm="http://schemas.openxmlformats.org/drawingml/2006/diagram" xmlns:o="urn:schemas-microsoft-com:office:office" xmlns:v="urn:schemas-microsoft-com:vml" xmlns:pvml="urn:schemas-microsoft-com:office:powerpoint" xmlns:com="http://schemas.openxmlformats.org/drawingml/2006/compatibility" xmlns:p14="http://schemas.microsoft.com/office/powerpoint/2010/main" xmlns:p15="http://schemas.microsoft.com/office/powerpoint/2012/main" xmlns:ahyp="http://schemas.microsoft.com/office/drawing/2018/hyperlinkcolor" showMasterPhAnim="0" showMasterSp="0">
+<p:notes xmlns:a="http://schemas.openxmlformats.org/drawingml/2006/main" xmlns:r="http://schemas.openxmlformats.org/officeDocument/2006/relationships" xmlns:p="http://schemas.openxmlformats.org/presentationml/2006/main" showMasterSp="0" showMasterPhAnim="0">
   <p:cSld>
     <p:spTree>
       <p:nvGrpSpPr>
-        <p:cNvPr id="130" name="Shape 130"/>
+        <p:cNvPr id="1" name="Shape 130"/>
         <p:cNvGrpSpPr/>
         <p:nvPr/>
       </p:nvGrpSpPr>
@@ -736,20 +746,26 @@
       <p:sp>
         <p:nvSpPr>
           <p:cNvPr id="131" name="Google Shape;131;p:notes"/>
-          <p:cNvSpPr/>
+          <p:cNvSpPr>
+            <a:spLocks noGrp="1" noRot="1" noChangeAspect="1"/>
+          </p:cNvSpPr>
           <p:nvPr>
-            <p:ph idx="2" type="sldImg"/>
+            <p:ph type="sldImg" idx="2"/>
           </p:nvPr>
         </p:nvSpPr>
         <p:spPr>
           <a:xfrm>
-            <a:off x="381300" y="685800"/>
-            <a:ext cx="6096075" cy="3429000"/>
+            <a:off x="381000" y="685800"/>
+            <a:ext cx="6096000" cy="3429000"/>
           </a:xfrm>
           <a:custGeom>
-            <a:rect b="b" l="l" r="r" t="t"/>
+            <a:avLst/>
+            <a:gdLst/>
+            <a:ahLst/>
+            <a:cxnLst/>
+            <a:rect l="l" t="t" r="r" b="b"/>
             <a:pathLst>
-              <a:path extrusionOk="0" h="120000" w="120000">
+              <a:path w="120000" h="120000" extrusionOk="0">
                 <a:moveTo>
                   <a:pt x="0" y="0"/>
                 </a:moveTo>
@@ -771,9 +787,11 @@
       <p:sp>
         <p:nvSpPr>
           <p:cNvPr id="132" name="Google Shape;132;p:notes"/>
-          <p:cNvSpPr txBox="1"/>
+          <p:cNvSpPr txBox="1">
+            <a:spLocks noGrp="1"/>
+          </p:cNvSpPr>
           <p:nvPr>
-            <p:ph idx="1" type="body"/>
+            <p:ph type="body" idx="1"/>
           </p:nvPr>
         </p:nvSpPr>
         <p:spPr>
@@ -786,12 +804,12 @@
           </a:prstGeom>
         </p:spPr>
         <p:txBody>
-          <a:bodyPr anchorCtr="0" anchor="t" bIns="91425" lIns="91425" spcFirstLastPara="1" rIns="91425" wrap="square" tIns="91425">
+          <a:bodyPr spcFirstLastPara="1" wrap="square" lIns="91425" tIns="91425" rIns="91425" bIns="91425" anchor="t" anchorCtr="0">
             <a:noAutofit/>
           </a:bodyPr>
           <a:lstStyle/>
           <a:p>
-            <a:pPr indent="0" lvl="0" marL="0" rtl="0" algn="l">
+            <a:pPr marL="0" lvl="0" indent="0" algn="l" rtl="0">
               <a:spcBef>
                 <a:spcPts val="0"/>
               </a:spcBef>
@@ -800,9 +818,6 @@
               </a:spcAft>
               <a:buNone/>
             </a:pPr>
-            <a:r>
-              <a:t/>
-            </a:r>
             <a:endParaRPr/>
           </a:p>
         </p:txBody>
@@ -816,11 +831,11 @@
 </file>
 
 <file path=ppt/notesSlides/notesSlide2.xml><?xml version="1.0" encoding="utf-8"?>
-<p:notes xmlns:a="http://schemas.openxmlformats.org/drawingml/2006/main" xmlns:r="http://schemas.openxmlformats.org/officeDocument/2006/relationships" xmlns:mc="http://schemas.openxmlformats.org/markup-compatibility/2006" xmlns:mv="urn:schemas-microsoft-com:mac:vml" xmlns:p="http://schemas.openxmlformats.org/presentationml/2006/main" xmlns:c="http://schemas.openxmlformats.org/drawingml/2006/chart" xmlns:dgm="http://schemas.openxmlformats.org/drawingml/2006/diagram" xmlns:o="urn:schemas-microsoft-com:office:office" xmlns:v="urn:schemas-microsoft-com:vml" xmlns:pvml="urn:schemas-microsoft-com:office:powerpoint" xmlns:com="http://schemas.openxmlformats.org/drawingml/2006/compatibility" xmlns:p14="http://schemas.microsoft.com/office/powerpoint/2010/main" xmlns:p15="http://schemas.microsoft.com/office/powerpoint/2012/main" xmlns:ahyp="http://schemas.microsoft.com/office/drawing/2018/hyperlinkcolor" showMasterPhAnim="0" showMasterSp="0">
+<p:notes xmlns:a="http://schemas.openxmlformats.org/drawingml/2006/main" xmlns:r="http://schemas.openxmlformats.org/officeDocument/2006/relationships" xmlns:p="http://schemas.openxmlformats.org/presentationml/2006/main" showMasterSp="0" showMasterPhAnim="0">
   <p:cSld>
     <p:spTree>
       <p:nvGrpSpPr>
-        <p:cNvPr id="136" name="Shape 136"/>
+        <p:cNvPr id="1" name="Shape 136"/>
         <p:cNvGrpSpPr/>
         <p:nvPr/>
       </p:nvGrpSpPr>
@@ -835,20 +850,26 @@
       <p:sp>
         <p:nvSpPr>
           <p:cNvPr id="137" name="Google Shape;137;g33c90baff60_0_125:notes"/>
-          <p:cNvSpPr/>
+          <p:cNvSpPr>
+            <a:spLocks noGrp="1" noRot="1" noChangeAspect="1"/>
+          </p:cNvSpPr>
           <p:nvPr>
-            <p:ph idx="2" type="sldImg"/>
+            <p:ph type="sldImg" idx="2"/>
           </p:nvPr>
         </p:nvSpPr>
         <p:spPr>
           <a:xfrm>
-            <a:off x="381300" y="685800"/>
+            <a:off x="381000" y="685800"/>
             <a:ext cx="6096000" cy="3429000"/>
           </a:xfrm>
           <a:custGeom>
-            <a:rect b="b" l="l" r="r" t="t"/>
+            <a:avLst/>
+            <a:gdLst/>
+            <a:ahLst/>
+            <a:cxnLst/>
+            <a:rect l="l" t="t" r="r" b="b"/>
             <a:pathLst>
-              <a:path extrusionOk="0" h="120000" w="120000">
+              <a:path w="120000" h="120000" extrusionOk="0">
                 <a:moveTo>
                   <a:pt x="0" y="0"/>
                 </a:moveTo>
@@ -870,9 +891,11 @@
       <p:sp>
         <p:nvSpPr>
           <p:cNvPr id="138" name="Google Shape;138;g33c90baff60_0_125:notes"/>
-          <p:cNvSpPr txBox="1"/>
+          <p:cNvSpPr txBox="1">
+            <a:spLocks noGrp="1"/>
+          </p:cNvSpPr>
           <p:nvPr>
-            <p:ph idx="1" type="body"/>
+            <p:ph type="body" idx="1"/>
           </p:nvPr>
         </p:nvSpPr>
         <p:spPr>
@@ -885,12 +908,12 @@
           </a:prstGeom>
         </p:spPr>
         <p:txBody>
-          <a:bodyPr anchorCtr="0" anchor="t" bIns="91425" lIns="91425" spcFirstLastPara="1" rIns="91425" wrap="square" tIns="91425">
+          <a:bodyPr spcFirstLastPara="1" wrap="square" lIns="91425" tIns="91425" rIns="91425" bIns="91425" anchor="t" anchorCtr="0">
             <a:noAutofit/>
           </a:bodyPr>
           <a:lstStyle/>
           <a:p>
-            <a:pPr indent="0" lvl="0" marL="0" rtl="0" algn="l">
+            <a:pPr marL="0" lvl="0" indent="0" algn="l" rtl="0">
               <a:spcBef>
                 <a:spcPts val="0"/>
               </a:spcBef>
@@ -899,9 +922,6 @@
               </a:spcAft>
               <a:buNone/>
             </a:pPr>
-            <a:r>
-              <a:t/>
-            </a:r>
             <a:endParaRPr/>
           </a:p>
         </p:txBody>
@@ -915,11 +935,11 @@
 </file>
 
 <file path=ppt/notesSlides/notesSlide3.xml><?xml version="1.0" encoding="utf-8"?>
-<p:notes xmlns:a="http://schemas.openxmlformats.org/drawingml/2006/main" xmlns:r="http://schemas.openxmlformats.org/officeDocument/2006/relationships" xmlns:mc="http://schemas.openxmlformats.org/markup-compatibility/2006" xmlns:mv="urn:schemas-microsoft-com:mac:vml" xmlns:p="http://schemas.openxmlformats.org/presentationml/2006/main" xmlns:c="http://schemas.openxmlformats.org/drawingml/2006/chart" xmlns:dgm="http://schemas.openxmlformats.org/drawingml/2006/diagram" xmlns:o="urn:schemas-microsoft-com:office:office" xmlns:v="urn:schemas-microsoft-com:vml" xmlns:pvml="urn:schemas-microsoft-com:office:powerpoint" xmlns:com="http://schemas.openxmlformats.org/drawingml/2006/compatibility" xmlns:p14="http://schemas.microsoft.com/office/powerpoint/2010/main" xmlns:p15="http://schemas.microsoft.com/office/powerpoint/2012/main" xmlns:ahyp="http://schemas.microsoft.com/office/drawing/2018/hyperlinkcolor" showMasterPhAnim="0" showMasterSp="0">
+<p:notes xmlns:a="http://schemas.openxmlformats.org/drawingml/2006/main" xmlns:r="http://schemas.openxmlformats.org/officeDocument/2006/relationships" xmlns:p="http://schemas.openxmlformats.org/presentationml/2006/main" showMasterSp="0" showMasterPhAnim="0">
   <p:cSld>
     <p:spTree>
       <p:nvGrpSpPr>
-        <p:cNvPr id="142" name="Shape 142"/>
+        <p:cNvPr id="1" name="Shape 142"/>
         <p:cNvGrpSpPr/>
         <p:nvPr/>
       </p:nvGrpSpPr>
@@ -934,20 +954,26 @@
       <p:sp>
         <p:nvSpPr>
           <p:cNvPr id="143" name="Google Shape;143;g33c90baff60_0_132:notes"/>
-          <p:cNvSpPr/>
+          <p:cNvSpPr>
+            <a:spLocks noGrp="1" noRot="1" noChangeAspect="1"/>
+          </p:cNvSpPr>
           <p:nvPr>
-            <p:ph idx="2" type="sldImg"/>
+            <p:ph type="sldImg" idx="2"/>
           </p:nvPr>
         </p:nvSpPr>
         <p:spPr>
           <a:xfrm>
-            <a:off x="381300" y="685800"/>
+            <a:off x="381000" y="685800"/>
             <a:ext cx="6096000" cy="3429000"/>
           </a:xfrm>
           <a:custGeom>
-            <a:rect b="b" l="l" r="r" t="t"/>
+            <a:avLst/>
+            <a:gdLst/>
+            <a:ahLst/>
+            <a:cxnLst/>
+            <a:rect l="l" t="t" r="r" b="b"/>
             <a:pathLst>
-              <a:path extrusionOk="0" h="120000" w="120000">
+              <a:path w="120000" h="120000" extrusionOk="0">
                 <a:moveTo>
                   <a:pt x="0" y="0"/>
                 </a:moveTo>
@@ -969,9 +995,11 @@
       <p:sp>
         <p:nvSpPr>
           <p:cNvPr id="144" name="Google Shape;144;g33c90baff60_0_132:notes"/>
-          <p:cNvSpPr txBox="1"/>
+          <p:cNvSpPr txBox="1">
+            <a:spLocks noGrp="1"/>
+          </p:cNvSpPr>
           <p:nvPr>
-            <p:ph idx="1" type="body"/>
+            <p:ph type="body" idx="1"/>
           </p:nvPr>
         </p:nvSpPr>
         <p:spPr>
@@ -984,12 +1012,12 @@
           </a:prstGeom>
         </p:spPr>
         <p:txBody>
-          <a:bodyPr anchorCtr="0" anchor="t" bIns="91425" lIns="91425" spcFirstLastPara="1" rIns="91425" wrap="square" tIns="91425">
+          <a:bodyPr spcFirstLastPara="1" wrap="square" lIns="91425" tIns="91425" rIns="91425" bIns="91425" anchor="t" anchorCtr="0">
             <a:noAutofit/>
           </a:bodyPr>
           <a:lstStyle/>
           <a:p>
-            <a:pPr indent="0" lvl="0" marL="0" rtl="0" algn="l">
+            <a:pPr marL="0" lvl="0" indent="0" algn="l" rtl="0">
               <a:spcBef>
                 <a:spcPts val="0"/>
               </a:spcBef>
@@ -998,9 +1026,6 @@
               </a:spcAft>
               <a:buNone/>
             </a:pPr>
-            <a:r>
-              <a:t/>
-            </a:r>
             <a:endParaRPr/>
           </a:p>
         </p:txBody>
@@ -1014,11 +1039,11 @@
 </file>
 
 <file path=ppt/notesSlides/notesSlide4.xml><?xml version="1.0" encoding="utf-8"?>
-<p:notes xmlns:a="http://schemas.openxmlformats.org/drawingml/2006/main" xmlns:r="http://schemas.openxmlformats.org/officeDocument/2006/relationships" xmlns:mc="http://schemas.openxmlformats.org/markup-compatibility/2006" xmlns:mv="urn:schemas-microsoft-com:mac:vml" xmlns:p="http://schemas.openxmlformats.org/presentationml/2006/main" xmlns:c="http://schemas.openxmlformats.org/drawingml/2006/chart" xmlns:dgm="http://schemas.openxmlformats.org/drawingml/2006/diagram" xmlns:o="urn:schemas-microsoft-com:office:office" xmlns:v="urn:schemas-microsoft-com:vml" xmlns:pvml="urn:schemas-microsoft-com:office:powerpoint" xmlns:com="http://schemas.openxmlformats.org/drawingml/2006/compatibility" xmlns:p14="http://schemas.microsoft.com/office/powerpoint/2010/main" xmlns:p15="http://schemas.microsoft.com/office/powerpoint/2012/main" xmlns:ahyp="http://schemas.microsoft.com/office/drawing/2018/hyperlinkcolor" showMasterPhAnim="0" showMasterSp="0">
+<p:notes xmlns:a="http://schemas.openxmlformats.org/drawingml/2006/main" xmlns:r="http://schemas.openxmlformats.org/officeDocument/2006/relationships" xmlns:p="http://schemas.openxmlformats.org/presentationml/2006/main" showMasterSp="0" showMasterPhAnim="0">
   <p:cSld>
     <p:spTree>
       <p:nvGrpSpPr>
-        <p:cNvPr id="148" name="Shape 148"/>
+        <p:cNvPr id="1" name="Shape 148"/>
         <p:cNvGrpSpPr/>
         <p:nvPr/>
       </p:nvGrpSpPr>
@@ -1033,20 +1058,26 @@
       <p:sp>
         <p:nvSpPr>
           <p:cNvPr id="149" name="Google Shape;149;g33c90baff60_0_137:notes"/>
-          <p:cNvSpPr/>
+          <p:cNvSpPr>
+            <a:spLocks noGrp="1" noRot="1" noChangeAspect="1"/>
+          </p:cNvSpPr>
           <p:nvPr>
-            <p:ph idx="2" type="sldImg"/>
+            <p:ph type="sldImg" idx="2"/>
           </p:nvPr>
         </p:nvSpPr>
         <p:spPr>
           <a:xfrm>
-            <a:off x="381300" y="685800"/>
+            <a:off x="381000" y="685800"/>
             <a:ext cx="6096000" cy="3429000"/>
           </a:xfrm>
           <a:custGeom>
-            <a:rect b="b" l="l" r="r" t="t"/>
+            <a:avLst/>
+            <a:gdLst/>
+            <a:ahLst/>
+            <a:cxnLst/>
+            <a:rect l="l" t="t" r="r" b="b"/>
             <a:pathLst>
-              <a:path extrusionOk="0" h="120000" w="120000">
+              <a:path w="120000" h="120000" extrusionOk="0">
                 <a:moveTo>
                   <a:pt x="0" y="0"/>
                 </a:moveTo>
@@ -1068,9 +1099,11 @@
       <p:sp>
         <p:nvSpPr>
           <p:cNvPr id="150" name="Google Shape;150;g33c90baff60_0_137:notes"/>
-          <p:cNvSpPr txBox="1"/>
+          <p:cNvSpPr txBox="1">
+            <a:spLocks noGrp="1"/>
+          </p:cNvSpPr>
           <p:nvPr>
-            <p:ph idx="1" type="body"/>
+            <p:ph type="body" idx="1"/>
           </p:nvPr>
         </p:nvSpPr>
         <p:spPr>
@@ -1083,12 +1116,12 @@
           </a:prstGeom>
         </p:spPr>
         <p:txBody>
-          <a:bodyPr anchorCtr="0" anchor="t" bIns="91425" lIns="91425" spcFirstLastPara="1" rIns="91425" wrap="square" tIns="91425">
+          <a:bodyPr spcFirstLastPara="1" wrap="square" lIns="91425" tIns="91425" rIns="91425" bIns="91425" anchor="t" anchorCtr="0">
             <a:noAutofit/>
           </a:bodyPr>
           <a:lstStyle/>
           <a:p>
-            <a:pPr indent="0" lvl="0" marL="0" rtl="0" algn="l">
+            <a:pPr marL="0" lvl="0" indent="0" algn="l" rtl="0">
               <a:spcBef>
                 <a:spcPts val="0"/>
               </a:spcBef>
@@ -1097,9 +1130,6 @@
               </a:spcAft>
               <a:buNone/>
             </a:pPr>
-            <a:r>
-              <a:t/>
-            </a:r>
             <a:endParaRPr/>
           </a:p>
         </p:txBody>
@@ -1113,11 +1143,11 @@
 </file>
 
 <file path=ppt/notesSlides/notesSlide5.xml><?xml version="1.0" encoding="utf-8"?>
-<p:notes xmlns:a="http://schemas.openxmlformats.org/drawingml/2006/main" xmlns:r="http://schemas.openxmlformats.org/officeDocument/2006/relationships" xmlns:mc="http://schemas.openxmlformats.org/markup-compatibility/2006" xmlns:mv="urn:schemas-microsoft-com:mac:vml" xmlns:p="http://schemas.openxmlformats.org/presentationml/2006/main" xmlns:c="http://schemas.openxmlformats.org/drawingml/2006/chart" xmlns:dgm="http://schemas.openxmlformats.org/drawingml/2006/diagram" xmlns:o="urn:schemas-microsoft-com:office:office" xmlns:v="urn:schemas-microsoft-com:vml" xmlns:pvml="urn:schemas-microsoft-com:office:powerpoint" xmlns:com="http://schemas.openxmlformats.org/drawingml/2006/compatibility" xmlns:p14="http://schemas.microsoft.com/office/powerpoint/2010/main" xmlns:p15="http://schemas.microsoft.com/office/powerpoint/2012/main" xmlns:ahyp="http://schemas.microsoft.com/office/drawing/2018/hyperlinkcolor" showMasterPhAnim="0" showMasterSp="0">
+<p:notes xmlns:a="http://schemas.openxmlformats.org/drawingml/2006/main" xmlns:r="http://schemas.openxmlformats.org/officeDocument/2006/relationships" xmlns:p="http://schemas.openxmlformats.org/presentationml/2006/main" showMasterSp="0" showMasterPhAnim="0">
   <p:cSld>
     <p:spTree>
       <p:nvGrpSpPr>
-        <p:cNvPr id="154" name="Shape 154"/>
+        <p:cNvPr id="1" name="Shape 154"/>
         <p:cNvGrpSpPr/>
         <p:nvPr/>
       </p:nvGrpSpPr>
@@ -1132,20 +1162,26 @@
       <p:sp>
         <p:nvSpPr>
           <p:cNvPr id="155" name="Google Shape;155;g33c90baff60_0_142:notes"/>
-          <p:cNvSpPr/>
+          <p:cNvSpPr>
+            <a:spLocks noGrp="1" noRot="1" noChangeAspect="1"/>
+          </p:cNvSpPr>
           <p:nvPr>
-            <p:ph idx="2" type="sldImg"/>
+            <p:ph type="sldImg" idx="2"/>
           </p:nvPr>
         </p:nvSpPr>
         <p:spPr>
           <a:xfrm>
-            <a:off x="381300" y="685800"/>
+            <a:off x="381000" y="685800"/>
             <a:ext cx="6096000" cy="3429000"/>
           </a:xfrm>
           <a:custGeom>
-            <a:rect b="b" l="l" r="r" t="t"/>
+            <a:avLst/>
+            <a:gdLst/>
+            <a:ahLst/>
+            <a:cxnLst/>
+            <a:rect l="l" t="t" r="r" b="b"/>
             <a:pathLst>
-              <a:path extrusionOk="0" h="120000" w="120000">
+              <a:path w="120000" h="120000" extrusionOk="0">
                 <a:moveTo>
                   <a:pt x="0" y="0"/>
                 </a:moveTo>
@@ -1167,9 +1203,11 @@
       <p:sp>
         <p:nvSpPr>
           <p:cNvPr id="156" name="Google Shape;156;g33c90baff60_0_142:notes"/>
-          <p:cNvSpPr txBox="1"/>
+          <p:cNvSpPr txBox="1">
+            <a:spLocks noGrp="1"/>
+          </p:cNvSpPr>
           <p:nvPr>
-            <p:ph idx="1" type="body"/>
+            <p:ph type="body" idx="1"/>
           </p:nvPr>
         </p:nvSpPr>
         <p:spPr>
@@ -1182,12 +1220,12 @@
           </a:prstGeom>
         </p:spPr>
         <p:txBody>
-          <a:bodyPr anchorCtr="0" anchor="t" bIns="91425" lIns="91425" spcFirstLastPara="1" rIns="91425" wrap="square" tIns="91425">
+          <a:bodyPr spcFirstLastPara="1" wrap="square" lIns="91425" tIns="91425" rIns="91425" bIns="91425" anchor="t" anchorCtr="0">
             <a:noAutofit/>
           </a:bodyPr>
           <a:lstStyle/>
           <a:p>
-            <a:pPr indent="0" lvl="0" marL="0" rtl="0" algn="l">
+            <a:pPr marL="0" lvl="0" indent="0" algn="l" rtl="0">
               <a:spcBef>
                 <a:spcPts val="0"/>
               </a:spcBef>
@@ -1196,9 +1234,6 @@
               </a:spcAft>
               <a:buNone/>
             </a:pPr>
-            <a:r>
-              <a:t/>
-            </a:r>
             <a:endParaRPr/>
           </a:p>
         </p:txBody>
@@ -1212,11 +1247,11 @@
 </file>
 
 <file path=ppt/notesSlides/notesSlide6.xml><?xml version="1.0" encoding="utf-8"?>
-<p:notes xmlns:a="http://schemas.openxmlformats.org/drawingml/2006/main" xmlns:r="http://schemas.openxmlformats.org/officeDocument/2006/relationships" xmlns:mc="http://schemas.openxmlformats.org/markup-compatibility/2006" xmlns:mv="urn:schemas-microsoft-com:mac:vml" xmlns:p="http://schemas.openxmlformats.org/presentationml/2006/main" xmlns:c="http://schemas.openxmlformats.org/drawingml/2006/chart" xmlns:dgm="http://schemas.openxmlformats.org/drawingml/2006/diagram" xmlns:o="urn:schemas-microsoft-com:office:office" xmlns:v="urn:schemas-microsoft-com:vml" xmlns:pvml="urn:schemas-microsoft-com:office:powerpoint" xmlns:com="http://schemas.openxmlformats.org/drawingml/2006/compatibility" xmlns:p14="http://schemas.microsoft.com/office/powerpoint/2010/main" xmlns:p15="http://schemas.microsoft.com/office/powerpoint/2012/main" xmlns:ahyp="http://schemas.microsoft.com/office/drawing/2018/hyperlinkcolor" showMasterPhAnim="0" showMasterSp="0">
+<p:notes xmlns:a="http://schemas.openxmlformats.org/drawingml/2006/main" xmlns:r="http://schemas.openxmlformats.org/officeDocument/2006/relationships" xmlns:p="http://schemas.openxmlformats.org/presentationml/2006/main" showMasterSp="0" showMasterPhAnim="0">
   <p:cSld>
     <p:spTree>
       <p:nvGrpSpPr>
-        <p:cNvPr id="160" name="Shape 160"/>
+        <p:cNvPr id="1" name="Shape 160"/>
         <p:cNvGrpSpPr/>
         <p:nvPr/>
       </p:nvGrpSpPr>
@@ -1231,20 +1266,26 @@
       <p:sp>
         <p:nvSpPr>
           <p:cNvPr id="161" name="Google Shape;161;g33c90baff60_0_147:notes"/>
-          <p:cNvSpPr/>
+          <p:cNvSpPr>
+            <a:spLocks noGrp="1" noRot="1" noChangeAspect="1"/>
+          </p:cNvSpPr>
           <p:nvPr>
-            <p:ph idx="2" type="sldImg"/>
+            <p:ph type="sldImg" idx="2"/>
           </p:nvPr>
         </p:nvSpPr>
         <p:spPr>
           <a:xfrm>
-            <a:off x="381300" y="685800"/>
+            <a:off x="381000" y="685800"/>
             <a:ext cx="6096000" cy="3429000"/>
           </a:xfrm>
           <a:custGeom>
-            <a:rect b="b" l="l" r="r" t="t"/>
+            <a:avLst/>
+            <a:gdLst/>
+            <a:ahLst/>
+            <a:cxnLst/>
+            <a:rect l="l" t="t" r="r" b="b"/>
             <a:pathLst>
-              <a:path extrusionOk="0" h="120000" w="120000">
+              <a:path w="120000" h="120000" extrusionOk="0">
                 <a:moveTo>
                   <a:pt x="0" y="0"/>
                 </a:moveTo>
@@ -1266,9 +1307,11 @@
       <p:sp>
         <p:nvSpPr>
           <p:cNvPr id="162" name="Google Shape;162;g33c90baff60_0_147:notes"/>
-          <p:cNvSpPr txBox="1"/>
+          <p:cNvSpPr txBox="1">
+            <a:spLocks noGrp="1"/>
+          </p:cNvSpPr>
           <p:nvPr>
-            <p:ph idx="1" type="body"/>
+            <p:ph type="body" idx="1"/>
           </p:nvPr>
         </p:nvSpPr>
         <p:spPr>
@@ -1281,12 +1324,12 @@
           </a:prstGeom>
         </p:spPr>
         <p:txBody>
-          <a:bodyPr anchorCtr="0" anchor="t" bIns="91425" lIns="91425" spcFirstLastPara="1" rIns="91425" wrap="square" tIns="91425">
+          <a:bodyPr spcFirstLastPara="1" wrap="square" lIns="91425" tIns="91425" rIns="91425" bIns="91425" anchor="t" anchorCtr="0">
             <a:noAutofit/>
           </a:bodyPr>
           <a:lstStyle/>
           <a:p>
-            <a:pPr indent="0" lvl="0" marL="0" rtl="0" algn="l">
+            <a:pPr marL="0" lvl="0" indent="0" algn="l" rtl="0">
               <a:spcBef>
                 <a:spcPts val="0"/>
               </a:spcBef>
@@ -1295,9 +1338,6 @@
               </a:spcAft>
               <a:buNone/>
             </a:pPr>
-            <a:r>
-              <a:t/>
-            </a:r>
             <a:endParaRPr/>
           </a:p>
         </p:txBody>
@@ -1311,11 +1351,11 @@
 </file>
 
 <file path=ppt/notesSlides/notesSlide7.xml><?xml version="1.0" encoding="utf-8"?>
-<p:notes xmlns:a="http://schemas.openxmlformats.org/drawingml/2006/main" xmlns:r="http://schemas.openxmlformats.org/officeDocument/2006/relationships" xmlns:mc="http://schemas.openxmlformats.org/markup-compatibility/2006" xmlns:mv="urn:schemas-microsoft-com:mac:vml" xmlns:p="http://schemas.openxmlformats.org/presentationml/2006/main" xmlns:c="http://schemas.openxmlformats.org/drawingml/2006/chart" xmlns:dgm="http://schemas.openxmlformats.org/drawingml/2006/diagram" xmlns:o="urn:schemas-microsoft-com:office:office" xmlns:v="urn:schemas-microsoft-com:vml" xmlns:pvml="urn:schemas-microsoft-com:office:powerpoint" xmlns:com="http://schemas.openxmlformats.org/drawingml/2006/compatibility" xmlns:p14="http://schemas.microsoft.com/office/powerpoint/2010/main" xmlns:p15="http://schemas.microsoft.com/office/powerpoint/2012/main" xmlns:ahyp="http://schemas.microsoft.com/office/drawing/2018/hyperlinkcolor" showMasterPhAnim="0" showMasterSp="0">
+<p:notes xmlns:a="http://schemas.openxmlformats.org/drawingml/2006/main" xmlns:r="http://schemas.openxmlformats.org/officeDocument/2006/relationships" xmlns:p="http://schemas.openxmlformats.org/presentationml/2006/main" showMasterSp="0" showMasterPhAnim="0">
   <p:cSld>
     <p:spTree>
       <p:nvGrpSpPr>
-        <p:cNvPr id="166" name="Shape 166"/>
+        <p:cNvPr id="1" name="Shape 166"/>
         <p:cNvGrpSpPr/>
         <p:nvPr/>
       </p:nvGrpSpPr>
@@ -1330,9 +1370,11 @@
       <p:sp>
         <p:nvSpPr>
           <p:cNvPr id="167" name="Google Shape;167;g33f5c67459f_0_0:notes"/>
-          <p:cNvSpPr/>
+          <p:cNvSpPr>
+            <a:spLocks noGrp="1" noRot="1" noChangeAspect="1"/>
+          </p:cNvSpPr>
           <p:nvPr>
-            <p:ph idx="2" type="sldImg"/>
+            <p:ph type="sldImg" idx="2"/>
           </p:nvPr>
         </p:nvSpPr>
         <p:spPr>
@@ -1341,9 +1383,13 @@
             <a:ext cx="6096000" cy="3429000"/>
           </a:xfrm>
           <a:custGeom>
-            <a:rect b="b" l="l" r="r" t="t"/>
+            <a:avLst/>
+            <a:gdLst/>
+            <a:ahLst/>
+            <a:cxnLst/>
+            <a:rect l="l" t="t" r="r" b="b"/>
             <a:pathLst>
-              <a:path extrusionOk="0" h="120000" w="120000">
+              <a:path w="120000" h="120000" extrusionOk="0">
                 <a:moveTo>
                   <a:pt x="0" y="0"/>
                 </a:moveTo>
@@ -1365,9 +1411,11 @@
       <p:sp>
         <p:nvSpPr>
           <p:cNvPr id="168" name="Google Shape;168;g33f5c67459f_0_0:notes"/>
-          <p:cNvSpPr txBox="1"/>
+          <p:cNvSpPr txBox="1">
+            <a:spLocks noGrp="1"/>
+          </p:cNvSpPr>
           <p:nvPr>
-            <p:ph idx="1" type="body"/>
+            <p:ph type="body" idx="1"/>
           </p:nvPr>
         </p:nvSpPr>
         <p:spPr>
@@ -1380,12 +1428,12 @@
           </a:prstGeom>
         </p:spPr>
         <p:txBody>
-          <a:bodyPr anchorCtr="0" anchor="t" bIns="91425" lIns="91425" spcFirstLastPara="1" rIns="91425" wrap="square" tIns="91425">
+          <a:bodyPr spcFirstLastPara="1" wrap="square" lIns="91425" tIns="91425" rIns="91425" bIns="91425" anchor="t" anchorCtr="0">
             <a:noAutofit/>
           </a:bodyPr>
           <a:lstStyle/>
           <a:p>
-            <a:pPr indent="0" lvl="0" marL="0" rtl="0" algn="l">
+            <a:pPr marL="0" lvl="0" indent="0" algn="l" rtl="0">
               <a:spcBef>
                 <a:spcPts val="0"/>
               </a:spcBef>
@@ -1394,9 +1442,6 @@
               </a:spcAft>
               <a:buNone/>
             </a:pPr>
-            <a:r>
-              <a:t/>
-            </a:r>
             <a:endParaRPr/>
           </a:p>
         </p:txBody>
@@ -1410,11 +1455,11 @@
 </file>
 
 <file path=ppt/notesSlides/notesSlide8.xml><?xml version="1.0" encoding="utf-8"?>
-<p:notes xmlns:a="http://schemas.openxmlformats.org/drawingml/2006/main" xmlns:r="http://schemas.openxmlformats.org/officeDocument/2006/relationships" xmlns:mc="http://schemas.openxmlformats.org/markup-compatibility/2006" xmlns:mv="urn:schemas-microsoft-com:mac:vml" xmlns:p="http://schemas.openxmlformats.org/presentationml/2006/main" xmlns:c="http://schemas.openxmlformats.org/drawingml/2006/chart" xmlns:dgm="http://schemas.openxmlformats.org/drawingml/2006/diagram" xmlns:o="urn:schemas-microsoft-com:office:office" xmlns:v="urn:schemas-microsoft-com:vml" xmlns:pvml="urn:schemas-microsoft-com:office:powerpoint" xmlns:com="http://schemas.openxmlformats.org/drawingml/2006/compatibility" xmlns:p14="http://schemas.microsoft.com/office/powerpoint/2010/main" xmlns:p15="http://schemas.microsoft.com/office/powerpoint/2012/main" xmlns:ahyp="http://schemas.microsoft.com/office/drawing/2018/hyperlinkcolor" showMasterPhAnim="0" showMasterSp="0">
+<p:notes xmlns:a="http://schemas.openxmlformats.org/drawingml/2006/main" xmlns:r="http://schemas.openxmlformats.org/officeDocument/2006/relationships" xmlns:p="http://schemas.openxmlformats.org/presentationml/2006/main" showMasterSp="0" showMasterPhAnim="0">
   <p:cSld>
     <p:spTree>
       <p:nvGrpSpPr>
-        <p:cNvPr id="172" name="Shape 172"/>
+        <p:cNvPr id="1" name="Shape 172"/>
         <p:cNvGrpSpPr/>
         <p:nvPr/>
       </p:nvGrpSpPr>
@@ -1429,20 +1474,26 @@
       <p:sp>
         <p:nvSpPr>
           <p:cNvPr id="173" name="Google Shape;173;g33fcf60ab3a_0_0:notes"/>
-          <p:cNvSpPr/>
+          <p:cNvSpPr>
+            <a:spLocks noGrp="1" noRot="1" noChangeAspect="1"/>
+          </p:cNvSpPr>
           <p:nvPr>
-            <p:ph idx="2" type="sldImg"/>
+            <p:ph type="sldImg" idx="2"/>
           </p:nvPr>
         </p:nvSpPr>
         <p:spPr>
           <a:xfrm>
-            <a:off x="381300" y="685800"/>
+            <a:off x="381000" y="685800"/>
             <a:ext cx="6096000" cy="3429000"/>
           </a:xfrm>
           <a:custGeom>
-            <a:rect b="b" l="l" r="r" t="t"/>
+            <a:avLst/>
+            <a:gdLst/>
+            <a:ahLst/>
+            <a:cxnLst/>
+            <a:rect l="l" t="t" r="r" b="b"/>
             <a:pathLst>
-              <a:path extrusionOk="0" h="120000" w="120000">
+              <a:path w="120000" h="120000" extrusionOk="0">
                 <a:moveTo>
                   <a:pt x="0" y="0"/>
                 </a:moveTo>
@@ -1464,9 +1515,11 @@
       <p:sp>
         <p:nvSpPr>
           <p:cNvPr id="174" name="Google Shape;174;g33fcf60ab3a_0_0:notes"/>
-          <p:cNvSpPr txBox="1"/>
+          <p:cNvSpPr txBox="1">
+            <a:spLocks noGrp="1"/>
+          </p:cNvSpPr>
           <p:nvPr>
-            <p:ph idx="1" type="body"/>
+            <p:ph type="body" idx="1"/>
           </p:nvPr>
         </p:nvSpPr>
         <p:spPr>
@@ -1479,12 +1532,12 @@
           </a:prstGeom>
         </p:spPr>
         <p:txBody>
-          <a:bodyPr anchorCtr="0" anchor="t" bIns="91425" lIns="91425" spcFirstLastPara="1" rIns="91425" wrap="square" tIns="91425">
+          <a:bodyPr spcFirstLastPara="1" wrap="square" lIns="91425" tIns="91425" rIns="91425" bIns="91425" anchor="t" anchorCtr="0">
             <a:noAutofit/>
           </a:bodyPr>
           <a:lstStyle/>
           <a:p>
-            <a:pPr indent="0" lvl="0" marL="0" rtl="0" algn="l">
+            <a:pPr marL="0" lvl="0" indent="0" algn="l" rtl="0">
               <a:spcBef>
                 <a:spcPts val="0"/>
               </a:spcBef>
@@ -1493,9 +1546,6 @@
               </a:spcAft>
               <a:buNone/>
             </a:pPr>
-            <a:r>
-              <a:t/>
-            </a:r>
             <a:endParaRPr/>
           </a:p>
         </p:txBody>
@@ -1509,11 +1559,11 @@
 </file>
 
 <file path=ppt/slideLayouts/slideLayout1.xml><?xml version="1.0" encoding="utf-8"?>
-<p:sldLayout xmlns:a="http://schemas.openxmlformats.org/drawingml/2006/main" xmlns:r="http://schemas.openxmlformats.org/officeDocument/2006/relationships" xmlns:mc="http://schemas.openxmlformats.org/markup-compatibility/2006" xmlns:mv="urn:schemas-microsoft-com:mac:vml" xmlns:p="http://schemas.openxmlformats.org/presentationml/2006/main" xmlns:c="http://schemas.openxmlformats.org/drawingml/2006/chart" xmlns:dgm="http://schemas.openxmlformats.org/drawingml/2006/diagram" xmlns:o="urn:schemas-microsoft-com:office:office" xmlns:v="urn:schemas-microsoft-com:vml" xmlns:pvml="urn:schemas-microsoft-com:office:powerpoint" xmlns:com="http://schemas.openxmlformats.org/drawingml/2006/compatibility" xmlns:p14="http://schemas.microsoft.com/office/powerpoint/2010/main" xmlns:p15="http://schemas.microsoft.com/office/powerpoint/2012/main" xmlns:ahyp="http://schemas.microsoft.com/office/drawing/2018/hyperlinkcolor" matchingName="Title slide" type="title">
+<p:sldLayout xmlns:a="http://schemas.openxmlformats.org/drawingml/2006/main" xmlns:r="http://schemas.openxmlformats.org/officeDocument/2006/relationships" xmlns:p="http://schemas.openxmlformats.org/presentationml/2006/main" matchingName="Title slide" type="title">
   <p:cSld name="TITLE">
     <p:spTree>
       <p:nvGrpSpPr>
-        <p:cNvPr id="9" name="Shape 9"/>
+        <p:cNvPr id="1" name="Shape 9"/>
         <p:cNvGrpSpPr/>
         <p:nvPr/>
       </p:nvGrpSpPr>
@@ -1538,7 +1588,7 @@
           </a:xfrm>
           <a:prstGeom prst="diagStripe">
             <a:avLst>
-              <a:gd fmla="val 0" name="adj"/>
+              <a:gd name="adj" fmla="val 0"/>
             </a:avLst>
           </a:prstGeom>
           <a:solidFill>
@@ -1551,12 +1601,12 @@
           </a:ln>
         </p:spPr>
         <p:txBody>
-          <a:bodyPr anchorCtr="0" anchor="ctr" bIns="91425" lIns="91425" spcFirstLastPara="1" rIns="91425" wrap="square" tIns="91425">
+          <a:bodyPr spcFirstLastPara="1" wrap="square" lIns="91425" tIns="91425" rIns="91425" bIns="91425" anchor="ctr" anchorCtr="0">
             <a:noAutofit/>
           </a:bodyPr>
           <a:lstStyle/>
           <a:p>
-            <a:pPr indent="0" lvl="0" marL="0" rtl="0" algn="l">
+            <a:pPr marL="0" lvl="0" indent="0" algn="l" rtl="0">
               <a:spcBef>
                 <a:spcPts val="0"/>
               </a:spcBef>
@@ -1565,9 +1615,6 @@
               </a:spcAft>
               <a:buNone/>
             </a:pPr>
-            <a:r>
-              <a:t/>
-            </a:r>
             <a:endParaRPr/>
           </a:p>
         </p:txBody>
@@ -1599,7 +1646,7 @@
             </a:xfrm>
             <a:prstGeom prst="diagStripe">
               <a:avLst>
-                <a:gd fmla="val 50000" name="adj"/>
+                <a:gd name="adj" fmla="val 50000"/>
               </a:avLst>
             </a:prstGeom>
             <a:solidFill>
@@ -1612,12 +1659,12 @@
             </a:ln>
           </p:spPr>
           <p:txBody>
-            <a:bodyPr anchorCtr="0" anchor="ctr" bIns="91425" lIns="91425" spcFirstLastPara="1" rIns="91425" wrap="square" tIns="91425">
+            <a:bodyPr spcFirstLastPara="1" wrap="square" lIns="91425" tIns="91425" rIns="91425" bIns="91425" anchor="ctr" anchorCtr="0">
               <a:noAutofit/>
             </a:bodyPr>
             <a:lstStyle/>
             <a:p>
-              <a:pPr indent="0" lvl="0" marL="0" rtl="0" algn="l">
+              <a:pPr marL="0" lvl="0" indent="0" algn="l" rtl="0">
                 <a:spcBef>
                   <a:spcPts val="0"/>
                 </a:spcBef>
@@ -1626,9 +1673,6 @@
                 </a:spcAft>
                 <a:buNone/>
               </a:pPr>
-              <a:r>
-                <a:t/>
-              </a:r>
               <a:endParaRPr/>
             </a:p>
           </p:txBody>
@@ -1646,7 +1690,7 @@
             </a:xfrm>
             <a:prstGeom prst="diagStripe">
               <a:avLst>
-                <a:gd fmla="val 58774" name="adj"/>
+                <a:gd name="adj" fmla="val 58774"/>
               </a:avLst>
             </a:prstGeom>
             <a:solidFill>
@@ -1659,12 +1703,12 @@
             </a:ln>
           </p:spPr>
           <p:txBody>
-            <a:bodyPr anchorCtr="0" anchor="ctr" bIns="91425" lIns="91425" spcFirstLastPara="1" rIns="91425" wrap="square" tIns="91425">
+            <a:bodyPr spcFirstLastPara="1" wrap="square" lIns="91425" tIns="91425" rIns="91425" bIns="91425" anchor="ctr" anchorCtr="0">
               <a:noAutofit/>
             </a:bodyPr>
             <a:lstStyle/>
             <a:p>
-              <a:pPr indent="0" lvl="0" marL="0" rtl="0" algn="l">
+              <a:pPr marL="0" lvl="0" indent="0" algn="l" rtl="0">
                 <a:spcBef>
                   <a:spcPts val="0"/>
                 </a:spcBef>
@@ -1673,9 +1717,6 @@
                 </a:spcAft>
                 <a:buNone/>
               </a:pPr>
-              <a:r>
-                <a:t/>
-              </a:r>
               <a:endParaRPr/>
             </a:p>
           </p:txBody>
@@ -1693,7 +1734,7 @@
             </a:xfrm>
             <a:prstGeom prst="diagStripe">
               <a:avLst>
-                <a:gd fmla="val 50000" name="adj"/>
+                <a:gd name="adj" fmla="val 50000"/>
               </a:avLst>
             </a:prstGeom>
             <a:solidFill>
@@ -1704,12 +1745,12 @@
             </a:ln>
           </p:spPr>
           <p:txBody>
-            <a:bodyPr anchorCtr="0" anchor="ctr" bIns="91425" lIns="91425" spcFirstLastPara="1" rIns="91425" wrap="square" tIns="91425">
+            <a:bodyPr spcFirstLastPara="1" wrap="square" lIns="91425" tIns="91425" rIns="91425" bIns="91425" anchor="ctr" anchorCtr="0">
               <a:noAutofit/>
             </a:bodyPr>
             <a:lstStyle/>
             <a:p>
-              <a:pPr indent="0" lvl="0" marL="0" rtl="0" algn="l">
+              <a:pPr marL="0" lvl="0" indent="0" algn="l" rtl="0">
                 <a:spcBef>
                   <a:spcPts val="0"/>
                 </a:spcBef>
@@ -1718,9 +1759,6 @@
                 </a:spcAft>
                 <a:buNone/>
               </a:pPr>
-              <a:r>
-                <a:t/>
-              </a:r>
               <a:endParaRPr/>
             </a:p>
           </p:txBody>
@@ -1738,7 +1776,7 @@
             </a:xfrm>
             <a:prstGeom prst="diagStripe">
               <a:avLst>
-                <a:gd fmla="val 50000" name="adj"/>
+                <a:gd name="adj" fmla="val 50000"/>
               </a:avLst>
             </a:prstGeom>
             <a:solidFill>
@@ -1749,12 +1787,12 @@
             </a:ln>
           </p:spPr>
           <p:txBody>
-            <a:bodyPr anchorCtr="0" anchor="ctr" bIns="91425" lIns="91425" spcFirstLastPara="1" rIns="91425" wrap="square" tIns="91425">
+            <a:bodyPr spcFirstLastPara="1" wrap="square" lIns="91425" tIns="91425" rIns="91425" bIns="91425" anchor="ctr" anchorCtr="0">
               <a:noAutofit/>
             </a:bodyPr>
             <a:lstStyle/>
             <a:p>
-              <a:pPr indent="0" lvl="0" marL="0" rtl="0" algn="l">
+              <a:pPr marL="0" lvl="0" indent="0" algn="l" rtl="0">
                 <a:spcBef>
                   <a:spcPts val="0"/>
                 </a:spcBef>
@@ -1763,9 +1801,6 @@
                 </a:spcAft>
                 <a:buNone/>
               </a:pPr>
-              <a:r>
-                <a:t/>
-              </a:r>
               <a:endParaRPr/>
             </a:p>
           </p:txBody>
@@ -1774,7 +1809,9 @@
       <p:sp>
         <p:nvSpPr>
           <p:cNvPr id="16" name="Google Shape;16;p2"/>
-          <p:cNvSpPr txBox="1"/>
+          <p:cNvSpPr txBox="1">
+            <a:spLocks noGrp="1"/>
+          </p:cNvSpPr>
           <p:nvPr>
             <p:ph type="ctrTitle"/>
           </p:nvPr>
@@ -1789,7 +1826,7 @@
           </a:prstGeom>
         </p:spPr>
         <p:txBody>
-          <a:bodyPr anchorCtr="0" anchor="t" bIns="91425" lIns="91425" spcFirstLastPara="1" rIns="91425" wrap="square" tIns="91425">
+          <a:bodyPr spcFirstLastPara="1" wrap="square" lIns="91425" tIns="91425" rIns="91425" bIns="91425" anchor="t" anchorCtr="0">
             <a:normAutofit/>
           </a:bodyPr>
           <a:lstStyle>
@@ -1893,15 +1930,19 @@
               <a:defRPr sz="4000"/>
             </a:lvl9pPr>
           </a:lstStyle>
-          <a:p/>
+          <a:p>
+            <a:endParaRPr/>
+          </a:p>
         </p:txBody>
       </p:sp>
       <p:sp>
         <p:nvSpPr>
           <p:cNvPr id="17" name="Google Shape;17;p2"/>
-          <p:cNvSpPr txBox="1"/>
+          <p:cNvSpPr txBox="1">
+            <a:spLocks noGrp="1"/>
+          </p:cNvSpPr>
           <p:nvPr>
-            <p:ph idx="1" type="subTitle"/>
+            <p:ph type="subTitle" idx="1"/>
           </p:nvPr>
         </p:nvSpPr>
         <p:spPr>
@@ -1914,7 +1955,7 @@
           </a:prstGeom>
         </p:spPr>
         <p:txBody>
-          <a:bodyPr anchorCtr="0" anchor="t" bIns="91425" lIns="91425" spcFirstLastPara="1" rIns="91425" wrap="square" tIns="91425">
+          <a:bodyPr spcFirstLastPara="1" wrap="square" lIns="91425" tIns="91425" rIns="91425" bIns="91425" anchor="t" anchorCtr="0">
             <a:normAutofit/>
           </a:bodyPr>
           <a:lstStyle>
@@ -2045,15 +2086,19 @@
               <a:defRPr sz="1300"/>
             </a:lvl9pPr>
           </a:lstStyle>
-          <a:p/>
+          <a:p>
+            <a:endParaRPr/>
+          </a:p>
         </p:txBody>
       </p:sp>
       <p:sp>
         <p:nvSpPr>
           <p:cNvPr id="18" name="Google Shape;18;p2"/>
-          <p:cNvSpPr txBox="1"/>
+          <p:cNvSpPr txBox="1">
+            <a:spLocks noGrp="1"/>
+          </p:cNvSpPr>
           <p:nvPr>
-            <p:ph idx="12" type="sldNum"/>
+            <p:ph type="sldNum" idx="12"/>
           </p:nvPr>
         </p:nvSpPr>
         <p:spPr>
@@ -2066,7 +2111,7 @@
           </a:prstGeom>
         </p:spPr>
         <p:txBody>
-          <a:bodyPr anchorCtr="0" anchor="ctr" bIns="91425" lIns="91425" spcFirstLastPara="1" rIns="91425" wrap="square" tIns="91425">
+          <a:bodyPr spcFirstLastPara="1" wrap="square" lIns="91425" tIns="91425" rIns="91425" bIns="91425" anchor="ctr" anchorCtr="0">
             <a:normAutofit/>
           </a:bodyPr>
           <a:lstStyle>
@@ -2108,7 +2153,7 @@
             </a:lvl9pPr>
           </a:lstStyle>
           <a:p>
-            <a:pPr indent="0" lvl="0" marL="0" rtl="0" algn="r">
+            <a:pPr marL="0" lvl="0" indent="0" algn="r" rtl="0">
               <a:spcBef>
                 <a:spcPts val="0"/>
               </a:spcBef>
@@ -2119,7 +2164,7 @@
             </a:pPr>
             <a:fld id="{00000000-1234-1234-1234-123412341234}" type="slidenum">
               <a:rPr lang="fr"/>
-              <a:t>‹#›</a:t>
+              <a:t>‹N°›</a:t>
             </a:fld>
             <a:endParaRPr/>
           </a:p>
@@ -2134,11 +2179,11 @@
 </file>
 
 <file path=ppt/slideLayouts/slideLayout10.xml><?xml version="1.0" encoding="utf-8"?>
-<p:sldLayout xmlns:a="http://schemas.openxmlformats.org/drawingml/2006/main" xmlns:r="http://schemas.openxmlformats.org/officeDocument/2006/relationships" xmlns:mc="http://schemas.openxmlformats.org/markup-compatibility/2006" xmlns:mv="urn:schemas-microsoft-com:mac:vml" xmlns:p="http://schemas.openxmlformats.org/presentationml/2006/main" xmlns:c="http://schemas.openxmlformats.org/drawingml/2006/chart" xmlns:dgm="http://schemas.openxmlformats.org/drawingml/2006/diagram" xmlns:o="urn:schemas-microsoft-com:office:office" xmlns:v="urn:schemas-microsoft-com:vml" xmlns:pvml="urn:schemas-microsoft-com:office:powerpoint" xmlns:com="http://schemas.openxmlformats.org/drawingml/2006/compatibility" xmlns:p14="http://schemas.microsoft.com/office/powerpoint/2010/main" xmlns:p15="http://schemas.microsoft.com/office/powerpoint/2012/main" xmlns:ahyp="http://schemas.microsoft.com/office/drawing/2018/hyperlinkcolor" matchingName="Big number">
+<p:sldLayout xmlns:a="http://schemas.openxmlformats.org/drawingml/2006/main" xmlns:r="http://schemas.openxmlformats.org/officeDocument/2006/relationships" xmlns:p="http://schemas.openxmlformats.org/presentationml/2006/main" matchingName="Big number">
   <p:cSld name="BIG_NUMBER">
     <p:spTree>
       <p:nvGrpSpPr>
-        <p:cNvPr id="105" name="Shape 105"/>
+        <p:cNvPr id="1" name="Shape 105"/>
         <p:cNvGrpSpPr/>
         <p:nvPr/>
       </p:nvGrpSpPr>
@@ -2177,7 +2222,7 @@
             </a:xfrm>
             <a:prstGeom prst="diagStripe">
               <a:avLst>
-                <a:gd fmla="val 49469" name="adj"/>
+                <a:gd name="adj" fmla="val 49469"/>
               </a:avLst>
             </a:prstGeom>
             <a:solidFill>
@@ -2190,12 +2235,12 @@
             </a:ln>
           </p:spPr>
           <p:txBody>
-            <a:bodyPr anchorCtr="0" anchor="ctr" bIns="91425" lIns="91425" spcFirstLastPara="1" rIns="91425" wrap="square" tIns="91425">
+            <a:bodyPr spcFirstLastPara="1" wrap="square" lIns="91425" tIns="91425" rIns="91425" bIns="91425" anchor="ctr" anchorCtr="0">
               <a:noAutofit/>
             </a:bodyPr>
             <a:lstStyle/>
             <a:p>
-              <a:pPr indent="0" lvl="0" marL="0" rtl="0" algn="l">
+              <a:pPr marL="0" lvl="0" indent="0" algn="l" rtl="0">
                 <a:spcBef>
                   <a:spcPts val="0"/>
                 </a:spcBef>
@@ -2204,9 +2249,6 @@
                 </a:spcAft>
                 <a:buNone/>
               </a:pPr>
-              <a:r>
-                <a:t/>
-              </a:r>
               <a:endParaRPr/>
             </a:p>
           </p:txBody>
@@ -2224,7 +2266,7 @@
             </a:xfrm>
             <a:prstGeom prst="diagStripe">
               <a:avLst>
-                <a:gd fmla="val 0" name="adj"/>
+                <a:gd name="adj" fmla="val 0"/>
               </a:avLst>
             </a:prstGeom>
             <a:solidFill>
@@ -2237,12 +2279,12 @@
             </a:ln>
           </p:spPr>
           <p:txBody>
-            <a:bodyPr anchorCtr="0" anchor="ctr" bIns="91425" lIns="91425" spcFirstLastPara="1" rIns="91425" wrap="square" tIns="91425">
+            <a:bodyPr spcFirstLastPara="1" wrap="square" lIns="91425" tIns="91425" rIns="91425" bIns="91425" anchor="ctr" anchorCtr="0">
               <a:noAutofit/>
             </a:bodyPr>
             <a:lstStyle/>
             <a:p>
-              <a:pPr indent="0" lvl="0" marL="0" rtl="0" algn="l">
+              <a:pPr marL="0" lvl="0" indent="0" algn="l" rtl="0">
                 <a:spcBef>
                   <a:spcPts val="0"/>
                 </a:spcBef>
@@ -2251,9 +2293,6 @@
                 </a:spcAft>
                 <a:buNone/>
               </a:pPr>
-              <a:r>
-                <a:t/>
-              </a:r>
               <a:endParaRPr/>
             </a:p>
           </p:txBody>
@@ -2271,7 +2310,7 @@
             </a:xfrm>
             <a:prstGeom prst="diagStripe">
               <a:avLst>
-                <a:gd fmla="val 50000" name="adj"/>
+                <a:gd name="adj" fmla="val 50000"/>
               </a:avLst>
             </a:prstGeom>
             <a:solidFill>
@@ -2284,12 +2323,12 @@
             </a:ln>
           </p:spPr>
           <p:txBody>
-            <a:bodyPr anchorCtr="0" anchor="ctr" bIns="91425" lIns="91425" spcFirstLastPara="1" rIns="91425" wrap="square" tIns="91425">
+            <a:bodyPr spcFirstLastPara="1" wrap="square" lIns="91425" tIns="91425" rIns="91425" bIns="91425" anchor="ctr" anchorCtr="0">
               <a:noAutofit/>
             </a:bodyPr>
             <a:lstStyle/>
             <a:p>
-              <a:pPr indent="0" lvl="0" marL="0" rtl="0" algn="l">
+              <a:pPr marL="0" lvl="0" indent="0" algn="l" rtl="0">
                 <a:spcBef>
                   <a:spcPts val="0"/>
                 </a:spcBef>
@@ -2298,9 +2337,6 @@
                 </a:spcAft>
                 <a:buNone/>
               </a:pPr>
-              <a:r>
-                <a:t/>
-              </a:r>
               <a:endParaRPr/>
             </a:p>
           </p:txBody>
@@ -2318,7 +2354,7 @@
             </a:xfrm>
             <a:prstGeom prst="diagStripe">
               <a:avLst>
-                <a:gd fmla="val 50000" name="adj"/>
+                <a:gd name="adj" fmla="val 50000"/>
               </a:avLst>
             </a:prstGeom>
             <a:solidFill>
@@ -2331,12 +2367,12 @@
             </a:ln>
           </p:spPr>
           <p:txBody>
-            <a:bodyPr anchorCtr="0" anchor="ctr" bIns="91425" lIns="91425" spcFirstLastPara="1" rIns="91425" wrap="square" tIns="91425">
+            <a:bodyPr spcFirstLastPara="1" wrap="square" lIns="91425" tIns="91425" rIns="91425" bIns="91425" anchor="ctr" anchorCtr="0">
               <a:noAutofit/>
             </a:bodyPr>
             <a:lstStyle/>
             <a:p>
-              <a:pPr indent="0" lvl="0" marL="0" rtl="0" algn="l">
+              <a:pPr marL="0" lvl="0" indent="0" algn="l" rtl="0">
                 <a:spcBef>
                   <a:spcPts val="0"/>
                 </a:spcBef>
@@ -2345,9 +2381,6 @@
                 </a:spcAft>
                 <a:buNone/>
               </a:pPr>
-              <a:r>
-                <a:t/>
-              </a:r>
               <a:endParaRPr/>
             </a:p>
           </p:txBody>
@@ -2365,7 +2398,7 @@
             </a:xfrm>
             <a:prstGeom prst="diagStripe">
               <a:avLst>
-                <a:gd fmla="val 50000" name="adj"/>
+                <a:gd name="adj" fmla="val 50000"/>
               </a:avLst>
             </a:prstGeom>
             <a:solidFill>
@@ -2378,12 +2411,12 @@
             </a:ln>
           </p:spPr>
           <p:txBody>
-            <a:bodyPr anchorCtr="0" anchor="ctr" bIns="91425" lIns="91425" spcFirstLastPara="1" rIns="91425" wrap="square" tIns="91425">
+            <a:bodyPr spcFirstLastPara="1" wrap="square" lIns="91425" tIns="91425" rIns="91425" bIns="91425" anchor="ctr" anchorCtr="0">
               <a:noAutofit/>
             </a:bodyPr>
             <a:lstStyle/>
             <a:p>
-              <a:pPr indent="0" lvl="0" marL="0" rtl="0" algn="l">
+              <a:pPr marL="0" lvl="0" indent="0" algn="l" rtl="0">
                 <a:spcBef>
                   <a:spcPts val="0"/>
                 </a:spcBef>
@@ -2392,9 +2425,6 @@
                 </a:spcAft>
                 <a:buNone/>
               </a:pPr>
-              <a:r>
-                <a:t/>
-              </a:r>
               <a:endParaRPr/>
             </a:p>
           </p:txBody>
@@ -2412,7 +2442,7 @@
             </a:xfrm>
             <a:prstGeom prst="diagStripe">
               <a:avLst>
-                <a:gd fmla="val 50000" name="adj"/>
+                <a:gd name="adj" fmla="val 50000"/>
               </a:avLst>
             </a:prstGeom>
             <a:solidFill>
@@ -2425,12 +2455,12 @@
             </a:ln>
           </p:spPr>
           <p:txBody>
-            <a:bodyPr anchorCtr="0" anchor="ctr" bIns="91425" lIns="91425" spcFirstLastPara="1" rIns="91425" wrap="square" tIns="91425">
+            <a:bodyPr spcFirstLastPara="1" wrap="square" lIns="91425" tIns="91425" rIns="91425" bIns="91425" anchor="ctr" anchorCtr="0">
               <a:noAutofit/>
             </a:bodyPr>
             <a:lstStyle/>
             <a:p>
-              <a:pPr indent="0" lvl="0" marL="0" rtl="0" algn="l">
+              <a:pPr marL="0" lvl="0" indent="0" algn="l" rtl="0">
                 <a:spcBef>
                   <a:spcPts val="0"/>
                 </a:spcBef>
@@ -2439,9 +2469,6 @@
                 </a:spcAft>
                 <a:buNone/>
               </a:pPr>
-              <a:r>
-                <a:t/>
-              </a:r>
               <a:endParaRPr/>
             </a:p>
           </p:txBody>
@@ -2459,7 +2486,7 @@
             </a:xfrm>
             <a:prstGeom prst="diagStripe">
               <a:avLst>
-                <a:gd fmla="val 50000" name="adj"/>
+                <a:gd name="adj" fmla="val 50000"/>
               </a:avLst>
             </a:prstGeom>
             <a:solidFill>
@@ -2472,12 +2499,12 @@
             </a:ln>
           </p:spPr>
           <p:txBody>
-            <a:bodyPr anchorCtr="0" anchor="ctr" bIns="91425" lIns="91425" spcFirstLastPara="1" rIns="91425" wrap="square" tIns="91425">
+            <a:bodyPr spcFirstLastPara="1" wrap="square" lIns="91425" tIns="91425" rIns="91425" bIns="91425" anchor="ctr" anchorCtr="0">
               <a:noAutofit/>
             </a:bodyPr>
             <a:lstStyle/>
             <a:p>
-              <a:pPr indent="0" lvl="0" marL="0" rtl="0" algn="l">
+              <a:pPr marL="0" lvl="0" indent="0" algn="l" rtl="0">
                 <a:spcBef>
                   <a:spcPts val="0"/>
                 </a:spcBef>
@@ -2486,9 +2513,6 @@
                 </a:spcAft>
                 <a:buNone/>
               </a:pPr>
-              <a:r>
-                <a:t/>
-              </a:r>
               <a:endParaRPr/>
             </a:p>
           </p:txBody>
@@ -2506,7 +2530,7 @@
             </a:xfrm>
             <a:prstGeom prst="diagStripe">
               <a:avLst>
-                <a:gd fmla="val 50000" name="adj"/>
+                <a:gd name="adj" fmla="val 50000"/>
               </a:avLst>
             </a:prstGeom>
             <a:solidFill>
@@ -2517,12 +2541,12 @@
             </a:ln>
           </p:spPr>
           <p:txBody>
-            <a:bodyPr anchorCtr="0" anchor="ctr" bIns="91425" lIns="91425" spcFirstLastPara="1" rIns="91425" wrap="square" tIns="91425">
+            <a:bodyPr spcFirstLastPara="1" wrap="square" lIns="91425" tIns="91425" rIns="91425" bIns="91425" anchor="ctr" anchorCtr="0">
               <a:noAutofit/>
             </a:bodyPr>
             <a:lstStyle/>
             <a:p>
-              <a:pPr indent="0" lvl="0" marL="0" rtl="0" algn="l">
+              <a:pPr marL="0" lvl="0" indent="0" algn="l" rtl="0">
                 <a:spcBef>
                   <a:spcPts val="0"/>
                 </a:spcBef>
@@ -2531,9 +2555,6 @@
                 </a:spcAft>
                 <a:buNone/>
               </a:pPr>
-              <a:r>
-                <a:t/>
-              </a:r>
               <a:endParaRPr/>
             </a:p>
           </p:txBody>
@@ -2551,7 +2572,7 @@
             </a:xfrm>
             <a:prstGeom prst="diagStripe">
               <a:avLst>
-                <a:gd fmla="val 50000" name="adj"/>
+                <a:gd name="adj" fmla="val 50000"/>
               </a:avLst>
             </a:prstGeom>
             <a:solidFill>
@@ -2564,12 +2585,12 @@
             </a:ln>
           </p:spPr>
           <p:txBody>
-            <a:bodyPr anchorCtr="0" anchor="ctr" bIns="91425" lIns="91425" spcFirstLastPara="1" rIns="91425" wrap="square" tIns="91425">
+            <a:bodyPr spcFirstLastPara="1" wrap="square" lIns="91425" tIns="91425" rIns="91425" bIns="91425" anchor="ctr" anchorCtr="0">
               <a:noAutofit/>
             </a:bodyPr>
             <a:lstStyle/>
             <a:p>
-              <a:pPr indent="0" lvl="0" marL="0" rtl="0" algn="l">
+              <a:pPr marL="0" lvl="0" indent="0" algn="l" rtl="0">
                 <a:spcBef>
                   <a:spcPts val="0"/>
                 </a:spcBef>
@@ -2578,9 +2599,6 @@
                 </a:spcAft>
                 <a:buNone/>
               </a:pPr>
-              <a:r>
-                <a:t/>
-              </a:r>
               <a:endParaRPr/>
             </a:p>
           </p:txBody>
@@ -2598,7 +2616,7 @@
             </a:xfrm>
             <a:prstGeom prst="diagStripe">
               <a:avLst>
-                <a:gd fmla="val 50000" name="adj"/>
+                <a:gd name="adj" fmla="val 50000"/>
               </a:avLst>
             </a:prstGeom>
             <a:solidFill>
@@ -2611,12 +2629,12 @@
             </a:ln>
           </p:spPr>
           <p:txBody>
-            <a:bodyPr anchorCtr="0" anchor="ctr" bIns="91425" lIns="91425" spcFirstLastPara="1" rIns="91425" wrap="square" tIns="91425">
+            <a:bodyPr spcFirstLastPara="1" wrap="square" lIns="91425" tIns="91425" rIns="91425" bIns="91425" anchor="ctr" anchorCtr="0">
               <a:noAutofit/>
             </a:bodyPr>
             <a:lstStyle/>
             <a:p>
-              <a:pPr indent="0" lvl="0" marL="0" rtl="0" algn="l">
+              <a:pPr marL="0" lvl="0" indent="0" algn="l" rtl="0">
                 <a:spcBef>
                   <a:spcPts val="0"/>
                 </a:spcBef>
@@ -2625,9 +2643,6 @@
                 </a:spcAft>
                 <a:buNone/>
               </a:pPr>
-              <a:r>
-                <a:t/>
-              </a:r>
               <a:endParaRPr/>
             </a:p>
           </p:txBody>
@@ -2645,7 +2660,7 @@
             </a:xfrm>
             <a:prstGeom prst="diagStripe">
               <a:avLst>
-                <a:gd fmla="val 50000" name="adj"/>
+                <a:gd name="adj" fmla="val 50000"/>
               </a:avLst>
             </a:prstGeom>
             <a:solidFill>
@@ -2658,12 +2673,12 @@
             </a:ln>
           </p:spPr>
           <p:txBody>
-            <a:bodyPr anchorCtr="0" anchor="ctr" bIns="91425" lIns="91425" spcFirstLastPara="1" rIns="91425" wrap="square" tIns="91425">
+            <a:bodyPr spcFirstLastPara="1" wrap="square" lIns="91425" tIns="91425" rIns="91425" bIns="91425" anchor="ctr" anchorCtr="0">
               <a:noAutofit/>
             </a:bodyPr>
             <a:lstStyle/>
             <a:p>
-              <a:pPr indent="0" lvl="0" marL="0" rtl="0" algn="l">
+              <a:pPr marL="0" lvl="0" indent="0" algn="l" rtl="0">
                 <a:spcBef>
                   <a:spcPts val="0"/>
                 </a:spcBef>
@@ -2672,9 +2687,6 @@
                 </a:spcAft>
                 <a:buNone/>
               </a:pPr>
-              <a:r>
-                <a:t/>
-              </a:r>
               <a:endParaRPr/>
             </a:p>
           </p:txBody>
@@ -2692,7 +2704,7 @@
             </a:xfrm>
             <a:prstGeom prst="diagStripe">
               <a:avLst>
-                <a:gd fmla="val 50000" name="adj"/>
+                <a:gd name="adj" fmla="val 50000"/>
               </a:avLst>
             </a:prstGeom>
             <a:solidFill>
@@ -2705,12 +2717,12 @@
             </a:ln>
           </p:spPr>
           <p:txBody>
-            <a:bodyPr anchorCtr="0" anchor="ctr" bIns="91425" lIns="91425" spcFirstLastPara="1" rIns="91425" wrap="square" tIns="91425">
+            <a:bodyPr spcFirstLastPara="1" wrap="square" lIns="91425" tIns="91425" rIns="91425" bIns="91425" anchor="ctr" anchorCtr="0">
               <a:noAutofit/>
             </a:bodyPr>
             <a:lstStyle/>
             <a:p>
-              <a:pPr indent="0" lvl="0" marL="0" rtl="0" algn="l">
+              <a:pPr marL="0" lvl="0" indent="0" algn="l" rtl="0">
                 <a:spcBef>
                   <a:spcPts val="0"/>
                 </a:spcBef>
@@ -2719,9 +2731,6 @@
                 </a:spcAft>
                 <a:buNone/>
               </a:pPr>
-              <a:r>
-                <a:t/>
-              </a:r>
               <a:endParaRPr/>
             </a:p>
           </p:txBody>
@@ -2739,7 +2748,7 @@
             </a:xfrm>
             <a:prstGeom prst="diagStripe">
               <a:avLst>
-                <a:gd fmla="val 50000" name="adj"/>
+                <a:gd name="adj" fmla="val 50000"/>
               </a:avLst>
             </a:prstGeom>
             <a:solidFill>
@@ -2752,12 +2761,12 @@
             </a:ln>
           </p:spPr>
           <p:txBody>
-            <a:bodyPr anchorCtr="0" anchor="ctr" bIns="91425" lIns="91425" spcFirstLastPara="1" rIns="91425" wrap="square" tIns="91425">
+            <a:bodyPr spcFirstLastPara="1" wrap="square" lIns="91425" tIns="91425" rIns="91425" bIns="91425" anchor="ctr" anchorCtr="0">
               <a:noAutofit/>
             </a:bodyPr>
             <a:lstStyle/>
             <a:p>
-              <a:pPr indent="0" lvl="0" marL="0" rtl="0" algn="l">
+              <a:pPr marL="0" lvl="0" indent="0" algn="l" rtl="0">
                 <a:spcBef>
                   <a:spcPts val="0"/>
                 </a:spcBef>
@@ -2766,9 +2775,6 @@
                 </a:spcAft>
                 <a:buNone/>
               </a:pPr>
-              <a:r>
-                <a:t/>
-              </a:r>
               <a:endParaRPr/>
             </a:p>
           </p:txBody>
@@ -2786,7 +2792,7 @@
             </a:xfrm>
             <a:prstGeom prst="diagStripe">
               <a:avLst>
-                <a:gd fmla="val 50000" name="adj"/>
+                <a:gd name="adj" fmla="val 50000"/>
               </a:avLst>
             </a:prstGeom>
             <a:solidFill>
@@ -2797,12 +2803,12 @@
             </a:ln>
           </p:spPr>
           <p:txBody>
-            <a:bodyPr anchorCtr="0" anchor="ctr" bIns="91425" lIns="91425" spcFirstLastPara="1" rIns="91425" wrap="square" tIns="91425">
+            <a:bodyPr spcFirstLastPara="1" wrap="square" lIns="91425" tIns="91425" rIns="91425" bIns="91425" anchor="ctr" anchorCtr="0">
               <a:noAutofit/>
             </a:bodyPr>
             <a:lstStyle/>
             <a:p>
-              <a:pPr indent="0" lvl="0" marL="0" rtl="0" algn="l">
+              <a:pPr marL="0" lvl="0" indent="0" algn="l" rtl="0">
                 <a:spcBef>
                   <a:spcPts val="0"/>
                 </a:spcBef>
@@ -2811,9 +2817,6 @@
                 </a:spcAft>
                 <a:buNone/>
               </a:pPr>
-              <a:r>
-                <a:t/>
-              </a:r>
               <a:endParaRPr/>
             </a:p>
           </p:txBody>
@@ -2831,7 +2834,7 @@
             </a:xfrm>
             <a:prstGeom prst="diagStripe">
               <a:avLst>
-                <a:gd fmla="val 50000" name="adj"/>
+                <a:gd name="adj" fmla="val 50000"/>
               </a:avLst>
             </a:prstGeom>
             <a:solidFill>
@@ -2844,12 +2847,12 @@
             </a:ln>
           </p:spPr>
           <p:txBody>
-            <a:bodyPr anchorCtr="0" anchor="ctr" bIns="91425" lIns="91425" spcFirstLastPara="1" rIns="91425" wrap="square" tIns="91425">
+            <a:bodyPr spcFirstLastPara="1" wrap="square" lIns="91425" tIns="91425" rIns="91425" bIns="91425" anchor="ctr" anchorCtr="0">
               <a:noAutofit/>
             </a:bodyPr>
             <a:lstStyle/>
             <a:p>
-              <a:pPr indent="0" lvl="0" marL="0" rtl="0" algn="l">
+              <a:pPr marL="0" lvl="0" indent="0" algn="l" rtl="0">
                 <a:spcBef>
                   <a:spcPts val="0"/>
                 </a:spcBef>
@@ -2858,9 +2861,6 @@
                 </a:spcAft>
                 <a:buNone/>
               </a:pPr>
-              <a:r>
-                <a:t/>
-              </a:r>
               <a:endParaRPr/>
             </a:p>
           </p:txBody>
@@ -2878,7 +2878,7 @@
             </a:xfrm>
             <a:prstGeom prst="diagStripe">
               <a:avLst>
-                <a:gd fmla="val 50000" name="adj"/>
+                <a:gd name="adj" fmla="val 50000"/>
               </a:avLst>
             </a:prstGeom>
             <a:solidFill>
@@ -2891,12 +2891,12 @@
             </a:ln>
           </p:spPr>
           <p:txBody>
-            <a:bodyPr anchorCtr="0" anchor="ctr" bIns="91425" lIns="91425" spcFirstLastPara="1" rIns="91425" wrap="square" tIns="91425">
+            <a:bodyPr spcFirstLastPara="1" wrap="square" lIns="91425" tIns="91425" rIns="91425" bIns="91425" anchor="ctr" anchorCtr="0">
               <a:noAutofit/>
             </a:bodyPr>
             <a:lstStyle/>
             <a:p>
-              <a:pPr indent="0" lvl="0" marL="0" rtl="0" algn="l">
+              <a:pPr marL="0" lvl="0" indent="0" algn="l" rtl="0">
                 <a:spcBef>
                   <a:spcPts val="0"/>
                 </a:spcBef>
@@ -2905,9 +2905,6 @@
                 </a:spcAft>
                 <a:buNone/>
               </a:pPr>
-              <a:r>
-                <a:t/>
-              </a:r>
               <a:endParaRPr/>
             </a:p>
           </p:txBody>
@@ -2925,7 +2922,7 @@
             </a:xfrm>
             <a:prstGeom prst="diagStripe">
               <a:avLst>
-                <a:gd fmla="val 50000" name="adj"/>
+                <a:gd name="adj" fmla="val 50000"/>
               </a:avLst>
             </a:prstGeom>
             <a:solidFill>
@@ -2938,12 +2935,12 @@
             </a:ln>
           </p:spPr>
           <p:txBody>
-            <a:bodyPr anchorCtr="0" anchor="ctr" bIns="91425" lIns="91425" spcFirstLastPara="1" rIns="91425" wrap="square" tIns="91425">
+            <a:bodyPr spcFirstLastPara="1" wrap="square" lIns="91425" tIns="91425" rIns="91425" bIns="91425" anchor="ctr" anchorCtr="0">
               <a:noAutofit/>
             </a:bodyPr>
             <a:lstStyle/>
             <a:p>
-              <a:pPr indent="0" lvl="0" marL="0" rtl="0" algn="l">
+              <a:pPr marL="0" lvl="0" indent="0" algn="l" rtl="0">
                 <a:spcBef>
                   <a:spcPts val="0"/>
                 </a:spcBef>
@@ -2952,9 +2949,6 @@
                 </a:spcAft>
                 <a:buNone/>
               </a:pPr>
-              <a:r>
-                <a:t/>
-              </a:r>
               <a:endParaRPr/>
             </a:p>
           </p:txBody>
@@ -2972,7 +2966,7 @@
             </a:xfrm>
             <a:prstGeom prst="diagStripe">
               <a:avLst>
-                <a:gd fmla="val 50000" name="adj"/>
+                <a:gd name="adj" fmla="val 50000"/>
               </a:avLst>
             </a:prstGeom>
             <a:solidFill>
@@ -2985,12 +2979,12 @@
             </a:ln>
           </p:spPr>
           <p:txBody>
-            <a:bodyPr anchorCtr="0" anchor="ctr" bIns="91425" lIns="91425" spcFirstLastPara="1" rIns="91425" wrap="square" tIns="91425">
+            <a:bodyPr spcFirstLastPara="1" wrap="square" lIns="91425" tIns="91425" rIns="91425" bIns="91425" anchor="ctr" anchorCtr="0">
               <a:noAutofit/>
             </a:bodyPr>
             <a:lstStyle/>
             <a:p>
-              <a:pPr indent="0" lvl="0" marL="0" rtl="0" algn="l">
+              <a:pPr marL="0" lvl="0" indent="0" algn="l" rtl="0">
                 <a:spcBef>
                   <a:spcPts val="0"/>
                 </a:spcBef>
@@ -2999,9 +2993,6 @@
                 </a:spcAft>
                 <a:buNone/>
               </a:pPr>
-              <a:r>
-                <a:t/>
-              </a:r>
               <a:endParaRPr/>
             </a:p>
           </p:txBody>
@@ -3010,9 +3001,11 @@
       <p:sp>
         <p:nvSpPr>
           <p:cNvPr id="125" name="Google Shape;125;p11"/>
-          <p:cNvSpPr txBox="1"/>
+          <p:cNvSpPr txBox="1">
+            <a:spLocks noGrp="1"/>
+          </p:cNvSpPr>
           <p:nvPr>
-            <p:ph hasCustomPrompt="1" type="title"/>
+            <p:ph type="title" hasCustomPrompt="1"/>
           </p:nvPr>
         </p:nvSpPr>
         <p:spPr>
@@ -3025,7 +3018,7 @@
           </a:prstGeom>
         </p:spPr>
         <p:txBody>
-          <a:bodyPr anchorCtr="0" anchor="t" bIns="91425" lIns="91425" spcFirstLastPara="1" rIns="91425" wrap="square" tIns="91425">
+          <a:bodyPr spcFirstLastPara="1" wrap="square" lIns="91425" tIns="91425" rIns="91425" bIns="91425" anchor="t" anchorCtr="0">
             <a:normAutofit/>
           </a:bodyPr>
           <a:lstStyle>
@@ -3139,9 +3132,11 @@
       <p:sp>
         <p:nvSpPr>
           <p:cNvPr id="126" name="Google Shape;126;p11"/>
-          <p:cNvSpPr txBox="1"/>
+          <p:cNvSpPr txBox="1">
+            <a:spLocks noGrp="1"/>
+          </p:cNvSpPr>
           <p:nvPr>
-            <p:ph idx="1" type="body"/>
+            <p:ph type="body" idx="1"/>
           </p:nvPr>
         </p:nvSpPr>
         <p:spPr>
@@ -3154,11 +3149,11 @@
           </a:prstGeom>
         </p:spPr>
         <p:txBody>
-          <a:bodyPr anchorCtr="0" anchor="t" bIns="91425" lIns="91425" spcFirstLastPara="1" rIns="91425" wrap="square" tIns="91425">
+          <a:bodyPr spcFirstLastPara="1" wrap="square" lIns="91425" tIns="91425" rIns="91425" bIns="91425" anchor="t" anchorCtr="0">
             <a:normAutofit/>
           </a:bodyPr>
           <a:lstStyle>
-            <a:lvl1pPr indent="-311150" lvl="0" marL="457200">
+            <a:lvl1pPr marL="457200" lvl="0" indent="-311150">
               <a:spcBef>
                 <a:spcPts val="0"/>
               </a:spcBef>
@@ -3169,7 +3164,7 @@
               <a:buChar char="●"/>
               <a:defRPr/>
             </a:lvl1pPr>
-            <a:lvl2pPr indent="-298450" lvl="1" marL="914400">
+            <a:lvl2pPr marL="914400" lvl="1" indent="-298450">
               <a:spcBef>
                 <a:spcPts val="0"/>
               </a:spcBef>
@@ -3180,7 +3175,7 @@
               <a:buChar char="○"/>
               <a:defRPr/>
             </a:lvl2pPr>
-            <a:lvl3pPr indent="-298450" lvl="2" marL="1371600">
+            <a:lvl3pPr marL="1371600" lvl="2" indent="-298450">
               <a:spcBef>
                 <a:spcPts val="0"/>
               </a:spcBef>
@@ -3191,7 +3186,7 @@
               <a:buChar char="■"/>
               <a:defRPr/>
             </a:lvl3pPr>
-            <a:lvl4pPr indent="-298450" lvl="3" marL="1828800">
+            <a:lvl4pPr marL="1828800" lvl="3" indent="-298450">
               <a:spcBef>
                 <a:spcPts val="0"/>
               </a:spcBef>
@@ -3202,7 +3197,7 @@
               <a:buChar char="●"/>
               <a:defRPr/>
             </a:lvl4pPr>
-            <a:lvl5pPr indent="-298450" lvl="4" marL="2286000">
+            <a:lvl5pPr marL="2286000" lvl="4" indent="-298450">
               <a:spcBef>
                 <a:spcPts val="0"/>
               </a:spcBef>
@@ -3213,7 +3208,7 @@
               <a:buChar char="○"/>
               <a:defRPr/>
             </a:lvl5pPr>
-            <a:lvl6pPr indent="-298450" lvl="5" marL="2743200">
+            <a:lvl6pPr marL="2743200" lvl="5" indent="-298450">
               <a:spcBef>
                 <a:spcPts val="0"/>
               </a:spcBef>
@@ -3224,7 +3219,7 @@
               <a:buChar char="■"/>
               <a:defRPr/>
             </a:lvl6pPr>
-            <a:lvl7pPr indent="-298450" lvl="6" marL="3200400">
+            <a:lvl7pPr marL="3200400" lvl="6" indent="-298450">
               <a:spcBef>
                 <a:spcPts val="0"/>
               </a:spcBef>
@@ -3235,7 +3230,7 @@
               <a:buChar char="●"/>
               <a:defRPr/>
             </a:lvl7pPr>
-            <a:lvl8pPr indent="-298450" lvl="7" marL="3657600">
+            <a:lvl8pPr marL="3657600" lvl="7" indent="-298450">
               <a:spcBef>
                 <a:spcPts val="0"/>
               </a:spcBef>
@@ -3246,7 +3241,7 @@
               <a:buChar char="○"/>
               <a:defRPr/>
             </a:lvl8pPr>
-            <a:lvl9pPr indent="-298450" lvl="8" marL="4114800">
+            <a:lvl9pPr marL="4114800" lvl="8" indent="-298450">
               <a:spcBef>
                 <a:spcPts val="0"/>
               </a:spcBef>
@@ -3258,15 +3253,19 @@
               <a:defRPr/>
             </a:lvl9pPr>
           </a:lstStyle>
-          <a:p/>
+          <a:p>
+            <a:endParaRPr/>
+          </a:p>
         </p:txBody>
       </p:sp>
       <p:sp>
         <p:nvSpPr>
           <p:cNvPr id="127" name="Google Shape;127;p11"/>
-          <p:cNvSpPr txBox="1"/>
+          <p:cNvSpPr txBox="1">
+            <a:spLocks noGrp="1"/>
+          </p:cNvSpPr>
           <p:nvPr>
-            <p:ph idx="12" type="sldNum"/>
+            <p:ph type="sldNum" idx="12"/>
           </p:nvPr>
         </p:nvSpPr>
         <p:spPr>
@@ -3279,7 +3278,7 @@
           </a:prstGeom>
         </p:spPr>
         <p:txBody>
-          <a:bodyPr anchorCtr="0" anchor="ctr" bIns="91425" lIns="91425" spcFirstLastPara="1" rIns="91425" wrap="square" tIns="91425">
+          <a:bodyPr spcFirstLastPara="1" wrap="square" lIns="91425" tIns="91425" rIns="91425" bIns="91425" anchor="ctr" anchorCtr="0">
             <a:normAutofit/>
           </a:bodyPr>
           <a:lstStyle>
@@ -3321,7 +3320,7 @@
             </a:lvl9pPr>
           </a:lstStyle>
           <a:p>
-            <a:pPr indent="0" lvl="0" marL="0" rtl="0" algn="r">
+            <a:pPr marL="0" lvl="0" indent="0" algn="r" rtl="0">
               <a:spcBef>
                 <a:spcPts val="0"/>
               </a:spcBef>
@@ -3332,7 +3331,7 @@
             </a:pPr>
             <a:fld id="{00000000-1234-1234-1234-123412341234}" type="slidenum">
               <a:rPr lang="fr"/>
-              <a:t>‹#›</a:t>
+              <a:t>‹N°›</a:t>
             </a:fld>
             <a:endParaRPr/>
           </a:p>
@@ -3347,11 +3346,11 @@
 </file>
 
 <file path=ppt/slideLayouts/slideLayout11.xml><?xml version="1.0" encoding="utf-8"?>
-<p:sldLayout xmlns:a="http://schemas.openxmlformats.org/drawingml/2006/main" xmlns:r="http://schemas.openxmlformats.org/officeDocument/2006/relationships" xmlns:mc="http://schemas.openxmlformats.org/markup-compatibility/2006" xmlns:mv="urn:schemas-microsoft-com:mac:vml" xmlns:p="http://schemas.openxmlformats.org/presentationml/2006/main" xmlns:c="http://schemas.openxmlformats.org/drawingml/2006/chart" xmlns:dgm="http://schemas.openxmlformats.org/drawingml/2006/diagram" xmlns:o="urn:schemas-microsoft-com:office:office" xmlns:v="urn:schemas-microsoft-com:vml" xmlns:pvml="urn:schemas-microsoft-com:office:powerpoint" xmlns:com="http://schemas.openxmlformats.org/drawingml/2006/compatibility" xmlns:p14="http://schemas.microsoft.com/office/powerpoint/2010/main" xmlns:p15="http://schemas.microsoft.com/office/powerpoint/2012/main" xmlns:ahyp="http://schemas.microsoft.com/office/drawing/2018/hyperlinkcolor" matchingName="Blank" type="blank">
+<p:sldLayout xmlns:a="http://schemas.openxmlformats.org/drawingml/2006/main" xmlns:r="http://schemas.openxmlformats.org/officeDocument/2006/relationships" xmlns:p="http://schemas.openxmlformats.org/presentationml/2006/main" matchingName="Blank" type="blank">
   <p:cSld name="BLANK">
     <p:spTree>
       <p:nvGrpSpPr>
-        <p:cNvPr id="128" name="Shape 128"/>
+        <p:cNvPr id="1" name="Shape 128"/>
         <p:cNvGrpSpPr/>
         <p:nvPr/>
       </p:nvGrpSpPr>
@@ -3366,9 +3365,11 @@
       <p:sp>
         <p:nvSpPr>
           <p:cNvPr id="129" name="Google Shape;129;p12"/>
-          <p:cNvSpPr txBox="1"/>
+          <p:cNvSpPr txBox="1">
+            <a:spLocks noGrp="1"/>
+          </p:cNvSpPr>
           <p:nvPr>
-            <p:ph idx="12" type="sldNum"/>
+            <p:ph type="sldNum" idx="12"/>
           </p:nvPr>
         </p:nvSpPr>
         <p:spPr>
@@ -3381,7 +3382,7 @@
           </a:prstGeom>
         </p:spPr>
         <p:txBody>
-          <a:bodyPr anchorCtr="0" anchor="ctr" bIns="91425" lIns="91425" spcFirstLastPara="1" rIns="91425" wrap="square" tIns="91425">
+          <a:bodyPr spcFirstLastPara="1" wrap="square" lIns="91425" tIns="91425" rIns="91425" bIns="91425" anchor="ctr" anchorCtr="0">
             <a:normAutofit/>
           </a:bodyPr>
           <a:lstStyle>
@@ -3423,7 +3424,7 @@
             </a:lvl9pPr>
           </a:lstStyle>
           <a:p>
-            <a:pPr indent="0" lvl="0" marL="0" rtl="0" algn="r">
+            <a:pPr marL="0" lvl="0" indent="0" algn="r" rtl="0">
               <a:spcBef>
                 <a:spcPts val="0"/>
               </a:spcBef>
@@ -3434,7 +3435,7 @@
             </a:pPr>
             <a:fld id="{00000000-1234-1234-1234-123412341234}" type="slidenum">
               <a:rPr lang="fr"/>
-              <a:t>‹#›</a:t>
+              <a:t>‹N°›</a:t>
             </a:fld>
             <a:endParaRPr/>
           </a:p>
@@ -3449,11 +3450,11 @@
 </file>
 
 <file path=ppt/slideLayouts/slideLayout2.xml><?xml version="1.0" encoding="utf-8"?>
-<p:sldLayout xmlns:a="http://schemas.openxmlformats.org/drawingml/2006/main" xmlns:r="http://schemas.openxmlformats.org/officeDocument/2006/relationships" xmlns:mc="http://schemas.openxmlformats.org/markup-compatibility/2006" xmlns:mv="urn:schemas-microsoft-com:mac:vml" xmlns:p="http://schemas.openxmlformats.org/presentationml/2006/main" xmlns:c="http://schemas.openxmlformats.org/drawingml/2006/chart" xmlns:dgm="http://schemas.openxmlformats.org/drawingml/2006/diagram" xmlns:o="urn:schemas-microsoft-com:office:office" xmlns:v="urn:schemas-microsoft-com:vml" xmlns:pvml="urn:schemas-microsoft-com:office:powerpoint" xmlns:com="http://schemas.openxmlformats.org/drawingml/2006/compatibility" xmlns:p14="http://schemas.microsoft.com/office/powerpoint/2010/main" xmlns:p15="http://schemas.microsoft.com/office/powerpoint/2012/main" xmlns:ahyp="http://schemas.microsoft.com/office/drawing/2018/hyperlinkcolor" matchingName="Section header" type="secHead">
+<p:sldLayout xmlns:a="http://schemas.openxmlformats.org/drawingml/2006/main" xmlns:r="http://schemas.openxmlformats.org/officeDocument/2006/relationships" xmlns:p="http://schemas.openxmlformats.org/presentationml/2006/main" matchingName="Section header" type="secHead">
   <p:cSld name="SECTION_HEADER">
     <p:spTree>
       <p:nvGrpSpPr>
-        <p:cNvPr id="19" name="Shape 19"/>
+        <p:cNvPr id="1" name="Shape 19"/>
         <p:cNvGrpSpPr/>
         <p:nvPr/>
       </p:nvGrpSpPr>
@@ -3492,7 +3493,7 @@
             </a:xfrm>
             <a:prstGeom prst="diagStripe">
               <a:avLst>
-                <a:gd fmla="val 49469" name="adj"/>
+                <a:gd name="adj" fmla="val 49469"/>
               </a:avLst>
             </a:prstGeom>
             <a:solidFill>
@@ -3505,12 +3506,12 @@
             </a:ln>
           </p:spPr>
           <p:txBody>
-            <a:bodyPr anchorCtr="0" anchor="ctr" bIns="91425" lIns="91425" spcFirstLastPara="1" rIns="91425" wrap="square" tIns="91425">
+            <a:bodyPr spcFirstLastPara="1" wrap="square" lIns="91425" tIns="91425" rIns="91425" bIns="91425" anchor="ctr" anchorCtr="0">
               <a:noAutofit/>
             </a:bodyPr>
             <a:lstStyle/>
             <a:p>
-              <a:pPr indent="0" lvl="0" marL="0" rtl="0" algn="l">
+              <a:pPr marL="0" lvl="0" indent="0" algn="l" rtl="0">
                 <a:spcBef>
                   <a:spcPts val="0"/>
                 </a:spcBef>
@@ -3519,9 +3520,6 @@
                 </a:spcAft>
                 <a:buNone/>
               </a:pPr>
-              <a:r>
-                <a:t/>
-              </a:r>
               <a:endParaRPr/>
             </a:p>
           </p:txBody>
@@ -3539,7 +3537,7 @@
             </a:xfrm>
             <a:prstGeom prst="diagStripe">
               <a:avLst>
-                <a:gd fmla="val 0" name="adj"/>
+                <a:gd name="adj" fmla="val 0"/>
               </a:avLst>
             </a:prstGeom>
             <a:solidFill>
@@ -3552,12 +3550,12 @@
             </a:ln>
           </p:spPr>
           <p:txBody>
-            <a:bodyPr anchorCtr="0" anchor="ctr" bIns="91425" lIns="91425" spcFirstLastPara="1" rIns="91425" wrap="square" tIns="91425">
+            <a:bodyPr spcFirstLastPara="1" wrap="square" lIns="91425" tIns="91425" rIns="91425" bIns="91425" anchor="ctr" anchorCtr="0">
               <a:noAutofit/>
             </a:bodyPr>
             <a:lstStyle/>
             <a:p>
-              <a:pPr indent="0" lvl="0" marL="0" rtl="0" algn="l">
+              <a:pPr marL="0" lvl="0" indent="0" algn="l" rtl="0">
                 <a:spcBef>
                   <a:spcPts val="0"/>
                 </a:spcBef>
@@ -3566,9 +3564,6 @@
                 </a:spcAft>
                 <a:buNone/>
               </a:pPr>
-              <a:r>
-                <a:t/>
-              </a:r>
               <a:endParaRPr/>
             </a:p>
           </p:txBody>
@@ -3586,7 +3581,7 @@
             </a:xfrm>
             <a:prstGeom prst="diagStripe">
               <a:avLst>
-                <a:gd fmla="val 50000" name="adj"/>
+                <a:gd name="adj" fmla="val 50000"/>
               </a:avLst>
             </a:prstGeom>
             <a:solidFill>
@@ -3599,12 +3594,12 @@
             </a:ln>
           </p:spPr>
           <p:txBody>
-            <a:bodyPr anchorCtr="0" anchor="ctr" bIns="91425" lIns="91425" spcFirstLastPara="1" rIns="91425" wrap="square" tIns="91425">
+            <a:bodyPr spcFirstLastPara="1" wrap="square" lIns="91425" tIns="91425" rIns="91425" bIns="91425" anchor="ctr" anchorCtr="0">
               <a:noAutofit/>
             </a:bodyPr>
             <a:lstStyle/>
             <a:p>
-              <a:pPr indent="0" lvl="0" marL="0" rtl="0" algn="l">
+              <a:pPr marL="0" lvl="0" indent="0" algn="l" rtl="0">
                 <a:spcBef>
                   <a:spcPts val="0"/>
                 </a:spcBef>
@@ -3613,9 +3608,6 @@
                 </a:spcAft>
                 <a:buNone/>
               </a:pPr>
-              <a:r>
-                <a:t/>
-              </a:r>
               <a:endParaRPr/>
             </a:p>
           </p:txBody>
@@ -3633,7 +3625,7 @@
             </a:xfrm>
             <a:prstGeom prst="diagStripe">
               <a:avLst>
-                <a:gd fmla="val 50000" name="adj"/>
+                <a:gd name="adj" fmla="val 50000"/>
               </a:avLst>
             </a:prstGeom>
             <a:solidFill>
@@ -3646,12 +3638,12 @@
             </a:ln>
           </p:spPr>
           <p:txBody>
-            <a:bodyPr anchorCtr="0" anchor="ctr" bIns="91425" lIns="91425" spcFirstLastPara="1" rIns="91425" wrap="square" tIns="91425">
+            <a:bodyPr spcFirstLastPara="1" wrap="square" lIns="91425" tIns="91425" rIns="91425" bIns="91425" anchor="ctr" anchorCtr="0">
               <a:noAutofit/>
             </a:bodyPr>
             <a:lstStyle/>
             <a:p>
-              <a:pPr indent="0" lvl="0" marL="0" rtl="0" algn="l">
+              <a:pPr marL="0" lvl="0" indent="0" algn="l" rtl="0">
                 <a:spcBef>
                   <a:spcPts val="0"/>
                 </a:spcBef>
@@ -3660,9 +3652,6 @@
                 </a:spcAft>
                 <a:buNone/>
               </a:pPr>
-              <a:r>
-                <a:t/>
-              </a:r>
               <a:endParaRPr/>
             </a:p>
           </p:txBody>
@@ -3680,7 +3669,7 @@
             </a:xfrm>
             <a:prstGeom prst="diagStripe">
               <a:avLst>
-                <a:gd fmla="val 50000" name="adj"/>
+                <a:gd name="adj" fmla="val 50000"/>
               </a:avLst>
             </a:prstGeom>
             <a:solidFill>
@@ -3693,12 +3682,12 @@
             </a:ln>
           </p:spPr>
           <p:txBody>
-            <a:bodyPr anchorCtr="0" anchor="ctr" bIns="91425" lIns="91425" spcFirstLastPara="1" rIns="91425" wrap="square" tIns="91425">
+            <a:bodyPr spcFirstLastPara="1" wrap="square" lIns="91425" tIns="91425" rIns="91425" bIns="91425" anchor="ctr" anchorCtr="0">
               <a:noAutofit/>
             </a:bodyPr>
             <a:lstStyle/>
             <a:p>
-              <a:pPr indent="0" lvl="0" marL="0" rtl="0" algn="l">
+              <a:pPr marL="0" lvl="0" indent="0" algn="l" rtl="0">
                 <a:spcBef>
                   <a:spcPts val="0"/>
                 </a:spcBef>
@@ -3707,9 +3696,6 @@
                 </a:spcAft>
                 <a:buNone/>
               </a:pPr>
-              <a:r>
-                <a:t/>
-              </a:r>
               <a:endParaRPr/>
             </a:p>
           </p:txBody>
@@ -3727,7 +3713,7 @@
             </a:xfrm>
             <a:prstGeom prst="diagStripe">
               <a:avLst>
-                <a:gd fmla="val 50000" name="adj"/>
+                <a:gd name="adj" fmla="val 50000"/>
               </a:avLst>
             </a:prstGeom>
             <a:solidFill>
@@ -3740,12 +3726,12 @@
             </a:ln>
           </p:spPr>
           <p:txBody>
-            <a:bodyPr anchorCtr="0" anchor="ctr" bIns="91425" lIns="91425" spcFirstLastPara="1" rIns="91425" wrap="square" tIns="91425">
+            <a:bodyPr spcFirstLastPara="1" wrap="square" lIns="91425" tIns="91425" rIns="91425" bIns="91425" anchor="ctr" anchorCtr="0">
               <a:noAutofit/>
             </a:bodyPr>
             <a:lstStyle/>
             <a:p>
-              <a:pPr indent="0" lvl="0" marL="0" rtl="0" algn="l">
+              <a:pPr marL="0" lvl="0" indent="0" algn="l" rtl="0">
                 <a:spcBef>
                   <a:spcPts val="0"/>
                 </a:spcBef>
@@ -3754,9 +3740,6 @@
                 </a:spcAft>
                 <a:buNone/>
               </a:pPr>
-              <a:r>
-                <a:t/>
-              </a:r>
               <a:endParaRPr/>
             </a:p>
           </p:txBody>
@@ -3774,7 +3757,7 @@
             </a:xfrm>
             <a:prstGeom prst="diagStripe">
               <a:avLst>
-                <a:gd fmla="val 50000" name="adj"/>
+                <a:gd name="adj" fmla="val 50000"/>
               </a:avLst>
             </a:prstGeom>
             <a:solidFill>
@@ -3787,12 +3770,12 @@
             </a:ln>
           </p:spPr>
           <p:txBody>
-            <a:bodyPr anchorCtr="0" anchor="ctr" bIns="91425" lIns="91425" spcFirstLastPara="1" rIns="91425" wrap="square" tIns="91425">
+            <a:bodyPr spcFirstLastPara="1" wrap="square" lIns="91425" tIns="91425" rIns="91425" bIns="91425" anchor="ctr" anchorCtr="0">
               <a:noAutofit/>
             </a:bodyPr>
             <a:lstStyle/>
             <a:p>
-              <a:pPr indent="0" lvl="0" marL="0" rtl="0" algn="l">
+              <a:pPr marL="0" lvl="0" indent="0" algn="l" rtl="0">
                 <a:spcBef>
                   <a:spcPts val="0"/>
                 </a:spcBef>
@@ -3801,9 +3784,6 @@
                 </a:spcAft>
                 <a:buNone/>
               </a:pPr>
-              <a:r>
-                <a:t/>
-              </a:r>
               <a:endParaRPr/>
             </a:p>
           </p:txBody>
@@ -3821,7 +3801,7 @@
             </a:xfrm>
             <a:prstGeom prst="diagStripe">
               <a:avLst>
-                <a:gd fmla="val 50000" name="adj"/>
+                <a:gd name="adj" fmla="val 50000"/>
               </a:avLst>
             </a:prstGeom>
             <a:solidFill>
@@ -3832,12 +3812,12 @@
             </a:ln>
           </p:spPr>
           <p:txBody>
-            <a:bodyPr anchorCtr="0" anchor="ctr" bIns="91425" lIns="91425" spcFirstLastPara="1" rIns="91425" wrap="square" tIns="91425">
+            <a:bodyPr spcFirstLastPara="1" wrap="square" lIns="91425" tIns="91425" rIns="91425" bIns="91425" anchor="ctr" anchorCtr="0">
               <a:noAutofit/>
             </a:bodyPr>
             <a:lstStyle/>
             <a:p>
-              <a:pPr indent="0" lvl="0" marL="0" rtl="0" algn="l">
+              <a:pPr marL="0" lvl="0" indent="0" algn="l" rtl="0">
                 <a:spcBef>
                   <a:spcPts val="0"/>
                 </a:spcBef>
@@ -3846,9 +3826,6 @@
                 </a:spcAft>
                 <a:buNone/>
               </a:pPr>
-              <a:r>
-                <a:t/>
-              </a:r>
               <a:endParaRPr/>
             </a:p>
           </p:txBody>
@@ -3866,7 +3843,7 @@
             </a:xfrm>
             <a:prstGeom prst="diagStripe">
               <a:avLst>
-                <a:gd fmla="val 50000" name="adj"/>
+                <a:gd name="adj" fmla="val 50000"/>
               </a:avLst>
             </a:prstGeom>
             <a:solidFill>
@@ -3879,12 +3856,12 @@
             </a:ln>
           </p:spPr>
           <p:txBody>
-            <a:bodyPr anchorCtr="0" anchor="ctr" bIns="91425" lIns="91425" spcFirstLastPara="1" rIns="91425" wrap="square" tIns="91425">
+            <a:bodyPr spcFirstLastPara="1" wrap="square" lIns="91425" tIns="91425" rIns="91425" bIns="91425" anchor="ctr" anchorCtr="0">
               <a:noAutofit/>
             </a:bodyPr>
             <a:lstStyle/>
             <a:p>
-              <a:pPr indent="0" lvl="0" marL="0" rtl="0" algn="l">
+              <a:pPr marL="0" lvl="0" indent="0" algn="l" rtl="0">
                 <a:spcBef>
                   <a:spcPts val="0"/>
                 </a:spcBef>
@@ -3893,9 +3870,6 @@
                 </a:spcAft>
                 <a:buNone/>
               </a:pPr>
-              <a:r>
-                <a:t/>
-              </a:r>
               <a:endParaRPr/>
             </a:p>
           </p:txBody>
@@ -3913,7 +3887,7 @@
             </a:xfrm>
             <a:prstGeom prst="diagStripe">
               <a:avLst>
-                <a:gd fmla="val 50000" name="adj"/>
+                <a:gd name="adj" fmla="val 50000"/>
               </a:avLst>
             </a:prstGeom>
             <a:solidFill>
@@ -3926,12 +3900,12 @@
             </a:ln>
           </p:spPr>
           <p:txBody>
-            <a:bodyPr anchorCtr="0" anchor="ctr" bIns="91425" lIns="91425" spcFirstLastPara="1" rIns="91425" wrap="square" tIns="91425">
+            <a:bodyPr spcFirstLastPara="1" wrap="square" lIns="91425" tIns="91425" rIns="91425" bIns="91425" anchor="ctr" anchorCtr="0">
               <a:noAutofit/>
             </a:bodyPr>
             <a:lstStyle/>
             <a:p>
-              <a:pPr indent="0" lvl="0" marL="0" rtl="0" algn="l">
+              <a:pPr marL="0" lvl="0" indent="0" algn="l" rtl="0">
                 <a:spcBef>
                   <a:spcPts val="0"/>
                 </a:spcBef>
@@ -3940,9 +3914,6 @@
                 </a:spcAft>
                 <a:buNone/>
               </a:pPr>
-              <a:r>
-                <a:t/>
-              </a:r>
               <a:endParaRPr/>
             </a:p>
           </p:txBody>
@@ -3960,7 +3931,7 @@
             </a:xfrm>
             <a:prstGeom prst="diagStripe">
               <a:avLst>
-                <a:gd fmla="val 50000" name="adj"/>
+                <a:gd name="adj" fmla="val 50000"/>
               </a:avLst>
             </a:prstGeom>
             <a:solidFill>
@@ -3973,12 +3944,12 @@
             </a:ln>
           </p:spPr>
           <p:txBody>
-            <a:bodyPr anchorCtr="0" anchor="ctr" bIns="91425" lIns="91425" spcFirstLastPara="1" rIns="91425" wrap="square" tIns="91425">
+            <a:bodyPr spcFirstLastPara="1" wrap="square" lIns="91425" tIns="91425" rIns="91425" bIns="91425" anchor="ctr" anchorCtr="0">
               <a:noAutofit/>
             </a:bodyPr>
             <a:lstStyle/>
             <a:p>
-              <a:pPr indent="0" lvl="0" marL="0" rtl="0" algn="l">
+              <a:pPr marL="0" lvl="0" indent="0" algn="l" rtl="0">
                 <a:spcBef>
                   <a:spcPts val="0"/>
                 </a:spcBef>
@@ -3987,9 +3958,6 @@
                 </a:spcAft>
                 <a:buNone/>
               </a:pPr>
-              <a:r>
-                <a:t/>
-              </a:r>
               <a:endParaRPr/>
             </a:p>
           </p:txBody>
@@ -4007,7 +3975,7 @@
             </a:xfrm>
             <a:prstGeom prst="diagStripe">
               <a:avLst>
-                <a:gd fmla="val 50000" name="adj"/>
+                <a:gd name="adj" fmla="val 50000"/>
               </a:avLst>
             </a:prstGeom>
             <a:solidFill>
@@ -4020,12 +3988,12 @@
             </a:ln>
           </p:spPr>
           <p:txBody>
-            <a:bodyPr anchorCtr="0" anchor="ctr" bIns="91425" lIns="91425" spcFirstLastPara="1" rIns="91425" wrap="square" tIns="91425">
+            <a:bodyPr spcFirstLastPara="1" wrap="square" lIns="91425" tIns="91425" rIns="91425" bIns="91425" anchor="ctr" anchorCtr="0">
               <a:noAutofit/>
             </a:bodyPr>
             <a:lstStyle/>
             <a:p>
-              <a:pPr indent="0" lvl="0" marL="0" rtl="0" algn="l">
+              <a:pPr marL="0" lvl="0" indent="0" algn="l" rtl="0">
                 <a:spcBef>
                   <a:spcPts val="0"/>
                 </a:spcBef>
@@ -4034,9 +4002,6 @@
                 </a:spcAft>
                 <a:buNone/>
               </a:pPr>
-              <a:r>
-                <a:t/>
-              </a:r>
               <a:endParaRPr/>
             </a:p>
           </p:txBody>
@@ -4054,7 +4019,7 @@
             </a:xfrm>
             <a:prstGeom prst="diagStripe">
               <a:avLst>
-                <a:gd fmla="val 50000" name="adj"/>
+                <a:gd name="adj" fmla="val 50000"/>
               </a:avLst>
             </a:prstGeom>
             <a:solidFill>
@@ -4067,12 +4032,12 @@
             </a:ln>
           </p:spPr>
           <p:txBody>
-            <a:bodyPr anchorCtr="0" anchor="ctr" bIns="91425" lIns="91425" spcFirstLastPara="1" rIns="91425" wrap="square" tIns="91425">
+            <a:bodyPr spcFirstLastPara="1" wrap="square" lIns="91425" tIns="91425" rIns="91425" bIns="91425" anchor="ctr" anchorCtr="0">
               <a:noAutofit/>
             </a:bodyPr>
             <a:lstStyle/>
             <a:p>
-              <a:pPr indent="0" lvl="0" marL="0" rtl="0" algn="l">
+              <a:pPr marL="0" lvl="0" indent="0" algn="l" rtl="0">
                 <a:spcBef>
                   <a:spcPts val="0"/>
                 </a:spcBef>
@@ -4081,9 +4046,6 @@
                 </a:spcAft>
                 <a:buNone/>
               </a:pPr>
-              <a:r>
-                <a:t/>
-              </a:r>
               <a:endParaRPr/>
             </a:p>
           </p:txBody>
@@ -4101,7 +4063,7 @@
             </a:xfrm>
             <a:prstGeom prst="diagStripe">
               <a:avLst>
-                <a:gd fmla="val 50000" name="adj"/>
+                <a:gd name="adj" fmla="val 50000"/>
               </a:avLst>
             </a:prstGeom>
             <a:solidFill>
@@ -4112,12 +4074,12 @@
             </a:ln>
           </p:spPr>
           <p:txBody>
-            <a:bodyPr anchorCtr="0" anchor="ctr" bIns="91425" lIns="91425" spcFirstLastPara="1" rIns="91425" wrap="square" tIns="91425">
+            <a:bodyPr spcFirstLastPara="1" wrap="square" lIns="91425" tIns="91425" rIns="91425" bIns="91425" anchor="ctr" anchorCtr="0">
               <a:noAutofit/>
             </a:bodyPr>
             <a:lstStyle/>
             <a:p>
-              <a:pPr indent="0" lvl="0" marL="0" rtl="0" algn="l">
+              <a:pPr marL="0" lvl="0" indent="0" algn="l" rtl="0">
                 <a:spcBef>
                   <a:spcPts val="0"/>
                 </a:spcBef>
@@ -4126,9 +4088,6 @@
                 </a:spcAft>
                 <a:buNone/>
               </a:pPr>
-              <a:r>
-                <a:t/>
-              </a:r>
               <a:endParaRPr/>
             </a:p>
           </p:txBody>
@@ -4146,7 +4105,7 @@
             </a:xfrm>
             <a:prstGeom prst="diagStripe">
               <a:avLst>
-                <a:gd fmla="val 50000" name="adj"/>
+                <a:gd name="adj" fmla="val 50000"/>
               </a:avLst>
             </a:prstGeom>
             <a:solidFill>
@@ -4159,12 +4118,12 @@
             </a:ln>
           </p:spPr>
           <p:txBody>
-            <a:bodyPr anchorCtr="0" anchor="ctr" bIns="91425" lIns="91425" spcFirstLastPara="1" rIns="91425" wrap="square" tIns="91425">
+            <a:bodyPr spcFirstLastPara="1" wrap="square" lIns="91425" tIns="91425" rIns="91425" bIns="91425" anchor="ctr" anchorCtr="0">
               <a:noAutofit/>
             </a:bodyPr>
             <a:lstStyle/>
             <a:p>
-              <a:pPr indent="0" lvl="0" marL="0" rtl="0" algn="l">
+              <a:pPr marL="0" lvl="0" indent="0" algn="l" rtl="0">
                 <a:spcBef>
                   <a:spcPts val="0"/>
                 </a:spcBef>
@@ -4173,9 +4132,6 @@
                 </a:spcAft>
                 <a:buNone/>
               </a:pPr>
-              <a:r>
-                <a:t/>
-              </a:r>
               <a:endParaRPr/>
             </a:p>
           </p:txBody>
@@ -4193,7 +4149,7 @@
             </a:xfrm>
             <a:prstGeom prst="diagStripe">
               <a:avLst>
-                <a:gd fmla="val 50000" name="adj"/>
+                <a:gd name="adj" fmla="val 50000"/>
               </a:avLst>
             </a:prstGeom>
             <a:solidFill>
@@ -4206,12 +4162,12 @@
             </a:ln>
           </p:spPr>
           <p:txBody>
-            <a:bodyPr anchorCtr="0" anchor="ctr" bIns="91425" lIns="91425" spcFirstLastPara="1" rIns="91425" wrap="square" tIns="91425">
+            <a:bodyPr spcFirstLastPara="1" wrap="square" lIns="91425" tIns="91425" rIns="91425" bIns="91425" anchor="ctr" anchorCtr="0">
               <a:noAutofit/>
             </a:bodyPr>
             <a:lstStyle/>
             <a:p>
-              <a:pPr indent="0" lvl="0" marL="0" rtl="0" algn="l">
+              <a:pPr marL="0" lvl="0" indent="0" algn="l" rtl="0">
                 <a:spcBef>
                   <a:spcPts val="0"/>
                 </a:spcBef>
@@ -4220,9 +4176,6 @@
                 </a:spcAft>
                 <a:buNone/>
               </a:pPr>
-              <a:r>
-                <a:t/>
-              </a:r>
               <a:endParaRPr/>
             </a:p>
           </p:txBody>
@@ -4240,7 +4193,7 @@
             </a:xfrm>
             <a:prstGeom prst="diagStripe">
               <a:avLst>
-                <a:gd fmla="val 50000" name="adj"/>
+                <a:gd name="adj" fmla="val 50000"/>
               </a:avLst>
             </a:prstGeom>
             <a:solidFill>
@@ -4253,12 +4206,12 @@
             </a:ln>
           </p:spPr>
           <p:txBody>
-            <a:bodyPr anchorCtr="0" anchor="ctr" bIns="91425" lIns="91425" spcFirstLastPara="1" rIns="91425" wrap="square" tIns="91425">
+            <a:bodyPr spcFirstLastPara="1" wrap="square" lIns="91425" tIns="91425" rIns="91425" bIns="91425" anchor="ctr" anchorCtr="0">
               <a:noAutofit/>
             </a:bodyPr>
             <a:lstStyle/>
             <a:p>
-              <a:pPr indent="0" lvl="0" marL="0" rtl="0" algn="l">
+              <a:pPr marL="0" lvl="0" indent="0" algn="l" rtl="0">
                 <a:spcBef>
                   <a:spcPts val="0"/>
                 </a:spcBef>
@@ -4267,9 +4220,6 @@
                 </a:spcAft>
                 <a:buNone/>
               </a:pPr>
-              <a:r>
-                <a:t/>
-              </a:r>
               <a:endParaRPr/>
             </a:p>
           </p:txBody>
@@ -4287,7 +4237,7 @@
             </a:xfrm>
             <a:prstGeom prst="diagStripe">
               <a:avLst>
-                <a:gd fmla="val 50000" name="adj"/>
+                <a:gd name="adj" fmla="val 50000"/>
               </a:avLst>
             </a:prstGeom>
             <a:solidFill>
@@ -4300,12 +4250,12 @@
             </a:ln>
           </p:spPr>
           <p:txBody>
-            <a:bodyPr anchorCtr="0" anchor="ctr" bIns="91425" lIns="91425" spcFirstLastPara="1" rIns="91425" wrap="square" tIns="91425">
+            <a:bodyPr spcFirstLastPara="1" wrap="square" lIns="91425" tIns="91425" rIns="91425" bIns="91425" anchor="ctr" anchorCtr="0">
               <a:noAutofit/>
             </a:bodyPr>
             <a:lstStyle/>
             <a:p>
-              <a:pPr indent="0" lvl="0" marL="0" rtl="0" algn="l">
+              <a:pPr marL="0" lvl="0" indent="0" algn="l" rtl="0">
                 <a:spcBef>
                   <a:spcPts val="0"/>
                 </a:spcBef>
@@ -4314,9 +4264,6 @@
                 </a:spcAft>
                 <a:buNone/>
               </a:pPr>
-              <a:r>
-                <a:t/>
-              </a:r>
               <a:endParaRPr/>
             </a:p>
           </p:txBody>
@@ -4325,7 +4272,9 @@
       <p:sp>
         <p:nvSpPr>
           <p:cNvPr id="39" name="Google Shape;39;p3"/>
-          <p:cNvSpPr txBox="1"/>
+          <p:cNvSpPr txBox="1">
+            <a:spLocks noGrp="1"/>
+          </p:cNvSpPr>
           <p:nvPr>
             <p:ph type="title"/>
           </p:nvPr>
@@ -4340,7 +4289,7 @@
           </a:prstGeom>
         </p:spPr>
         <p:txBody>
-          <a:bodyPr anchorCtr="0" anchor="ctr" bIns="91425" lIns="91425" spcFirstLastPara="1" rIns="91425" wrap="square" tIns="91425">
+          <a:bodyPr spcFirstLastPara="1" wrap="square" lIns="91425" tIns="91425" rIns="91425" bIns="91425" anchor="ctr" anchorCtr="0">
             <a:normAutofit/>
           </a:bodyPr>
           <a:lstStyle>
@@ -4444,15 +4393,19 @@
               <a:defRPr/>
             </a:lvl9pPr>
           </a:lstStyle>
-          <a:p/>
+          <a:p>
+            <a:endParaRPr/>
+          </a:p>
         </p:txBody>
       </p:sp>
       <p:sp>
         <p:nvSpPr>
           <p:cNvPr id="40" name="Google Shape;40;p3"/>
-          <p:cNvSpPr txBox="1"/>
+          <p:cNvSpPr txBox="1">
+            <a:spLocks noGrp="1"/>
+          </p:cNvSpPr>
           <p:nvPr>
-            <p:ph idx="12" type="sldNum"/>
+            <p:ph type="sldNum" idx="12"/>
           </p:nvPr>
         </p:nvSpPr>
         <p:spPr>
@@ -4465,7 +4418,7 @@
           </a:prstGeom>
         </p:spPr>
         <p:txBody>
-          <a:bodyPr anchorCtr="0" anchor="ctr" bIns="91425" lIns="91425" spcFirstLastPara="1" rIns="91425" wrap="square" tIns="91425">
+          <a:bodyPr spcFirstLastPara="1" wrap="square" lIns="91425" tIns="91425" rIns="91425" bIns="91425" anchor="ctr" anchorCtr="0">
             <a:normAutofit/>
           </a:bodyPr>
           <a:lstStyle>
@@ -4507,7 +4460,7 @@
             </a:lvl9pPr>
           </a:lstStyle>
           <a:p>
-            <a:pPr indent="0" lvl="0" marL="0" rtl="0" algn="r">
+            <a:pPr marL="0" lvl="0" indent="0" algn="r" rtl="0">
               <a:spcBef>
                 <a:spcPts val="0"/>
               </a:spcBef>
@@ -4518,7 +4471,7 @@
             </a:pPr>
             <a:fld id="{00000000-1234-1234-1234-123412341234}" type="slidenum">
               <a:rPr lang="fr"/>
-              <a:t>‹#›</a:t>
+              <a:t>‹N°›</a:t>
             </a:fld>
             <a:endParaRPr/>
           </a:p>
@@ -4533,11 +4486,11 @@
 </file>
 
 <file path=ppt/slideLayouts/slideLayout3.xml><?xml version="1.0" encoding="utf-8"?>
-<p:sldLayout xmlns:a="http://schemas.openxmlformats.org/drawingml/2006/main" xmlns:r="http://schemas.openxmlformats.org/officeDocument/2006/relationships" xmlns:mc="http://schemas.openxmlformats.org/markup-compatibility/2006" xmlns:mv="urn:schemas-microsoft-com:mac:vml" xmlns:p="http://schemas.openxmlformats.org/presentationml/2006/main" xmlns:c="http://schemas.openxmlformats.org/drawingml/2006/chart" xmlns:dgm="http://schemas.openxmlformats.org/drawingml/2006/diagram" xmlns:o="urn:schemas-microsoft-com:office:office" xmlns:v="urn:schemas-microsoft-com:vml" xmlns:pvml="urn:schemas-microsoft-com:office:powerpoint" xmlns:com="http://schemas.openxmlformats.org/drawingml/2006/compatibility" xmlns:p14="http://schemas.microsoft.com/office/powerpoint/2010/main" xmlns:p15="http://schemas.microsoft.com/office/powerpoint/2012/main" xmlns:ahyp="http://schemas.microsoft.com/office/drawing/2018/hyperlinkcolor" matchingName="Title and body" type="tx">
+<p:sldLayout xmlns:a="http://schemas.openxmlformats.org/drawingml/2006/main" xmlns:r="http://schemas.openxmlformats.org/officeDocument/2006/relationships" xmlns:p="http://schemas.openxmlformats.org/presentationml/2006/main" matchingName="Title and body" type="tx">
   <p:cSld name="TITLE_AND_BODY">
     <p:spTree>
       <p:nvGrpSpPr>
-        <p:cNvPr id="41" name="Shape 41"/>
+        <p:cNvPr id="1" name="Shape 41"/>
         <p:cNvGrpSpPr/>
         <p:nvPr/>
       </p:nvGrpSpPr>
@@ -4576,7 +4529,7 @@
             </a:xfrm>
             <a:prstGeom prst="diagStripe">
               <a:avLst>
-                <a:gd fmla="val 50000" name="adj"/>
+                <a:gd name="adj" fmla="val 50000"/>
               </a:avLst>
             </a:prstGeom>
             <a:solidFill>
@@ -4587,12 +4540,12 @@
             </a:ln>
           </p:spPr>
           <p:txBody>
-            <a:bodyPr anchorCtr="0" anchor="ctr" bIns="91425" lIns="91425" spcFirstLastPara="1" rIns="91425" wrap="square" tIns="91425">
+            <a:bodyPr spcFirstLastPara="1" wrap="square" lIns="91425" tIns="91425" rIns="91425" bIns="91425" anchor="ctr" anchorCtr="0">
               <a:noAutofit/>
             </a:bodyPr>
             <a:lstStyle/>
             <a:p>
-              <a:pPr indent="0" lvl="0" marL="0" rtl="0" algn="l">
+              <a:pPr marL="0" lvl="0" indent="0" algn="l" rtl="0">
                 <a:spcBef>
                   <a:spcPts val="0"/>
                 </a:spcBef>
@@ -4601,9 +4554,6 @@
                 </a:spcAft>
                 <a:buNone/>
               </a:pPr>
-              <a:r>
-                <a:t/>
-              </a:r>
               <a:endParaRPr/>
             </a:p>
           </p:txBody>
@@ -4621,7 +4571,7 @@
             </a:xfrm>
             <a:prstGeom prst="diagStripe">
               <a:avLst>
-                <a:gd fmla="val 50000" name="adj"/>
+                <a:gd name="adj" fmla="val 50000"/>
               </a:avLst>
             </a:prstGeom>
             <a:solidFill>
@@ -4632,12 +4582,12 @@
             </a:ln>
           </p:spPr>
           <p:txBody>
-            <a:bodyPr anchorCtr="0" anchor="ctr" bIns="91425" lIns="91425" spcFirstLastPara="1" rIns="91425" wrap="square" tIns="91425">
+            <a:bodyPr spcFirstLastPara="1" wrap="square" lIns="91425" tIns="91425" rIns="91425" bIns="91425" anchor="ctr" anchorCtr="0">
               <a:noAutofit/>
             </a:bodyPr>
             <a:lstStyle/>
             <a:p>
-              <a:pPr indent="0" lvl="0" marL="0" rtl="0" algn="l">
+              <a:pPr marL="0" lvl="0" indent="0" algn="l" rtl="0">
                 <a:spcBef>
                   <a:spcPts val="0"/>
                 </a:spcBef>
@@ -4646,9 +4596,6 @@
                 </a:spcAft>
                 <a:buNone/>
               </a:pPr>
-              <a:r>
-                <a:t/>
-              </a:r>
               <a:endParaRPr/>
             </a:p>
           </p:txBody>
@@ -4657,7 +4604,9 @@
       <p:sp>
         <p:nvSpPr>
           <p:cNvPr id="45" name="Google Shape;45;p4"/>
-          <p:cNvSpPr txBox="1"/>
+          <p:cNvSpPr txBox="1">
+            <a:spLocks noGrp="1"/>
+          </p:cNvSpPr>
           <p:nvPr>
             <p:ph type="title"/>
           </p:nvPr>
@@ -4672,7 +4621,7 @@
           </a:prstGeom>
         </p:spPr>
         <p:txBody>
-          <a:bodyPr anchorCtr="0" anchor="t" bIns="91425" lIns="91425" spcFirstLastPara="1" rIns="91425" wrap="square" tIns="91425">
+          <a:bodyPr spcFirstLastPara="1" wrap="square" lIns="91425" tIns="91425" rIns="91425" bIns="91425" anchor="t" anchorCtr="0">
             <a:normAutofit/>
           </a:bodyPr>
           <a:lstStyle>
@@ -4776,15 +4725,19 @@
               <a:defRPr sz="2400"/>
             </a:lvl9pPr>
           </a:lstStyle>
-          <a:p/>
+          <a:p>
+            <a:endParaRPr/>
+          </a:p>
         </p:txBody>
       </p:sp>
       <p:sp>
         <p:nvSpPr>
           <p:cNvPr id="46" name="Google Shape;46;p4"/>
-          <p:cNvSpPr txBox="1"/>
+          <p:cNvSpPr txBox="1">
+            <a:spLocks noGrp="1"/>
+          </p:cNvSpPr>
           <p:nvPr>
-            <p:ph idx="1" type="body"/>
+            <p:ph type="body" idx="1"/>
           </p:nvPr>
         </p:nvSpPr>
         <p:spPr>
@@ -4797,11 +4750,11 @@
           </a:prstGeom>
         </p:spPr>
         <p:txBody>
-          <a:bodyPr anchorCtr="0" anchor="t" bIns="91425" lIns="91425" spcFirstLastPara="1" rIns="91425" wrap="square" tIns="91425">
+          <a:bodyPr spcFirstLastPara="1" wrap="square" lIns="91425" tIns="91425" rIns="91425" bIns="91425" anchor="t" anchorCtr="0">
             <a:normAutofit/>
           </a:bodyPr>
           <a:lstStyle>
-            <a:lvl1pPr indent="-311150" lvl="0" marL="457200">
+            <a:lvl1pPr marL="457200" lvl="0" indent="-311150">
               <a:spcBef>
                 <a:spcPts val="0"/>
               </a:spcBef>
@@ -4812,7 +4765,7 @@
               <a:buChar char="●"/>
               <a:defRPr/>
             </a:lvl1pPr>
-            <a:lvl2pPr indent="-298450" lvl="1" marL="914400">
+            <a:lvl2pPr marL="914400" lvl="1" indent="-298450">
               <a:spcBef>
                 <a:spcPts val="0"/>
               </a:spcBef>
@@ -4823,7 +4776,7 @@
               <a:buChar char="○"/>
               <a:defRPr/>
             </a:lvl2pPr>
-            <a:lvl3pPr indent="-298450" lvl="2" marL="1371600">
+            <a:lvl3pPr marL="1371600" lvl="2" indent="-298450">
               <a:spcBef>
                 <a:spcPts val="0"/>
               </a:spcBef>
@@ -4834,7 +4787,7 @@
               <a:buChar char="■"/>
               <a:defRPr/>
             </a:lvl3pPr>
-            <a:lvl4pPr indent="-298450" lvl="3" marL="1828800">
+            <a:lvl4pPr marL="1828800" lvl="3" indent="-298450">
               <a:spcBef>
                 <a:spcPts val="0"/>
               </a:spcBef>
@@ -4845,7 +4798,7 @@
               <a:buChar char="●"/>
               <a:defRPr/>
             </a:lvl4pPr>
-            <a:lvl5pPr indent="-298450" lvl="4" marL="2286000">
+            <a:lvl5pPr marL="2286000" lvl="4" indent="-298450">
               <a:spcBef>
                 <a:spcPts val="0"/>
               </a:spcBef>
@@ -4856,7 +4809,7 @@
               <a:buChar char="○"/>
               <a:defRPr/>
             </a:lvl5pPr>
-            <a:lvl6pPr indent="-298450" lvl="5" marL="2743200">
+            <a:lvl6pPr marL="2743200" lvl="5" indent="-298450">
               <a:spcBef>
                 <a:spcPts val="0"/>
               </a:spcBef>
@@ -4867,7 +4820,7 @@
               <a:buChar char="■"/>
               <a:defRPr/>
             </a:lvl6pPr>
-            <a:lvl7pPr indent="-298450" lvl="6" marL="3200400">
+            <a:lvl7pPr marL="3200400" lvl="6" indent="-298450">
               <a:spcBef>
                 <a:spcPts val="0"/>
               </a:spcBef>
@@ -4878,7 +4831,7 @@
               <a:buChar char="●"/>
               <a:defRPr/>
             </a:lvl7pPr>
-            <a:lvl8pPr indent="-298450" lvl="7" marL="3657600">
+            <a:lvl8pPr marL="3657600" lvl="7" indent="-298450">
               <a:spcBef>
                 <a:spcPts val="0"/>
               </a:spcBef>
@@ -4889,7 +4842,7 @@
               <a:buChar char="○"/>
               <a:defRPr/>
             </a:lvl8pPr>
-            <a:lvl9pPr indent="-298450" lvl="8" marL="4114800">
+            <a:lvl9pPr marL="4114800" lvl="8" indent="-298450">
               <a:spcBef>
                 <a:spcPts val="0"/>
               </a:spcBef>
@@ -4901,15 +4854,19 @@
               <a:defRPr/>
             </a:lvl9pPr>
           </a:lstStyle>
-          <a:p/>
+          <a:p>
+            <a:endParaRPr/>
+          </a:p>
         </p:txBody>
       </p:sp>
       <p:sp>
         <p:nvSpPr>
           <p:cNvPr id="47" name="Google Shape;47;p4"/>
-          <p:cNvSpPr txBox="1"/>
+          <p:cNvSpPr txBox="1">
+            <a:spLocks noGrp="1"/>
+          </p:cNvSpPr>
           <p:nvPr>
-            <p:ph idx="12" type="sldNum"/>
+            <p:ph type="sldNum" idx="12"/>
           </p:nvPr>
         </p:nvSpPr>
         <p:spPr>
@@ -4922,7 +4879,7 @@
           </a:prstGeom>
         </p:spPr>
         <p:txBody>
-          <a:bodyPr anchorCtr="0" anchor="ctr" bIns="91425" lIns="91425" spcFirstLastPara="1" rIns="91425" wrap="square" tIns="91425">
+          <a:bodyPr spcFirstLastPara="1" wrap="square" lIns="91425" tIns="91425" rIns="91425" bIns="91425" anchor="ctr" anchorCtr="0">
             <a:normAutofit/>
           </a:bodyPr>
           <a:lstStyle>
@@ -4964,7 +4921,7 @@
             </a:lvl9pPr>
           </a:lstStyle>
           <a:p>
-            <a:pPr indent="0" lvl="0" marL="0" rtl="0" algn="r">
+            <a:pPr marL="0" lvl="0" indent="0" algn="r" rtl="0">
               <a:spcBef>
                 <a:spcPts val="0"/>
               </a:spcBef>
@@ -4975,7 +4932,7 @@
             </a:pPr>
             <a:fld id="{00000000-1234-1234-1234-123412341234}" type="slidenum">
               <a:rPr lang="fr"/>
-              <a:t>‹#›</a:t>
+              <a:t>‹N°›</a:t>
             </a:fld>
             <a:endParaRPr/>
           </a:p>
@@ -4990,11 +4947,11 @@
 </file>
 
 <file path=ppt/slideLayouts/slideLayout4.xml><?xml version="1.0" encoding="utf-8"?>
-<p:sldLayout xmlns:a="http://schemas.openxmlformats.org/drawingml/2006/main" xmlns:r="http://schemas.openxmlformats.org/officeDocument/2006/relationships" xmlns:mc="http://schemas.openxmlformats.org/markup-compatibility/2006" xmlns:mv="urn:schemas-microsoft-com:mac:vml" xmlns:p="http://schemas.openxmlformats.org/presentationml/2006/main" xmlns:c="http://schemas.openxmlformats.org/drawingml/2006/chart" xmlns:dgm="http://schemas.openxmlformats.org/drawingml/2006/diagram" xmlns:o="urn:schemas-microsoft-com:office:office" xmlns:v="urn:schemas-microsoft-com:vml" xmlns:pvml="urn:schemas-microsoft-com:office:powerpoint" xmlns:com="http://schemas.openxmlformats.org/drawingml/2006/compatibility" xmlns:p14="http://schemas.microsoft.com/office/powerpoint/2010/main" xmlns:p15="http://schemas.microsoft.com/office/powerpoint/2012/main" xmlns:ahyp="http://schemas.microsoft.com/office/drawing/2018/hyperlinkcolor" matchingName="Title and two columns" type="twoColTx">
+<p:sldLayout xmlns:a="http://schemas.openxmlformats.org/drawingml/2006/main" xmlns:r="http://schemas.openxmlformats.org/officeDocument/2006/relationships" xmlns:p="http://schemas.openxmlformats.org/presentationml/2006/main" matchingName="Title and two columns" type="twoColTx">
   <p:cSld name="TITLE_AND_TWO_COLUMNS">
     <p:spTree>
       <p:nvGrpSpPr>
-        <p:cNvPr id="48" name="Shape 48"/>
+        <p:cNvPr id="1" name="Shape 48"/>
         <p:cNvGrpSpPr/>
         <p:nvPr/>
       </p:nvGrpSpPr>
@@ -5033,7 +4990,7 @@
             </a:xfrm>
             <a:prstGeom prst="diagStripe">
               <a:avLst>
-                <a:gd fmla="val 50000" name="adj"/>
+                <a:gd name="adj" fmla="val 50000"/>
               </a:avLst>
             </a:prstGeom>
             <a:solidFill>
@@ -5044,12 +5001,12 @@
             </a:ln>
           </p:spPr>
           <p:txBody>
-            <a:bodyPr anchorCtr="0" anchor="ctr" bIns="91425" lIns="91425" spcFirstLastPara="1" rIns="91425" wrap="square" tIns="91425">
+            <a:bodyPr spcFirstLastPara="1" wrap="square" lIns="91425" tIns="91425" rIns="91425" bIns="91425" anchor="ctr" anchorCtr="0">
               <a:noAutofit/>
             </a:bodyPr>
             <a:lstStyle/>
             <a:p>
-              <a:pPr indent="0" lvl="0" marL="0" rtl="0" algn="l">
+              <a:pPr marL="0" lvl="0" indent="0" algn="l" rtl="0">
                 <a:spcBef>
                   <a:spcPts val="0"/>
                 </a:spcBef>
@@ -5058,9 +5015,6 @@
                 </a:spcAft>
                 <a:buNone/>
               </a:pPr>
-              <a:r>
-                <a:t/>
-              </a:r>
               <a:endParaRPr/>
             </a:p>
           </p:txBody>
@@ -5078,7 +5032,7 @@
             </a:xfrm>
             <a:prstGeom prst="diagStripe">
               <a:avLst>
-                <a:gd fmla="val 50000" name="adj"/>
+                <a:gd name="adj" fmla="val 50000"/>
               </a:avLst>
             </a:prstGeom>
             <a:solidFill>
@@ -5089,12 +5043,12 @@
             </a:ln>
           </p:spPr>
           <p:txBody>
-            <a:bodyPr anchorCtr="0" anchor="ctr" bIns="91425" lIns="91425" spcFirstLastPara="1" rIns="91425" wrap="square" tIns="91425">
+            <a:bodyPr spcFirstLastPara="1" wrap="square" lIns="91425" tIns="91425" rIns="91425" bIns="91425" anchor="ctr" anchorCtr="0">
               <a:noAutofit/>
             </a:bodyPr>
             <a:lstStyle/>
             <a:p>
-              <a:pPr indent="0" lvl="0" marL="0" rtl="0" algn="l">
+              <a:pPr marL="0" lvl="0" indent="0" algn="l" rtl="0">
                 <a:spcBef>
                   <a:spcPts val="0"/>
                 </a:spcBef>
@@ -5103,9 +5057,6 @@
                 </a:spcAft>
                 <a:buNone/>
               </a:pPr>
-              <a:r>
-                <a:t/>
-              </a:r>
               <a:endParaRPr/>
             </a:p>
           </p:txBody>
@@ -5114,7 +5065,9 @@
       <p:sp>
         <p:nvSpPr>
           <p:cNvPr id="52" name="Google Shape;52;p5"/>
-          <p:cNvSpPr txBox="1"/>
+          <p:cNvSpPr txBox="1">
+            <a:spLocks noGrp="1"/>
+          </p:cNvSpPr>
           <p:nvPr>
             <p:ph type="title"/>
           </p:nvPr>
@@ -5129,7 +5082,7 @@
           </a:prstGeom>
         </p:spPr>
         <p:txBody>
-          <a:bodyPr anchorCtr="0" anchor="t" bIns="91425" lIns="91425" spcFirstLastPara="1" rIns="91425" wrap="square" tIns="91425">
+          <a:bodyPr spcFirstLastPara="1" wrap="square" lIns="91425" tIns="91425" rIns="91425" bIns="91425" anchor="t" anchorCtr="0">
             <a:normAutofit/>
           </a:bodyPr>
           <a:lstStyle>
@@ -5233,15 +5186,19 @@
               <a:defRPr sz="2400"/>
             </a:lvl9pPr>
           </a:lstStyle>
-          <a:p/>
+          <a:p>
+            <a:endParaRPr/>
+          </a:p>
         </p:txBody>
       </p:sp>
       <p:sp>
         <p:nvSpPr>
           <p:cNvPr id="53" name="Google Shape;53;p5"/>
-          <p:cNvSpPr txBox="1"/>
+          <p:cNvSpPr txBox="1">
+            <a:spLocks noGrp="1"/>
+          </p:cNvSpPr>
           <p:nvPr>
-            <p:ph idx="1" type="body"/>
+            <p:ph type="body" idx="1"/>
           </p:nvPr>
         </p:nvSpPr>
         <p:spPr>
@@ -5254,11 +5211,11 @@
           </a:prstGeom>
         </p:spPr>
         <p:txBody>
-          <a:bodyPr anchorCtr="0" anchor="t" bIns="91425" lIns="91425" spcFirstLastPara="1" rIns="91425" wrap="square" tIns="91425">
+          <a:bodyPr spcFirstLastPara="1" wrap="square" lIns="91425" tIns="91425" rIns="91425" bIns="91425" anchor="t" anchorCtr="0">
             <a:normAutofit/>
           </a:bodyPr>
           <a:lstStyle>
-            <a:lvl1pPr indent="-311150" lvl="0" marL="457200">
+            <a:lvl1pPr marL="457200" lvl="0" indent="-311150">
               <a:spcBef>
                 <a:spcPts val="0"/>
               </a:spcBef>
@@ -5269,7 +5226,7 @@
               <a:buChar char="●"/>
               <a:defRPr/>
             </a:lvl1pPr>
-            <a:lvl2pPr indent="-298450" lvl="1" marL="914400">
+            <a:lvl2pPr marL="914400" lvl="1" indent="-298450">
               <a:spcBef>
                 <a:spcPts val="0"/>
               </a:spcBef>
@@ -5280,7 +5237,7 @@
               <a:buChar char="○"/>
               <a:defRPr/>
             </a:lvl2pPr>
-            <a:lvl3pPr indent="-298450" lvl="2" marL="1371600">
+            <a:lvl3pPr marL="1371600" lvl="2" indent="-298450">
               <a:spcBef>
                 <a:spcPts val="0"/>
               </a:spcBef>
@@ -5291,7 +5248,7 @@
               <a:buChar char="■"/>
               <a:defRPr/>
             </a:lvl3pPr>
-            <a:lvl4pPr indent="-298450" lvl="3" marL="1828800">
+            <a:lvl4pPr marL="1828800" lvl="3" indent="-298450">
               <a:spcBef>
                 <a:spcPts val="0"/>
               </a:spcBef>
@@ -5302,7 +5259,7 @@
               <a:buChar char="●"/>
               <a:defRPr/>
             </a:lvl4pPr>
-            <a:lvl5pPr indent="-298450" lvl="4" marL="2286000">
+            <a:lvl5pPr marL="2286000" lvl="4" indent="-298450">
               <a:spcBef>
                 <a:spcPts val="0"/>
               </a:spcBef>
@@ -5313,7 +5270,7 @@
               <a:buChar char="○"/>
               <a:defRPr/>
             </a:lvl5pPr>
-            <a:lvl6pPr indent="-298450" lvl="5" marL="2743200">
+            <a:lvl6pPr marL="2743200" lvl="5" indent="-298450">
               <a:spcBef>
                 <a:spcPts val="0"/>
               </a:spcBef>
@@ -5324,7 +5281,7 @@
               <a:buChar char="■"/>
               <a:defRPr/>
             </a:lvl6pPr>
-            <a:lvl7pPr indent="-298450" lvl="6" marL="3200400">
+            <a:lvl7pPr marL="3200400" lvl="6" indent="-298450">
               <a:spcBef>
                 <a:spcPts val="0"/>
               </a:spcBef>
@@ -5335,7 +5292,7 @@
               <a:buChar char="●"/>
               <a:defRPr/>
             </a:lvl7pPr>
-            <a:lvl8pPr indent="-298450" lvl="7" marL="3657600">
+            <a:lvl8pPr marL="3657600" lvl="7" indent="-298450">
               <a:spcBef>
                 <a:spcPts val="0"/>
               </a:spcBef>
@@ -5346,7 +5303,7 @@
               <a:buChar char="○"/>
               <a:defRPr/>
             </a:lvl8pPr>
-            <a:lvl9pPr indent="-298450" lvl="8" marL="4114800">
+            <a:lvl9pPr marL="4114800" lvl="8" indent="-298450">
               <a:spcBef>
                 <a:spcPts val="0"/>
               </a:spcBef>
@@ -5358,15 +5315,19 @@
               <a:defRPr/>
             </a:lvl9pPr>
           </a:lstStyle>
-          <a:p/>
+          <a:p>
+            <a:endParaRPr/>
+          </a:p>
         </p:txBody>
       </p:sp>
       <p:sp>
         <p:nvSpPr>
           <p:cNvPr id="54" name="Google Shape;54;p5"/>
-          <p:cNvSpPr txBox="1"/>
+          <p:cNvSpPr txBox="1">
+            <a:spLocks noGrp="1"/>
+          </p:cNvSpPr>
           <p:nvPr>
-            <p:ph idx="2" type="body"/>
+            <p:ph type="body" idx="2"/>
           </p:nvPr>
         </p:nvSpPr>
         <p:spPr>
@@ -5379,11 +5340,11 @@
           </a:prstGeom>
         </p:spPr>
         <p:txBody>
-          <a:bodyPr anchorCtr="0" anchor="t" bIns="91425" lIns="91425" spcFirstLastPara="1" rIns="91425" wrap="square" tIns="91425">
+          <a:bodyPr spcFirstLastPara="1" wrap="square" lIns="91425" tIns="91425" rIns="91425" bIns="91425" anchor="t" anchorCtr="0">
             <a:normAutofit/>
           </a:bodyPr>
           <a:lstStyle>
-            <a:lvl1pPr indent="-311150" lvl="0" marL="457200">
+            <a:lvl1pPr marL="457200" lvl="0" indent="-311150">
               <a:spcBef>
                 <a:spcPts val="0"/>
               </a:spcBef>
@@ -5394,7 +5355,7 @@
               <a:buChar char="●"/>
               <a:defRPr/>
             </a:lvl1pPr>
-            <a:lvl2pPr indent="-298450" lvl="1" marL="914400">
+            <a:lvl2pPr marL="914400" lvl="1" indent="-298450">
               <a:spcBef>
                 <a:spcPts val="0"/>
               </a:spcBef>
@@ -5405,7 +5366,7 @@
               <a:buChar char="○"/>
               <a:defRPr/>
             </a:lvl2pPr>
-            <a:lvl3pPr indent="-298450" lvl="2" marL="1371600">
+            <a:lvl3pPr marL="1371600" lvl="2" indent="-298450">
               <a:spcBef>
                 <a:spcPts val="0"/>
               </a:spcBef>
@@ -5416,7 +5377,7 @@
               <a:buChar char="■"/>
               <a:defRPr/>
             </a:lvl3pPr>
-            <a:lvl4pPr indent="-298450" lvl="3" marL="1828800">
+            <a:lvl4pPr marL="1828800" lvl="3" indent="-298450">
               <a:spcBef>
                 <a:spcPts val="0"/>
               </a:spcBef>
@@ -5427,7 +5388,7 @@
               <a:buChar char="●"/>
               <a:defRPr/>
             </a:lvl4pPr>
-            <a:lvl5pPr indent="-298450" lvl="4" marL="2286000">
+            <a:lvl5pPr marL="2286000" lvl="4" indent="-298450">
               <a:spcBef>
                 <a:spcPts val="0"/>
               </a:spcBef>
@@ -5438,7 +5399,7 @@
               <a:buChar char="○"/>
               <a:defRPr/>
             </a:lvl5pPr>
-            <a:lvl6pPr indent="-298450" lvl="5" marL="2743200">
+            <a:lvl6pPr marL="2743200" lvl="5" indent="-298450">
               <a:spcBef>
                 <a:spcPts val="0"/>
               </a:spcBef>
@@ -5449,7 +5410,7 @@
               <a:buChar char="■"/>
               <a:defRPr/>
             </a:lvl6pPr>
-            <a:lvl7pPr indent="-298450" lvl="6" marL="3200400">
+            <a:lvl7pPr marL="3200400" lvl="6" indent="-298450">
               <a:spcBef>
                 <a:spcPts val="0"/>
               </a:spcBef>
@@ -5460,7 +5421,7 @@
               <a:buChar char="●"/>
               <a:defRPr/>
             </a:lvl7pPr>
-            <a:lvl8pPr indent="-298450" lvl="7" marL="3657600">
+            <a:lvl8pPr marL="3657600" lvl="7" indent="-298450">
               <a:spcBef>
                 <a:spcPts val="0"/>
               </a:spcBef>
@@ -5471,7 +5432,7 @@
               <a:buChar char="○"/>
               <a:defRPr/>
             </a:lvl8pPr>
-            <a:lvl9pPr indent="-298450" lvl="8" marL="4114800">
+            <a:lvl9pPr marL="4114800" lvl="8" indent="-298450">
               <a:spcBef>
                 <a:spcPts val="0"/>
               </a:spcBef>
@@ -5483,15 +5444,19 @@
               <a:defRPr/>
             </a:lvl9pPr>
           </a:lstStyle>
-          <a:p/>
+          <a:p>
+            <a:endParaRPr/>
+          </a:p>
         </p:txBody>
       </p:sp>
       <p:sp>
         <p:nvSpPr>
           <p:cNvPr id="55" name="Google Shape;55;p5"/>
-          <p:cNvSpPr txBox="1"/>
+          <p:cNvSpPr txBox="1">
+            <a:spLocks noGrp="1"/>
+          </p:cNvSpPr>
           <p:nvPr>
-            <p:ph idx="12" type="sldNum"/>
+            <p:ph type="sldNum" idx="12"/>
           </p:nvPr>
         </p:nvSpPr>
         <p:spPr>
@@ -5504,7 +5469,7 @@
           </a:prstGeom>
         </p:spPr>
         <p:txBody>
-          <a:bodyPr anchorCtr="0" anchor="ctr" bIns="91425" lIns="91425" spcFirstLastPara="1" rIns="91425" wrap="square" tIns="91425">
+          <a:bodyPr spcFirstLastPara="1" wrap="square" lIns="91425" tIns="91425" rIns="91425" bIns="91425" anchor="ctr" anchorCtr="0">
             <a:normAutofit/>
           </a:bodyPr>
           <a:lstStyle>
@@ -5546,7 +5511,7 @@
             </a:lvl9pPr>
           </a:lstStyle>
           <a:p>
-            <a:pPr indent="0" lvl="0" marL="0" rtl="0" algn="r">
+            <a:pPr marL="0" lvl="0" indent="0" algn="r" rtl="0">
               <a:spcBef>
                 <a:spcPts val="0"/>
               </a:spcBef>
@@ -5557,7 +5522,7 @@
             </a:pPr>
             <a:fld id="{00000000-1234-1234-1234-123412341234}" type="slidenum">
               <a:rPr lang="fr"/>
-              <a:t>‹#›</a:t>
+              <a:t>‹N°›</a:t>
             </a:fld>
             <a:endParaRPr/>
           </a:p>
@@ -5572,11 +5537,11 @@
 </file>
 
 <file path=ppt/slideLayouts/slideLayout5.xml><?xml version="1.0" encoding="utf-8"?>
-<p:sldLayout xmlns:a="http://schemas.openxmlformats.org/drawingml/2006/main" xmlns:r="http://schemas.openxmlformats.org/officeDocument/2006/relationships" xmlns:mc="http://schemas.openxmlformats.org/markup-compatibility/2006" xmlns:mv="urn:schemas-microsoft-com:mac:vml" xmlns:p="http://schemas.openxmlformats.org/presentationml/2006/main" xmlns:c="http://schemas.openxmlformats.org/drawingml/2006/chart" xmlns:dgm="http://schemas.openxmlformats.org/drawingml/2006/diagram" xmlns:o="urn:schemas-microsoft-com:office:office" xmlns:v="urn:schemas-microsoft-com:vml" xmlns:pvml="urn:schemas-microsoft-com:office:powerpoint" xmlns:com="http://schemas.openxmlformats.org/drawingml/2006/compatibility" xmlns:p14="http://schemas.microsoft.com/office/powerpoint/2010/main" xmlns:p15="http://schemas.microsoft.com/office/powerpoint/2012/main" xmlns:ahyp="http://schemas.microsoft.com/office/drawing/2018/hyperlinkcolor" matchingName="Title only" type="titleOnly">
+<p:sldLayout xmlns:a="http://schemas.openxmlformats.org/drawingml/2006/main" xmlns:r="http://schemas.openxmlformats.org/officeDocument/2006/relationships" xmlns:p="http://schemas.openxmlformats.org/presentationml/2006/main" matchingName="Title only" type="titleOnly">
   <p:cSld name="TITLE_ONLY">
     <p:spTree>
       <p:nvGrpSpPr>
-        <p:cNvPr id="56" name="Shape 56"/>
+        <p:cNvPr id="1" name="Shape 56"/>
         <p:cNvGrpSpPr/>
         <p:nvPr/>
       </p:nvGrpSpPr>
@@ -5615,7 +5580,7 @@
             </a:xfrm>
             <a:prstGeom prst="diagStripe">
               <a:avLst>
-                <a:gd fmla="val 50000" name="adj"/>
+                <a:gd name="adj" fmla="val 50000"/>
               </a:avLst>
             </a:prstGeom>
             <a:solidFill>
@@ -5626,12 +5591,12 @@
             </a:ln>
           </p:spPr>
           <p:txBody>
-            <a:bodyPr anchorCtr="0" anchor="ctr" bIns="91425" lIns="91425" spcFirstLastPara="1" rIns="91425" wrap="square" tIns="91425">
+            <a:bodyPr spcFirstLastPara="1" wrap="square" lIns="91425" tIns="91425" rIns="91425" bIns="91425" anchor="ctr" anchorCtr="0">
               <a:noAutofit/>
             </a:bodyPr>
             <a:lstStyle/>
             <a:p>
-              <a:pPr indent="0" lvl="0" marL="0" rtl="0" algn="l">
+              <a:pPr marL="0" lvl="0" indent="0" algn="l" rtl="0">
                 <a:spcBef>
                   <a:spcPts val="0"/>
                 </a:spcBef>
@@ -5640,9 +5605,6 @@
                 </a:spcAft>
                 <a:buNone/>
               </a:pPr>
-              <a:r>
-                <a:t/>
-              </a:r>
               <a:endParaRPr/>
             </a:p>
           </p:txBody>
@@ -5660,7 +5622,7 @@
             </a:xfrm>
             <a:prstGeom prst="diagStripe">
               <a:avLst>
-                <a:gd fmla="val 50000" name="adj"/>
+                <a:gd name="adj" fmla="val 50000"/>
               </a:avLst>
             </a:prstGeom>
             <a:solidFill>
@@ -5671,12 +5633,12 @@
             </a:ln>
           </p:spPr>
           <p:txBody>
-            <a:bodyPr anchorCtr="0" anchor="ctr" bIns="91425" lIns="91425" spcFirstLastPara="1" rIns="91425" wrap="square" tIns="91425">
+            <a:bodyPr spcFirstLastPara="1" wrap="square" lIns="91425" tIns="91425" rIns="91425" bIns="91425" anchor="ctr" anchorCtr="0">
               <a:noAutofit/>
             </a:bodyPr>
             <a:lstStyle/>
             <a:p>
-              <a:pPr indent="0" lvl="0" marL="0" rtl="0" algn="l">
+              <a:pPr marL="0" lvl="0" indent="0" algn="l" rtl="0">
                 <a:spcBef>
                   <a:spcPts val="0"/>
                 </a:spcBef>
@@ -5685,9 +5647,6 @@
                 </a:spcAft>
                 <a:buNone/>
               </a:pPr>
-              <a:r>
-                <a:t/>
-              </a:r>
               <a:endParaRPr/>
             </a:p>
           </p:txBody>
@@ -5696,7 +5655,9 @@
       <p:sp>
         <p:nvSpPr>
           <p:cNvPr id="60" name="Google Shape;60;p6"/>
-          <p:cNvSpPr txBox="1"/>
+          <p:cNvSpPr txBox="1">
+            <a:spLocks noGrp="1"/>
+          </p:cNvSpPr>
           <p:nvPr>
             <p:ph type="title"/>
           </p:nvPr>
@@ -5711,7 +5672,7 @@
           </a:prstGeom>
         </p:spPr>
         <p:txBody>
-          <a:bodyPr anchorCtr="0" anchor="t" bIns="91425" lIns="91425" spcFirstLastPara="1" rIns="91425" wrap="square" tIns="91425">
+          <a:bodyPr spcFirstLastPara="1" wrap="square" lIns="91425" tIns="91425" rIns="91425" bIns="91425" anchor="t" anchorCtr="0">
             <a:normAutofit/>
           </a:bodyPr>
           <a:lstStyle>
@@ -5815,15 +5776,19 @@
               <a:defRPr sz="2400"/>
             </a:lvl9pPr>
           </a:lstStyle>
-          <a:p/>
+          <a:p>
+            <a:endParaRPr/>
+          </a:p>
         </p:txBody>
       </p:sp>
       <p:sp>
         <p:nvSpPr>
           <p:cNvPr id="61" name="Google Shape;61;p6"/>
-          <p:cNvSpPr txBox="1"/>
+          <p:cNvSpPr txBox="1">
+            <a:spLocks noGrp="1"/>
+          </p:cNvSpPr>
           <p:nvPr>
-            <p:ph idx="12" type="sldNum"/>
+            <p:ph type="sldNum" idx="12"/>
           </p:nvPr>
         </p:nvSpPr>
         <p:spPr>
@@ -5836,7 +5801,7 @@
           </a:prstGeom>
         </p:spPr>
         <p:txBody>
-          <a:bodyPr anchorCtr="0" anchor="ctr" bIns="91425" lIns="91425" spcFirstLastPara="1" rIns="91425" wrap="square" tIns="91425">
+          <a:bodyPr spcFirstLastPara="1" wrap="square" lIns="91425" tIns="91425" rIns="91425" bIns="91425" anchor="ctr" anchorCtr="0">
             <a:normAutofit/>
           </a:bodyPr>
           <a:lstStyle>
@@ -5878,7 +5843,7 @@
             </a:lvl9pPr>
           </a:lstStyle>
           <a:p>
-            <a:pPr indent="0" lvl="0" marL="0" rtl="0" algn="r">
+            <a:pPr marL="0" lvl="0" indent="0" algn="r" rtl="0">
               <a:spcBef>
                 <a:spcPts val="0"/>
               </a:spcBef>
@@ -5889,7 +5854,7 @@
             </a:pPr>
             <a:fld id="{00000000-1234-1234-1234-123412341234}" type="slidenum">
               <a:rPr lang="fr"/>
-              <a:t>‹#›</a:t>
+              <a:t>‹N°›</a:t>
             </a:fld>
             <a:endParaRPr/>
           </a:p>
@@ -5904,11 +5869,11 @@
 </file>
 
 <file path=ppt/slideLayouts/slideLayout6.xml><?xml version="1.0" encoding="utf-8"?>
-<p:sldLayout xmlns:a="http://schemas.openxmlformats.org/drawingml/2006/main" xmlns:r="http://schemas.openxmlformats.org/officeDocument/2006/relationships" xmlns:mc="http://schemas.openxmlformats.org/markup-compatibility/2006" xmlns:mv="urn:schemas-microsoft-com:mac:vml" xmlns:p="http://schemas.openxmlformats.org/presentationml/2006/main" xmlns:c="http://schemas.openxmlformats.org/drawingml/2006/chart" xmlns:dgm="http://schemas.openxmlformats.org/drawingml/2006/diagram" xmlns:o="urn:schemas-microsoft-com:office:office" xmlns:v="urn:schemas-microsoft-com:vml" xmlns:pvml="urn:schemas-microsoft-com:office:powerpoint" xmlns:com="http://schemas.openxmlformats.org/drawingml/2006/compatibility" xmlns:p14="http://schemas.microsoft.com/office/powerpoint/2010/main" xmlns:p15="http://schemas.microsoft.com/office/powerpoint/2012/main" xmlns:ahyp="http://schemas.microsoft.com/office/drawing/2018/hyperlinkcolor" matchingName="One column text">
+<p:sldLayout xmlns:a="http://schemas.openxmlformats.org/drawingml/2006/main" xmlns:r="http://schemas.openxmlformats.org/officeDocument/2006/relationships" xmlns:p="http://schemas.openxmlformats.org/presentationml/2006/main" matchingName="One column text">
   <p:cSld name="ONE_COLUMN_TEXT">
     <p:spTree>
       <p:nvGrpSpPr>
-        <p:cNvPr id="62" name="Shape 62"/>
+        <p:cNvPr id="1" name="Shape 62"/>
         <p:cNvGrpSpPr/>
         <p:nvPr/>
       </p:nvGrpSpPr>
@@ -5947,7 +5912,7 @@
             </a:xfrm>
             <a:prstGeom prst="diagStripe">
               <a:avLst>
-                <a:gd fmla="val 50000" name="adj"/>
+                <a:gd name="adj" fmla="val 50000"/>
               </a:avLst>
             </a:prstGeom>
             <a:solidFill>
@@ -5958,12 +5923,12 @@
             </a:ln>
           </p:spPr>
           <p:txBody>
-            <a:bodyPr anchorCtr="0" anchor="ctr" bIns="91425" lIns="91425" spcFirstLastPara="1" rIns="91425" wrap="square" tIns="91425">
+            <a:bodyPr spcFirstLastPara="1" wrap="square" lIns="91425" tIns="91425" rIns="91425" bIns="91425" anchor="ctr" anchorCtr="0">
               <a:noAutofit/>
             </a:bodyPr>
             <a:lstStyle/>
             <a:p>
-              <a:pPr indent="0" lvl="0" marL="0" rtl="0" algn="l">
+              <a:pPr marL="0" lvl="0" indent="0" algn="l" rtl="0">
                 <a:spcBef>
                   <a:spcPts val="0"/>
                 </a:spcBef>
@@ -5972,9 +5937,6 @@
                 </a:spcAft>
                 <a:buNone/>
               </a:pPr>
-              <a:r>
-                <a:t/>
-              </a:r>
               <a:endParaRPr/>
             </a:p>
           </p:txBody>
@@ -5992,7 +5954,7 @@
             </a:xfrm>
             <a:prstGeom prst="diagStripe">
               <a:avLst>
-                <a:gd fmla="val 50000" name="adj"/>
+                <a:gd name="adj" fmla="val 50000"/>
               </a:avLst>
             </a:prstGeom>
             <a:solidFill>
@@ -6003,12 +5965,12 @@
             </a:ln>
           </p:spPr>
           <p:txBody>
-            <a:bodyPr anchorCtr="0" anchor="ctr" bIns="91425" lIns="91425" spcFirstLastPara="1" rIns="91425" wrap="square" tIns="91425">
+            <a:bodyPr spcFirstLastPara="1" wrap="square" lIns="91425" tIns="91425" rIns="91425" bIns="91425" anchor="ctr" anchorCtr="0">
               <a:noAutofit/>
             </a:bodyPr>
             <a:lstStyle/>
             <a:p>
-              <a:pPr indent="0" lvl="0" marL="0" rtl="0" algn="l">
+              <a:pPr marL="0" lvl="0" indent="0" algn="l" rtl="0">
                 <a:spcBef>
                   <a:spcPts val="0"/>
                 </a:spcBef>
@@ -6017,9 +5979,6 @@
                 </a:spcAft>
                 <a:buNone/>
               </a:pPr>
-              <a:r>
-                <a:t/>
-              </a:r>
               <a:endParaRPr/>
             </a:p>
           </p:txBody>
@@ -6028,7 +5987,9 @@
       <p:sp>
         <p:nvSpPr>
           <p:cNvPr id="66" name="Google Shape;66;p7"/>
-          <p:cNvSpPr txBox="1"/>
+          <p:cNvSpPr txBox="1">
+            <a:spLocks noGrp="1"/>
+          </p:cNvSpPr>
           <p:nvPr>
             <p:ph type="title"/>
           </p:nvPr>
@@ -6043,7 +6004,7 @@
           </a:prstGeom>
         </p:spPr>
         <p:txBody>
-          <a:bodyPr anchorCtr="0" anchor="t" bIns="91425" lIns="91425" spcFirstLastPara="1" rIns="91425" wrap="square" tIns="91425">
+          <a:bodyPr spcFirstLastPara="1" wrap="square" lIns="91425" tIns="91425" rIns="91425" bIns="91425" anchor="t" anchorCtr="0">
             <a:normAutofit/>
           </a:bodyPr>
           <a:lstStyle>
@@ -6147,15 +6108,19 @@
               <a:defRPr sz="2400"/>
             </a:lvl9pPr>
           </a:lstStyle>
-          <a:p/>
+          <a:p>
+            <a:endParaRPr/>
+          </a:p>
         </p:txBody>
       </p:sp>
       <p:sp>
         <p:nvSpPr>
           <p:cNvPr id="67" name="Google Shape;67;p7"/>
-          <p:cNvSpPr txBox="1"/>
+          <p:cNvSpPr txBox="1">
+            <a:spLocks noGrp="1"/>
+          </p:cNvSpPr>
           <p:nvPr>
-            <p:ph idx="1" type="body"/>
+            <p:ph type="body" idx="1"/>
           </p:nvPr>
         </p:nvSpPr>
         <p:spPr>
@@ -6168,11 +6133,11 @@
           </a:prstGeom>
         </p:spPr>
         <p:txBody>
-          <a:bodyPr anchorCtr="0" anchor="t" bIns="91425" lIns="91425" spcFirstLastPara="1" rIns="91425" wrap="square" tIns="91425">
+          <a:bodyPr spcFirstLastPara="1" wrap="square" lIns="91425" tIns="91425" rIns="91425" bIns="91425" anchor="t" anchorCtr="0">
             <a:normAutofit/>
           </a:bodyPr>
           <a:lstStyle>
-            <a:lvl1pPr indent="-311150" lvl="0" marL="457200">
+            <a:lvl1pPr marL="457200" lvl="0" indent="-311150">
               <a:spcBef>
                 <a:spcPts val="0"/>
               </a:spcBef>
@@ -6183,7 +6148,7 @@
               <a:buChar char="●"/>
               <a:defRPr/>
             </a:lvl1pPr>
-            <a:lvl2pPr indent="-298450" lvl="1" marL="914400">
+            <a:lvl2pPr marL="914400" lvl="1" indent="-298450">
               <a:spcBef>
                 <a:spcPts val="0"/>
               </a:spcBef>
@@ -6194,7 +6159,7 @@
               <a:buChar char="○"/>
               <a:defRPr/>
             </a:lvl2pPr>
-            <a:lvl3pPr indent="-298450" lvl="2" marL="1371600">
+            <a:lvl3pPr marL="1371600" lvl="2" indent="-298450">
               <a:spcBef>
                 <a:spcPts val="0"/>
               </a:spcBef>
@@ -6205,7 +6170,7 @@
               <a:buChar char="■"/>
               <a:defRPr/>
             </a:lvl3pPr>
-            <a:lvl4pPr indent="-298450" lvl="3" marL="1828800">
+            <a:lvl4pPr marL="1828800" lvl="3" indent="-298450">
               <a:spcBef>
                 <a:spcPts val="0"/>
               </a:spcBef>
@@ -6216,7 +6181,7 @@
               <a:buChar char="●"/>
               <a:defRPr/>
             </a:lvl4pPr>
-            <a:lvl5pPr indent="-298450" lvl="4" marL="2286000">
+            <a:lvl5pPr marL="2286000" lvl="4" indent="-298450">
               <a:spcBef>
                 <a:spcPts val="0"/>
               </a:spcBef>
@@ -6227,7 +6192,7 @@
               <a:buChar char="○"/>
               <a:defRPr/>
             </a:lvl5pPr>
-            <a:lvl6pPr indent="-298450" lvl="5" marL="2743200">
+            <a:lvl6pPr marL="2743200" lvl="5" indent="-298450">
               <a:spcBef>
                 <a:spcPts val="0"/>
               </a:spcBef>
@@ -6238,7 +6203,7 @@
               <a:buChar char="■"/>
               <a:defRPr/>
             </a:lvl6pPr>
-            <a:lvl7pPr indent="-298450" lvl="6" marL="3200400">
+            <a:lvl7pPr marL="3200400" lvl="6" indent="-298450">
               <a:spcBef>
                 <a:spcPts val="0"/>
               </a:spcBef>
@@ -6249,7 +6214,7 @@
               <a:buChar char="●"/>
               <a:defRPr/>
             </a:lvl7pPr>
-            <a:lvl8pPr indent="-298450" lvl="7" marL="3657600">
+            <a:lvl8pPr marL="3657600" lvl="7" indent="-298450">
               <a:spcBef>
                 <a:spcPts val="0"/>
               </a:spcBef>
@@ -6260,7 +6225,7 @@
               <a:buChar char="○"/>
               <a:defRPr/>
             </a:lvl8pPr>
-            <a:lvl9pPr indent="-298450" lvl="8" marL="4114800">
+            <a:lvl9pPr marL="4114800" lvl="8" indent="-298450">
               <a:spcBef>
                 <a:spcPts val="0"/>
               </a:spcBef>
@@ -6272,15 +6237,19 @@
               <a:defRPr/>
             </a:lvl9pPr>
           </a:lstStyle>
-          <a:p/>
+          <a:p>
+            <a:endParaRPr/>
+          </a:p>
         </p:txBody>
       </p:sp>
       <p:sp>
         <p:nvSpPr>
           <p:cNvPr id="68" name="Google Shape;68;p7"/>
-          <p:cNvSpPr txBox="1"/>
+          <p:cNvSpPr txBox="1">
+            <a:spLocks noGrp="1"/>
+          </p:cNvSpPr>
           <p:nvPr>
-            <p:ph idx="12" type="sldNum"/>
+            <p:ph type="sldNum" idx="12"/>
           </p:nvPr>
         </p:nvSpPr>
         <p:spPr>
@@ -6293,7 +6262,7 @@
           </a:prstGeom>
         </p:spPr>
         <p:txBody>
-          <a:bodyPr anchorCtr="0" anchor="ctr" bIns="91425" lIns="91425" spcFirstLastPara="1" rIns="91425" wrap="square" tIns="91425">
+          <a:bodyPr spcFirstLastPara="1" wrap="square" lIns="91425" tIns="91425" rIns="91425" bIns="91425" anchor="ctr" anchorCtr="0">
             <a:normAutofit/>
           </a:bodyPr>
           <a:lstStyle>
@@ -6335,7 +6304,7 @@
             </a:lvl9pPr>
           </a:lstStyle>
           <a:p>
-            <a:pPr indent="0" lvl="0" marL="0" rtl="0" algn="r">
+            <a:pPr marL="0" lvl="0" indent="0" algn="r" rtl="0">
               <a:spcBef>
                 <a:spcPts val="0"/>
               </a:spcBef>
@@ -6346,7 +6315,7 @@
             </a:pPr>
             <a:fld id="{00000000-1234-1234-1234-123412341234}" type="slidenum">
               <a:rPr lang="fr"/>
-              <a:t>‹#›</a:t>
+              <a:t>‹N°›</a:t>
             </a:fld>
             <a:endParaRPr/>
           </a:p>
@@ -6361,11 +6330,11 @@
 </file>
 
 <file path=ppt/slideLayouts/slideLayout7.xml><?xml version="1.0" encoding="utf-8"?>
-<p:sldLayout xmlns:a="http://schemas.openxmlformats.org/drawingml/2006/main" xmlns:r="http://schemas.openxmlformats.org/officeDocument/2006/relationships" xmlns:mc="http://schemas.openxmlformats.org/markup-compatibility/2006" xmlns:mv="urn:schemas-microsoft-com:mac:vml" xmlns:p="http://schemas.openxmlformats.org/presentationml/2006/main" xmlns:c="http://schemas.openxmlformats.org/drawingml/2006/chart" xmlns:dgm="http://schemas.openxmlformats.org/drawingml/2006/diagram" xmlns:o="urn:schemas-microsoft-com:office:office" xmlns:v="urn:schemas-microsoft-com:vml" xmlns:pvml="urn:schemas-microsoft-com:office:powerpoint" xmlns:com="http://schemas.openxmlformats.org/drawingml/2006/compatibility" xmlns:p14="http://schemas.microsoft.com/office/powerpoint/2010/main" xmlns:p15="http://schemas.microsoft.com/office/powerpoint/2012/main" xmlns:ahyp="http://schemas.microsoft.com/office/drawing/2018/hyperlinkcolor" matchingName="Main point">
+<p:sldLayout xmlns:a="http://schemas.openxmlformats.org/drawingml/2006/main" xmlns:r="http://schemas.openxmlformats.org/officeDocument/2006/relationships" xmlns:p="http://schemas.openxmlformats.org/presentationml/2006/main" matchingName="Main point">
   <p:cSld name="MAIN_POINT">
     <p:spTree>
       <p:nvGrpSpPr>
-        <p:cNvPr id="69" name="Shape 69"/>
+        <p:cNvPr id="1" name="Shape 69"/>
         <p:cNvGrpSpPr/>
         <p:nvPr/>
       </p:nvGrpSpPr>
@@ -6404,7 +6373,7 @@
             </a:xfrm>
             <a:prstGeom prst="diagStripe">
               <a:avLst>
-                <a:gd fmla="val 49469" name="adj"/>
+                <a:gd name="adj" fmla="val 49469"/>
               </a:avLst>
             </a:prstGeom>
             <a:solidFill>
@@ -6417,12 +6386,12 @@
             </a:ln>
           </p:spPr>
           <p:txBody>
-            <a:bodyPr anchorCtr="0" anchor="ctr" bIns="91425" lIns="91425" spcFirstLastPara="1" rIns="91425" wrap="square" tIns="91425">
+            <a:bodyPr spcFirstLastPara="1" wrap="square" lIns="91425" tIns="91425" rIns="91425" bIns="91425" anchor="ctr" anchorCtr="0">
               <a:noAutofit/>
             </a:bodyPr>
             <a:lstStyle/>
             <a:p>
-              <a:pPr indent="0" lvl="0" marL="0" rtl="0" algn="l">
+              <a:pPr marL="0" lvl="0" indent="0" algn="l" rtl="0">
                 <a:spcBef>
                   <a:spcPts val="0"/>
                 </a:spcBef>
@@ -6431,9 +6400,6 @@
                 </a:spcAft>
                 <a:buNone/>
               </a:pPr>
-              <a:r>
-                <a:t/>
-              </a:r>
               <a:endParaRPr/>
             </a:p>
           </p:txBody>
@@ -6451,7 +6417,7 @@
             </a:xfrm>
             <a:prstGeom prst="diagStripe">
               <a:avLst>
-                <a:gd fmla="val 0" name="adj"/>
+                <a:gd name="adj" fmla="val 0"/>
               </a:avLst>
             </a:prstGeom>
             <a:solidFill>
@@ -6464,12 +6430,12 @@
             </a:ln>
           </p:spPr>
           <p:txBody>
-            <a:bodyPr anchorCtr="0" anchor="ctr" bIns="91425" lIns="91425" spcFirstLastPara="1" rIns="91425" wrap="square" tIns="91425">
+            <a:bodyPr spcFirstLastPara="1" wrap="square" lIns="91425" tIns="91425" rIns="91425" bIns="91425" anchor="ctr" anchorCtr="0">
               <a:noAutofit/>
             </a:bodyPr>
             <a:lstStyle/>
             <a:p>
-              <a:pPr indent="0" lvl="0" marL="0" rtl="0" algn="l">
+              <a:pPr marL="0" lvl="0" indent="0" algn="l" rtl="0">
                 <a:spcBef>
                   <a:spcPts val="0"/>
                 </a:spcBef>
@@ -6478,9 +6444,6 @@
                 </a:spcAft>
                 <a:buNone/>
               </a:pPr>
-              <a:r>
-                <a:t/>
-              </a:r>
               <a:endParaRPr/>
             </a:p>
           </p:txBody>
@@ -6498,7 +6461,7 @@
             </a:xfrm>
             <a:prstGeom prst="diagStripe">
               <a:avLst>
-                <a:gd fmla="val 50000" name="adj"/>
+                <a:gd name="adj" fmla="val 50000"/>
               </a:avLst>
             </a:prstGeom>
             <a:solidFill>
@@ -6511,12 +6474,12 @@
             </a:ln>
           </p:spPr>
           <p:txBody>
-            <a:bodyPr anchorCtr="0" anchor="ctr" bIns="91425" lIns="91425" spcFirstLastPara="1" rIns="91425" wrap="square" tIns="91425">
+            <a:bodyPr spcFirstLastPara="1" wrap="square" lIns="91425" tIns="91425" rIns="91425" bIns="91425" anchor="ctr" anchorCtr="0">
               <a:noAutofit/>
             </a:bodyPr>
             <a:lstStyle/>
             <a:p>
-              <a:pPr indent="0" lvl="0" marL="0" rtl="0" algn="l">
+              <a:pPr marL="0" lvl="0" indent="0" algn="l" rtl="0">
                 <a:spcBef>
                   <a:spcPts val="0"/>
                 </a:spcBef>
@@ -6525,9 +6488,6 @@
                 </a:spcAft>
                 <a:buNone/>
               </a:pPr>
-              <a:r>
-                <a:t/>
-              </a:r>
               <a:endParaRPr/>
             </a:p>
           </p:txBody>
@@ -6545,7 +6505,7 @@
             </a:xfrm>
             <a:prstGeom prst="diagStripe">
               <a:avLst>
-                <a:gd fmla="val 50000" name="adj"/>
+                <a:gd name="adj" fmla="val 50000"/>
               </a:avLst>
             </a:prstGeom>
             <a:solidFill>
@@ -6558,12 +6518,12 @@
             </a:ln>
           </p:spPr>
           <p:txBody>
-            <a:bodyPr anchorCtr="0" anchor="ctr" bIns="91425" lIns="91425" spcFirstLastPara="1" rIns="91425" wrap="square" tIns="91425">
+            <a:bodyPr spcFirstLastPara="1" wrap="square" lIns="91425" tIns="91425" rIns="91425" bIns="91425" anchor="ctr" anchorCtr="0">
               <a:noAutofit/>
             </a:bodyPr>
             <a:lstStyle/>
             <a:p>
-              <a:pPr indent="0" lvl="0" marL="0" rtl="0" algn="l">
+              <a:pPr marL="0" lvl="0" indent="0" algn="l" rtl="0">
                 <a:spcBef>
                   <a:spcPts val="0"/>
                 </a:spcBef>
@@ -6572,9 +6532,6 @@
                 </a:spcAft>
                 <a:buNone/>
               </a:pPr>
-              <a:r>
-                <a:t/>
-              </a:r>
               <a:endParaRPr/>
             </a:p>
           </p:txBody>
@@ -6592,7 +6549,7 @@
             </a:xfrm>
             <a:prstGeom prst="diagStripe">
               <a:avLst>
-                <a:gd fmla="val 50000" name="adj"/>
+                <a:gd name="adj" fmla="val 50000"/>
               </a:avLst>
             </a:prstGeom>
             <a:solidFill>
@@ -6605,12 +6562,12 @@
             </a:ln>
           </p:spPr>
           <p:txBody>
-            <a:bodyPr anchorCtr="0" anchor="ctr" bIns="91425" lIns="91425" spcFirstLastPara="1" rIns="91425" wrap="square" tIns="91425">
+            <a:bodyPr spcFirstLastPara="1" wrap="square" lIns="91425" tIns="91425" rIns="91425" bIns="91425" anchor="ctr" anchorCtr="0">
               <a:noAutofit/>
             </a:bodyPr>
             <a:lstStyle/>
             <a:p>
-              <a:pPr indent="0" lvl="0" marL="0" rtl="0" algn="l">
+              <a:pPr marL="0" lvl="0" indent="0" algn="l" rtl="0">
                 <a:spcBef>
                   <a:spcPts val="0"/>
                 </a:spcBef>
@@ -6619,9 +6576,6 @@
                 </a:spcAft>
                 <a:buNone/>
               </a:pPr>
-              <a:r>
-                <a:t/>
-              </a:r>
               <a:endParaRPr/>
             </a:p>
           </p:txBody>
@@ -6639,7 +6593,7 @@
             </a:xfrm>
             <a:prstGeom prst="diagStripe">
               <a:avLst>
-                <a:gd fmla="val 50000" name="adj"/>
+                <a:gd name="adj" fmla="val 50000"/>
               </a:avLst>
             </a:prstGeom>
             <a:solidFill>
@@ -6652,12 +6606,12 @@
             </a:ln>
           </p:spPr>
           <p:txBody>
-            <a:bodyPr anchorCtr="0" anchor="ctr" bIns="91425" lIns="91425" spcFirstLastPara="1" rIns="91425" wrap="square" tIns="91425">
+            <a:bodyPr spcFirstLastPara="1" wrap="square" lIns="91425" tIns="91425" rIns="91425" bIns="91425" anchor="ctr" anchorCtr="0">
               <a:noAutofit/>
             </a:bodyPr>
             <a:lstStyle/>
             <a:p>
-              <a:pPr indent="0" lvl="0" marL="0" rtl="0" algn="l">
+              <a:pPr marL="0" lvl="0" indent="0" algn="l" rtl="0">
                 <a:spcBef>
                   <a:spcPts val="0"/>
                 </a:spcBef>
@@ -6666,9 +6620,6 @@
                 </a:spcAft>
                 <a:buNone/>
               </a:pPr>
-              <a:r>
-                <a:t/>
-              </a:r>
               <a:endParaRPr/>
             </a:p>
           </p:txBody>
@@ -6686,7 +6637,7 @@
             </a:xfrm>
             <a:prstGeom prst="diagStripe">
               <a:avLst>
-                <a:gd fmla="val 50000" name="adj"/>
+                <a:gd name="adj" fmla="val 50000"/>
               </a:avLst>
             </a:prstGeom>
             <a:solidFill>
@@ -6699,12 +6650,12 @@
             </a:ln>
           </p:spPr>
           <p:txBody>
-            <a:bodyPr anchorCtr="0" anchor="ctr" bIns="91425" lIns="91425" spcFirstLastPara="1" rIns="91425" wrap="square" tIns="91425">
+            <a:bodyPr spcFirstLastPara="1" wrap="square" lIns="91425" tIns="91425" rIns="91425" bIns="91425" anchor="ctr" anchorCtr="0">
               <a:noAutofit/>
             </a:bodyPr>
             <a:lstStyle/>
             <a:p>
-              <a:pPr indent="0" lvl="0" marL="0" rtl="0" algn="l">
+              <a:pPr marL="0" lvl="0" indent="0" algn="l" rtl="0">
                 <a:spcBef>
                   <a:spcPts val="0"/>
                 </a:spcBef>
@@ -6713,9 +6664,6 @@
                 </a:spcAft>
                 <a:buNone/>
               </a:pPr>
-              <a:r>
-                <a:t/>
-              </a:r>
               <a:endParaRPr/>
             </a:p>
           </p:txBody>
@@ -6733,7 +6681,7 @@
             </a:xfrm>
             <a:prstGeom prst="diagStripe">
               <a:avLst>
-                <a:gd fmla="val 50000" name="adj"/>
+                <a:gd name="adj" fmla="val 50000"/>
               </a:avLst>
             </a:prstGeom>
             <a:solidFill>
@@ -6744,12 +6692,12 @@
             </a:ln>
           </p:spPr>
           <p:txBody>
-            <a:bodyPr anchorCtr="0" anchor="ctr" bIns="91425" lIns="91425" spcFirstLastPara="1" rIns="91425" wrap="square" tIns="91425">
+            <a:bodyPr spcFirstLastPara="1" wrap="square" lIns="91425" tIns="91425" rIns="91425" bIns="91425" anchor="ctr" anchorCtr="0">
               <a:noAutofit/>
             </a:bodyPr>
             <a:lstStyle/>
             <a:p>
-              <a:pPr indent="0" lvl="0" marL="0" rtl="0" algn="l">
+              <a:pPr marL="0" lvl="0" indent="0" algn="l" rtl="0">
                 <a:spcBef>
                   <a:spcPts val="0"/>
                 </a:spcBef>
@@ -6758,9 +6706,6 @@
                 </a:spcAft>
                 <a:buNone/>
               </a:pPr>
-              <a:r>
-                <a:t/>
-              </a:r>
               <a:endParaRPr/>
             </a:p>
           </p:txBody>
@@ -6778,7 +6723,7 @@
             </a:xfrm>
             <a:prstGeom prst="diagStripe">
               <a:avLst>
-                <a:gd fmla="val 50000" name="adj"/>
+                <a:gd name="adj" fmla="val 50000"/>
               </a:avLst>
             </a:prstGeom>
             <a:solidFill>
@@ -6791,12 +6736,12 @@
             </a:ln>
           </p:spPr>
           <p:txBody>
-            <a:bodyPr anchorCtr="0" anchor="ctr" bIns="91425" lIns="91425" spcFirstLastPara="1" rIns="91425" wrap="square" tIns="91425">
+            <a:bodyPr spcFirstLastPara="1" wrap="square" lIns="91425" tIns="91425" rIns="91425" bIns="91425" anchor="ctr" anchorCtr="0">
               <a:noAutofit/>
             </a:bodyPr>
             <a:lstStyle/>
             <a:p>
-              <a:pPr indent="0" lvl="0" marL="0" rtl="0" algn="l">
+              <a:pPr marL="0" lvl="0" indent="0" algn="l" rtl="0">
                 <a:spcBef>
                   <a:spcPts val="0"/>
                 </a:spcBef>
@@ -6805,9 +6750,6 @@
                 </a:spcAft>
                 <a:buNone/>
               </a:pPr>
-              <a:r>
-                <a:t/>
-              </a:r>
               <a:endParaRPr/>
             </a:p>
           </p:txBody>
@@ -6825,7 +6767,7 @@
             </a:xfrm>
             <a:prstGeom prst="diagStripe">
               <a:avLst>
-                <a:gd fmla="val 50000" name="adj"/>
+                <a:gd name="adj" fmla="val 50000"/>
               </a:avLst>
             </a:prstGeom>
             <a:solidFill>
@@ -6838,12 +6780,12 @@
             </a:ln>
           </p:spPr>
           <p:txBody>
-            <a:bodyPr anchorCtr="0" anchor="ctr" bIns="91425" lIns="91425" spcFirstLastPara="1" rIns="91425" wrap="square" tIns="91425">
+            <a:bodyPr spcFirstLastPara="1" wrap="square" lIns="91425" tIns="91425" rIns="91425" bIns="91425" anchor="ctr" anchorCtr="0">
               <a:noAutofit/>
             </a:bodyPr>
             <a:lstStyle/>
             <a:p>
-              <a:pPr indent="0" lvl="0" marL="0" rtl="0" algn="l">
+              <a:pPr marL="0" lvl="0" indent="0" algn="l" rtl="0">
                 <a:spcBef>
                   <a:spcPts val="0"/>
                 </a:spcBef>
@@ -6852,9 +6794,6 @@
                 </a:spcAft>
                 <a:buNone/>
               </a:pPr>
-              <a:r>
-                <a:t/>
-              </a:r>
               <a:endParaRPr/>
             </a:p>
           </p:txBody>
@@ -6872,7 +6811,7 @@
             </a:xfrm>
             <a:prstGeom prst="diagStripe">
               <a:avLst>
-                <a:gd fmla="val 50000" name="adj"/>
+                <a:gd name="adj" fmla="val 50000"/>
               </a:avLst>
             </a:prstGeom>
             <a:solidFill>
@@ -6885,12 +6824,12 @@
             </a:ln>
           </p:spPr>
           <p:txBody>
-            <a:bodyPr anchorCtr="0" anchor="ctr" bIns="91425" lIns="91425" spcFirstLastPara="1" rIns="91425" wrap="square" tIns="91425">
+            <a:bodyPr spcFirstLastPara="1" wrap="square" lIns="91425" tIns="91425" rIns="91425" bIns="91425" anchor="ctr" anchorCtr="0">
               <a:noAutofit/>
             </a:bodyPr>
             <a:lstStyle/>
             <a:p>
-              <a:pPr indent="0" lvl="0" marL="0" rtl="0" algn="l">
+              <a:pPr marL="0" lvl="0" indent="0" algn="l" rtl="0">
                 <a:spcBef>
                   <a:spcPts val="0"/>
                 </a:spcBef>
@@ -6899,9 +6838,6 @@
                 </a:spcAft>
                 <a:buNone/>
               </a:pPr>
-              <a:r>
-                <a:t/>
-              </a:r>
               <a:endParaRPr/>
             </a:p>
           </p:txBody>
@@ -6919,7 +6855,7 @@
             </a:xfrm>
             <a:prstGeom prst="diagStripe">
               <a:avLst>
-                <a:gd fmla="val 50000" name="adj"/>
+                <a:gd name="adj" fmla="val 50000"/>
               </a:avLst>
             </a:prstGeom>
             <a:solidFill>
@@ -6932,12 +6868,12 @@
             </a:ln>
           </p:spPr>
           <p:txBody>
-            <a:bodyPr anchorCtr="0" anchor="ctr" bIns="91425" lIns="91425" spcFirstLastPara="1" rIns="91425" wrap="square" tIns="91425">
+            <a:bodyPr spcFirstLastPara="1" wrap="square" lIns="91425" tIns="91425" rIns="91425" bIns="91425" anchor="ctr" anchorCtr="0">
               <a:noAutofit/>
             </a:bodyPr>
             <a:lstStyle/>
             <a:p>
-              <a:pPr indent="0" lvl="0" marL="0" rtl="0" algn="l">
+              <a:pPr marL="0" lvl="0" indent="0" algn="l" rtl="0">
                 <a:spcBef>
                   <a:spcPts val="0"/>
                 </a:spcBef>
@@ -6946,9 +6882,6 @@
                 </a:spcAft>
                 <a:buNone/>
               </a:pPr>
-              <a:r>
-                <a:t/>
-              </a:r>
               <a:endParaRPr/>
             </a:p>
           </p:txBody>
@@ -6966,7 +6899,7 @@
             </a:xfrm>
             <a:prstGeom prst="diagStripe">
               <a:avLst>
-                <a:gd fmla="val 50000" name="adj"/>
+                <a:gd name="adj" fmla="val 50000"/>
               </a:avLst>
             </a:prstGeom>
             <a:solidFill>
@@ -6979,12 +6912,12 @@
             </a:ln>
           </p:spPr>
           <p:txBody>
-            <a:bodyPr anchorCtr="0" anchor="ctr" bIns="91425" lIns="91425" spcFirstLastPara="1" rIns="91425" wrap="square" tIns="91425">
+            <a:bodyPr spcFirstLastPara="1" wrap="square" lIns="91425" tIns="91425" rIns="91425" bIns="91425" anchor="ctr" anchorCtr="0">
               <a:noAutofit/>
             </a:bodyPr>
             <a:lstStyle/>
             <a:p>
-              <a:pPr indent="0" lvl="0" marL="0" rtl="0" algn="l">
+              <a:pPr marL="0" lvl="0" indent="0" algn="l" rtl="0">
                 <a:spcBef>
                   <a:spcPts val="0"/>
                 </a:spcBef>
@@ -6993,9 +6926,6 @@
                 </a:spcAft>
                 <a:buNone/>
               </a:pPr>
-              <a:r>
-                <a:t/>
-              </a:r>
               <a:endParaRPr/>
             </a:p>
           </p:txBody>
@@ -7013,7 +6943,7 @@
             </a:xfrm>
             <a:prstGeom prst="diagStripe">
               <a:avLst>
-                <a:gd fmla="val 50000" name="adj"/>
+                <a:gd name="adj" fmla="val 50000"/>
               </a:avLst>
             </a:prstGeom>
             <a:solidFill>
@@ -7024,12 +6954,12 @@
             </a:ln>
           </p:spPr>
           <p:txBody>
-            <a:bodyPr anchorCtr="0" anchor="ctr" bIns="91425" lIns="91425" spcFirstLastPara="1" rIns="91425" wrap="square" tIns="91425">
+            <a:bodyPr spcFirstLastPara="1" wrap="square" lIns="91425" tIns="91425" rIns="91425" bIns="91425" anchor="ctr" anchorCtr="0">
               <a:noAutofit/>
             </a:bodyPr>
             <a:lstStyle/>
             <a:p>
-              <a:pPr indent="0" lvl="0" marL="0" rtl="0" algn="l">
+              <a:pPr marL="0" lvl="0" indent="0" algn="l" rtl="0">
                 <a:spcBef>
                   <a:spcPts val="0"/>
                 </a:spcBef>
@@ -7038,9 +6968,6 @@
                 </a:spcAft>
                 <a:buNone/>
               </a:pPr>
-              <a:r>
-                <a:t/>
-              </a:r>
               <a:endParaRPr/>
             </a:p>
           </p:txBody>
@@ -7058,7 +6985,7 @@
             </a:xfrm>
             <a:prstGeom prst="diagStripe">
               <a:avLst>
-                <a:gd fmla="val 50000" name="adj"/>
+                <a:gd name="adj" fmla="val 50000"/>
               </a:avLst>
             </a:prstGeom>
             <a:solidFill>
@@ -7071,12 +6998,12 @@
             </a:ln>
           </p:spPr>
           <p:txBody>
-            <a:bodyPr anchorCtr="0" anchor="ctr" bIns="91425" lIns="91425" spcFirstLastPara="1" rIns="91425" wrap="square" tIns="91425">
+            <a:bodyPr spcFirstLastPara="1" wrap="square" lIns="91425" tIns="91425" rIns="91425" bIns="91425" anchor="ctr" anchorCtr="0">
               <a:noAutofit/>
             </a:bodyPr>
             <a:lstStyle/>
             <a:p>
-              <a:pPr indent="0" lvl="0" marL="0" rtl="0" algn="l">
+              <a:pPr marL="0" lvl="0" indent="0" algn="l" rtl="0">
                 <a:spcBef>
                   <a:spcPts val="0"/>
                 </a:spcBef>
@@ -7085,9 +7012,6 @@
                 </a:spcAft>
                 <a:buNone/>
               </a:pPr>
-              <a:r>
-                <a:t/>
-              </a:r>
               <a:endParaRPr/>
             </a:p>
           </p:txBody>
@@ -7105,7 +7029,7 @@
             </a:xfrm>
             <a:prstGeom prst="diagStripe">
               <a:avLst>
-                <a:gd fmla="val 50000" name="adj"/>
+                <a:gd name="adj" fmla="val 50000"/>
               </a:avLst>
             </a:prstGeom>
             <a:solidFill>
@@ -7118,12 +7042,12 @@
             </a:ln>
           </p:spPr>
           <p:txBody>
-            <a:bodyPr anchorCtr="0" anchor="ctr" bIns="91425" lIns="91425" spcFirstLastPara="1" rIns="91425" wrap="square" tIns="91425">
+            <a:bodyPr spcFirstLastPara="1" wrap="square" lIns="91425" tIns="91425" rIns="91425" bIns="91425" anchor="ctr" anchorCtr="0">
               <a:noAutofit/>
             </a:bodyPr>
             <a:lstStyle/>
             <a:p>
-              <a:pPr indent="0" lvl="0" marL="0" rtl="0" algn="l">
+              <a:pPr marL="0" lvl="0" indent="0" algn="l" rtl="0">
                 <a:spcBef>
                   <a:spcPts val="0"/>
                 </a:spcBef>
@@ -7132,9 +7056,6 @@
                 </a:spcAft>
                 <a:buNone/>
               </a:pPr>
-              <a:r>
-                <a:t/>
-              </a:r>
               <a:endParaRPr/>
             </a:p>
           </p:txBody>
@@ -7152,7 +7073,7 @@
             </a:xfrm>
             <a:prstGeom prst="diagStripe">
               <a:avLst>
-                <a:gd fmla="val 50000" name="adj"/>
+                <a:gd name="adj" fmla="val 50000"/>
               </a:avLst>
             </a:prstGeom>
             <a:solidFill>
@@ -7165,12 +7086,12 @@
             </a:ln>
           </p:spPr>
           <p:txBody>
-            <a:bodyPr anchorCtr="0" anchor="ctr" bIns="91425" lIns="91425" spcFirstLastPara="1" rIns="91425" wrap="square" tIns="91425">
+            <a:bodyPr spcFirstLastPara="1" wrap="square" lIns="91425" tIns="91425" rIns="91425" bIns="91425" anchor="ctr" anchorCtr="0">
               <a:noAutofit/>
             </a:bodyPr>
             <a:lstStyle/>
             <a:p>
-              <a:pPr indent="0" lvl="0" marL="0" rtl="0" algn="l">
+              <a:pPr marL="0" lvl="0" indent="0" algn="l" rtl="0">
                 <a:spcBef>
                   <a:spcPts val="0"/>
                 </a:spcBef>
@@ -7179,9 +7100,6 @@
                 </a:spcAft>
                 <a:buNone/>
               </a:pPr>
-              <a:r>
-                <a:t/>
-              </a:r>
               <a:endParaRPr/>
             </a:p>
           </p:txBody>
@@ -7199,7 +7117,7 @@
             </a:xfrm>
             <a:prstGeom prst="diagStripe">
               <a:avLst>
-                <a:gd fmla="val 50000" name="adj"/>
+                <a:gd name="adj" fmla="val 50000"/>
               </a:avLst>
             </a:prstGeom>
             <a:solidFill>
@@ -7212,12 +7130,12 @@
             </a:ln>
           </p:spPr>
           <p:txBody>
-            <a:bodyPr anchorCtr="0" anchor="ctr" bIns="91425" lIns="91425" spcFirstLastPara="1" rIns="91425" wrap="square" tIns="91425">
+            <a:bodyPr spcFirstLastPara="1" wrap="square" lIns="91425" tIns="91425" rIns="91425" bIns="91425" anchor="ctr" anchorCtr="0">
               <a:noAutofit/>
             </a:bodyPr>
             <a:lstStyle/>
             <a:p>
-              <a:pPr indent="0" lvl="0" marL="0" rtl="0" algn="l">
+              <a:pPr marL="0" lvl="0" indent="0" algn="l" rtl="0">
                 <a:spcBef>
                   <a:spcPts val="0"/>
                 </a:spcBef>
@@ -7226,9 +7144,6 @@
                 </a:spcAft>
                 <a:buNone/>
               </a:pPr>
-              <a:r>
-                <a:t/>
-              </a:r>
               <a:endParaRPr/>
             </a:p>
           </p:txBody>
@@ -7237,7 +7152,9 @@
       <p:sp>
         <p:nvSpPr>
           <p:cNvPr id="89" name="Google Shape;89;p8"/>
-          <p:cNvSpPr txBox="1"/>
+          <p:cNvSpPr txBox="1">
+            <a:spLocks noGrp="1"/>
+          </p:cNvSpPr>
           <p:nvPr>
             <p:ph type="title"/>
           </p:nvPr>
@@ -7252,7 +7169,7 @@
           </a:prstGeom>
         </p:spPr>
         <p:txBody>
-          <a:bodyPr anchorCtr="0" anchor="ctr" bIns="91425" lIns="91425" spcFirstLastPara="1" rIns="91425" wrap="square" tIns="91425">
+          <a:bodyPr spcFirstLastPara="1" wrap="square" lIns="91425" tIns="91425" rIns="91425" bIns="91425" anchor="ctr" anchorCtr="0">
             <a:normAutofit/>
           </a:bodyPr>
           <a:lstStyle>
@@ -7356,15 +7273,19 @@
               <a:defRPr/>
             </a:lvl9pPr>
           </a:lstStyle>
-          <a:p/>
+          <a:p>
+            <a:endParaRPr/>
+          </a:p>
         </p:txBody>
       </p:sp>
       <p:sp>
         <p:nvSpPr>
           <p:cNvPr id="90" name="Google Shape;90;p8"/>
-          <p:cNvSpPr txBox="1"/>
+          <p:cNvSpPr txBox="1">
+            <a:spLocks noGrp="1"/>
+          </p:cNvSpPr>
           <p:nvPr>
-            <p:ph idx="12" type="sldNum"/>
+            <p:ph type="sldNum" idx="12"/>
           </p:nvPr>
         </p:nvSpPr>
         <p:spPr>
@@ -7377,7 +7298,7 @@
           </a:prstGeom>
         </p:spPr>
         <p:txBody>
-          <a:bodyPr anchorCtr="0" anchor="ctr" bIns="91425" lIns="91425" spcFirstLastPara="1" rIns="91425" wrap="square" tIns="91425">
+          <a:bodyPr spcFirstLastPara="1" wrap="square" lIns="91425" tIns="91425" rIns="91425" bIns="91425" anchor="ctr" anchorCtr="0">
             <a:normAutofit/>
           </a:bodyPr>
           <a:lstStyle>
@@ -7419,7 +7340,7 @@
             </a:lvl9pPr>
           </a:lstStyle>
           <a:p>
-            <a:pPr indent="0" lvl="0" marL="0" rtl="0" algn="r">
+            <a:pPr marL="0" lvl="0" indent="0" algn="r" rtl="0">
               <a:spcBef>
                 <a:spcPts val="0"/>
               </a:spcBef>
@@ -7430,7 +7351,7 @@
             </a:pPr>
             <a:fld id="{00000000-1234-1234-1234-123412341234}" type="slidenum">
               <a:rPr lang="fr"/>
-              <a:t>‹#›</a:t>
+              <a:t>‹N°›</a:t>
             </a:fld>
             <a:endParaRPr/>
           </a:p>
@@ -7445,11 +7366,11 @@
 </file>
 
 <file path=ppt/slideLayouts/slideLayout8.xml><?xml version="1.0" encoding="utf-8"?>
-<p:sldLayout xmlns:a="http://schemas.openxmlformats.org/drawingml/2006/main" xmlns:r="http://schemas.openxmlformats.org/officeDocument/2006/relationships" xmlns:mc="http://schemas.openxmlformats.org/markup-compatibility/2006" xmlns:mv="urn:schemas-microsoft-com:mac:vml" xmlns:p="http://schemas.openxmlformats.org/presentationml/2006/main" xmlns:c="http://schemas.openxmlformats.org/drawingml/2006/chart" xmlns:dgm="http://schemas.openxmlformats.org/drawingml/2006/diagram" xmlns:o="urn:schemas-microsoft-com:office:office" xmlns:v="urn:schemas-microsoft-com:vml" xmlns:pvml="urn:schemas-microsoft-com:office:powerpoint" xmlns:com="http://schemas.openxmlformats.org/drawingml/2006/compatibility" xmlns:p14="http://schemas.microsoft.com/office/powerpoint/2010/main" xmlns:p15="http://schemas.microsoft.com/office/powerpoint/2012/main" xmlns:ahyp="http://schemas.microsoft.com/office/drawing/2018/hyperlinkcolor" matchingName="Section title and description">
+<p:sldLayout xmlns:a="http://schemas.openxmlformats.org/drawingml/2006/main" xmlns:r="http://schemas.openxmlformats.org/officeDocument/2006/relationships" xmlns:p="http://schemas.openxmlformats.org/presentationml/2006/main" matchingName="Section title and description">
   <p:cSld name="SECTION_TITLE_AND_DESCRIPTION">
     <p:spTree>
       <p:nvGrpSpPr>
-        <p:cNvPr id="91" name="Shape 91"/>
+        <p:cNvPr id="1" name="Shape 91"/>
         <p:cNvGrpSpPr/>
         <p:nvPr/>
       </p:nvGrpSpPr>
@@ -7488,7 +7409,7 @@
             </a:xfrm>
             <a:prstGeom prst="diagStripe">
               <a:avLst>
-                <a:gd fmla="val 50000" name="adj"/>
+                <a:gd name="adj" fmla="val 50000"/>
               </a:avLst>
             </a:prstGeom>
             <a:solidFill>
@@ -7499,12 +7420,12 @@
             </a:ln>
           </p:spPr>
           <p:txBody>
-            <a:bodyPr anchorCtr="0" anchor="ctr" bIns="91425" lIns="91425" spcFirstLastPara="1" rIns="91425" wrap="square" tIns="91425">
+            <a:bodyPr spcFirstLastPara="1" wrap="square" lIns="91425" tIns="91425" rIns="91425" bIns="91425" anchor="ctr" anchorCtr="0">
               <a:noAutofit/>
             </a:bodyPr>
             <a:lstStyle/>
             <a:p>
-              <a:pPr indent="0" lvl="0" marL="0" rtl="0" algn="l">
+              <a:pPr marL="0" lvl="0" indent="0" algn="l" rtl="0">
                 <a:spcBef>
                   <a:spcPts val="0"/>
                 </a:spcBef>
@@ -7513,9 +7434,6 @@
                 </a:spcAft>
                 <a:buNone/>
               </a:pPr>
-              <a:r>
-                <a:t/>
-              </a:r>
               <a:endParaRPr/>
             </a:p>
           </p:txBody>
@@ -7533,7 +7451,7 @@
             </a:xfrm>
             <a:prstGeom prst="diagStripe">
               <a:avLst>
-                <a:gd fmla="val 50000" name="adj"/>
+                <a:gd name="adj" fmla="val 50000"/>
               </a:avLst>
             </a:prstGeom>
             <a:solidFill>
@@ -7544,12 +7462,12 @@
             </a:ln>
           </p:spPr>
           <p:txBody>
-            <a:bodyPr anchorCtr="0" anchor="ctr" bIns="91425" lIns="91425" spcFirstLastPara="1" rIns="91425" wrap="square" tIns="91425">
+            <a:bodyPr spcFirstLastPara="1" wrap="square" lIns="91425" tIns="91425" rIns="91425" bIns="91425" anchor="ctr" anchorCtr="0">
               <a:noAutofit/>
             </a:bodyPr>
             <a:lstStyle/>
             <a:p>
-              <a:pPr indent="0" lvl="0" marL="0" rtl="0" algn="l">
+              <a:pPr marL="0" lvl="0" indent="0" algn="l" rtl="0">
                 <a:spcBef>
                   <a:spcPts val="0"/>
                 </a:spcBef>
@@ -7558,9 +7476,6 @@
                 </a:spcAft>
                 <a:buNone/>
               </a:pPr>
-              <a:r>
-                <a:t/>
-              </a:r>
               <a:endParaRPr/>
             </a:p>
           </p:txBody>
@@ -7569,7 +7484,9 @@
       <p:sp>
         <p:nvSpPr>
           <p:cNvPr id="95" name="Google Shape;95;p9"/>
-          <p:cNvSpPr txBox="1"/>
+          <p:cNvSpPr txBox="1">
+            <a:spLocks noGrp="1"/>
+          </p:cNvSpPr>
           <p:nvPr>
             <p:ph type="title"/>
           </p:nvPr>
@@ -7584,7 +7501,7 @@
           </a:prstGeom>
         </p:spPr>
         <p:txBody>
-          <a:bodyPr anchorCtr="0" anchor="t" bIns="91425" lIns="91425" spcFirstLastPara="1" rIns="91425" wrap="square" tIns="91425">
+          <a:bodyPr spcFirstLastPara="1" wrap="square" lIns="91425" tIns="91425" rIns="91425" bIns="91425" anchor="t" anchorCtr="0">
             <a:normAutofit/>
           </a:bodyPr>
           <a:lstStyle>
@@ -7688,15 +7605,19 @@
               <a:defRPr sz="2400"/>
             </a:lvl9pPr>
           </a:lstStyle>
-          <a:p/>
+          <a:p>
+            <a:endParaRPr/>
+          </a:p>
         </p:txBody>
       </p:sp>
       <p:sp>
         <p:nvSpPr>
           <p:cNvPr id="96" name="Google Shape;96;p9"/>
-          <p:cNvSpPr txBox="1"/>
+          <p:cNvSpPr txBox="1">
+            <a:spLocks noGrp="1"/>
+          </p:cNvSpPr>
           <p:nvPr>
-            <p:ph idx="1" type="subTitle"/>
+            <p:ph type="subTitle" idx="1"/>
           </p:nvPr>
         </p:nvSpPr>
         <p:spPr>
@@ -7709,7 +7630,7 @@
           </a:prstGeom>
         </p:spPr>
         <p:txBody>
-          <a:bodyPr anchorCtr="0" anchor="t" bIns="91425" lIns="91425" spcFirstLastPara="1" rIns="91425" wrap="square" tIns="91425">
+          <a:bodyPr spcFirstLastPara="1" wrap="square" lIns="91425" tIns="91425" rIns="91425" bIns="91425" anchor="t" anchorCtr="0">
             <a:normAutofit/>
           </a:bodyPr>
           <a:lstStyle>
@@ -7840,15 +7761,19 @@
               <a:defRPr sz="1300"/>
             </a:lvl9pPr>
           </a:lstStyle>
-          <a:p/>
+          <a:p>
+            <a:endParaRPr/>
+          </a:p>
         </p:txBody>
       </p:sp>
       <p:sp>
         <p:nvSpPr>
           <p:cNvPr id="97" name="Google Shape;97;p9"/>
-          <p:cNvSpPr txBox="1"/>
+          <p:cNvSpPr txBox="1">
+            <a:spLocks noGrp="1"/>
+          </p:cNvSpPr>
           <p:nvPr>
-            <p:ph idx="2" type="body"/>
+            <p:ph type="body" idx="2"/>
           </p:nvPr>
         </p:nvSpPr>
         <p:spPr>
@@ -7861,11 +7786,11 @@
           </a:prstGeom>
         </p:spPr>
         <p:txBody>
-          <a:bodyPr anchorCtr="0" anchor="t" bIns="91425" lIns="91425" spcFirstLastPara="1" rIns="91425" wrap="square" tIns="91425">
+          <a:bodyPr spcFirstLastPara="1" wrap="square" lIns="91425" tIns="91425" rIns="91425" bIns="91425" anchor="t" anchorCtr="0">
             <a:normAutofit/>
           </a:bodyPr>
           <a:lstStyle>
-            <a:lvl1pPr indent="-311150" lvl="0" marL="457200">
+            <a:lvl1pPr marL="457200" lvl="0" indent="-311150">
               <a:spcBef>
                 <a:spcPts val="0"/>
               </a:spcBef>
@@ -7876,7 +7801,7 @@
               <a:buChar char="●"/>
               <a:defRPr/>
             </a:lvl1pPr>
-            <a:lvl2pPr indent="-298450" lvl="1" marL="914400">
+            <a:lvl2pPr marL="914400" lvl="1" indent="-298450">
               <a:spcBef>
                 <a:spcPts val="0"/>
               </a:spcBef>
@@ -7887,7 +7812,7 @@
               <a:buChar char="○"/>
               <a:defRPr/>
             </a:lvl2pPr>
-            <a:lvl3pPr indent="-298450" lvl="2" marL="1371600">
+            <a:lvl3pPr marL="1371600" lvl="2" indent="-298450">
               <a:spcBef>
                 <a:spcPts val="0"/>
               </a:spcBef>
@@ -7898,7 +7823,7 @@
               <a:buChar char="■"/>
               <a:defRPr/>
             </a:lvl3pPr>
-            <a:lvl4pPr indent="-298450" lvl="3" marL="1828800">
+            <a:lvl4pPr marL="1828800" lvl="3" indent="-298450">
               <a:spcBef>
                 <a:spcPts val="0"/>
               </a:spcBef>
@@ -7909,7 +7834,7 @@
               <a:buChar char="●"/>
               <a:defRPr/>
             </a:lvl4pPr>
-            <a:lvl5pPr indent="-298450" lvl="4" marL="2286000">
+            <a:lvl5pPr marL="2286000" lvl="4" indent="-298450">
               <a:spcBef>
                 <a:spcPts val="0"/>
               </a:spcBef>
@@ -7920,7 +7845,7 @@
               <a:buChar char="○"/>
               <a:defRPr/>
             </a:lvl5pPr>
-            <a:lvl6pPr indent="-298450" lvl="5" marL="2743200">
+            <a:lvl6pPr marL="2743200" lvl="5" indent="-298450">
               <a:spcBef>
                 <a:spcPts val="0"/>
               </a:spcBef>
@@ -7931,7 +7856,7 @@
               <a:buChar char="■"/>
               <a:defRPr/>
             </a:lvl6pPr>
-            <a:lvl7pPr indent="-298450" lvl="6" marL="3200400">
+            <a:lvl7pPr marL="3200400" lvl="6" indent="-298450">
               <a:spcBef>
                 <a:spcPts val="0"/>
               </a:spcBef>
@@ -7942,7 +7867,7 @@
               <a:buChar char="●"/>
               <a:defRPr/>
             </a:lvl7pPr>
-            <a:lvl8pPr indent="-298450" lvl="7" marL="3657600">
+            <a:lvl8pPr marL="3657600" lvl="7" indent="-298450">
               <a:spcBef>
                 <a:spcPts val="0"/>
               </a:spcBef>
@@ -7953,7 +7878,7 @@
               <a:buChar char="○"/>
               <a:defRPr/>
             </a:lvl8pPr>
-            <a:lvl9pPr indent="-298450" lvl="8" marL="4114800">
+            <a:lvl9pPr marL="4114800" lvl="8" indent="-298450">
               <a:spcBef>
                 <a:spcPts val="0"/>
               </a:spcBef>
@@ -7965,15 +7890,19 @@
               <a:defRPr/>
             </a:lvl9pPr>
           </a:lstStyle>
-          <a:p/>
+          <a:p>
+            <a:endParaRPr/>
+          </a:p>
         </p:txBody>
       </p:sp>
       <p:sp>
         <p:nvSpPr>
           <p:cNvPr id="98" name="Google Shape;98;p9"/>
-          <p:cNvSpPr txBox="1"/>
+          <p:cNvSpPr txBox="1">
+            <a:spLocks noGrp="1"/>
+          </p:cNvSpPr>
           <p:nvPr>
-            <p:ph idx="12" type="sldNum"/>
+            <p:ph type="sldNum" idx="12"/>
           </p:nvPr>
         </p:nvSpPr>
         <p:spPr>
@@ -7986,7 +7915,7 @@
           </a:prstGeom>
         </p:spPr>
         <p:txBody>
-          <a:bodyPr anchorCtr="0" anchor="ctr" bIns="91425" lIns="91425" spcFirstLastPara="1" rIns="91425" wrap="square" tIns="91425">
+          <a:bodyPr spcFirstLastPara="1" wrap="square" lIns="91425" tIns="91425" rIns="91425" bIns="91425" anchor="ctr" anchorCtr="0">
             <a:normAutofit/>
           </a:bodyPr>
           <a:lstStyle>
@@ -8028,7 +7957,7 @@
             </a:lvl9pPr>
           </a:lstStyle>
           <a:p>
-            <a:pPr indent="0" lvl="0" marL="0" rtl="0" algn="r">
+            <a:pPr marL="0" lvl="0" indent="0" algn="r" rtl="0">
               <a:spcBef>
                 <a:spcPts val="0"/>
               </a:spcBef>
@@ -8039,7 +7968,7 @@
             </a:pPr>
             <a:fld id="{00000000-1234-1234-1234-123412341234}" type="slidenum">
               <a:rPr lang="fr"/>
-              <a:t>‹#›</a:t>
+              <a:t>‹N°›</a:t>
             </a:fld>
             <a:endParaRPr/>
           </a:p>
@@ -8054,11 +7983,11 @@
 </file>
 
 <file path=ppt/slideLayouts/slideLayout9.xml><?xml version="1.0" encoding="utf-8"?>
-<p:sldLayout xmlns:a="http://schemas.openxmlformats.org/drawingml/2006/main" xmlns:r="http://schemas.openxmlformats.org/officeDocument/2006/relationships" xmlns:mc="http://schemas.openxmlformats.org/markup-compatibility/2006" xmlns:mv="urn:schemas-microsoft-com:mac:vml" xmlns:p="http://schemas.openxmlformats.org/presentationml/2006/main" xmlns:c="http://schemas.openxmlformats.org/drawingml/2006/chart" xmlns:dgm="http://schemas.openxmlformats.org/drawingml/2006/diagram" xmlns:o="urn:schemas-microsoft-com:office:office" xmlns:v="urn:schemas-microsoft-com:vml" xmlns:pvml="urn:schemas-microsoft-com:office:powerpoint" xmlns:com="http://schemas.openxmlformats.org/drawingml/2006/compatibility" xmlns:p14="http://schemas.microsoft.com/office/powerpoint/2010/main" xmlns:p15="http://schemas.microsoft.com/office/powerpoint/2012/main" xmlns:ahyp="http://schemas.microsoft.com/office/drawing/2018/hyperlinkcolor" matchingName="Caption">
+<p:sldLayout xmlns:a="http://schemas.openxmlformats.org/drawingml/2006/main" xmlns:r="http://schemas.openxmlformats.org/officeDocument/2006/relationships" xmlns:p="http://schemas.openxmlformats.org/presentationml/2006/main" matchingName="Caption">
   <p:cSld name="CAPTION_ONLY">
     <p:spTree>
       <p:nvGrpSpPr>
-        <p:cNvPr id="99" name="Shape 99"/>
+        <p:cNvPr id="1" name="Shape 99"/>
         <p:cNvGrpSpPr/>
         <p:nvPr/>
       </p:nvGrpSpPr>
@@ -8097,7 +8026,7 @@
             </a:xfrm>
             <a:prstGeom prst="diagStripe">
               <a:avLst>
-                <a:gd fmla="val 50000" name="adj"/>
+                <a:gd name="adj" fmla="val 50000"/>
               </a:avLst>
             </a:prstGeom>
             <a:solidFill>
@@ -8110,12 +8039,12 @@
             </a:ln>
           </p:spPr>
           <p:txBody>
-            <a:bodyPr anchorCtr="0" anchor="ctr" bIns="91425" lIns="91425" spcFirstLastPara="1" rIns="91425" wrap="square" tIns="91425">
+            <a:bodyPr spcFirstLastPara="1" wrap="square" lIns="91425" tIns="91425" rIns="91425" bIns="91425" anchor="ctr" anchorCtr="0">
               <a:noAutofit/>
             </a:bodyPr>
             <a:lstStyle/>
             <a:p>
-              <a:pPr indent="0" lvl="0" marL="0" rtl="0" algn="l">
+              <a:pPr marL="0" lvl="0" indent="0" algn="l" rtl="0">
                 <a:spcBef>
                   <a:spcPts val="0"/>
                 </a:spcBef>
@@ -8124,9 +8053,6 @@
                 </a:spcAft>
                 <a:buNone/>
               </a:pPr>
-              <a:r>
-                <a:t/>
-              </a:r>
               <a:endParaRPr/>
             </a:p>
           </p:txBody>
@@ -8144,7 +8070,7 @@
             </a:xfrm>
             <a:prstGeom prst="diagStripe">
               <a:avLst>
-                <a:gd fmla="val 50000" name="adj"/>
+                <a:gd name="adj" fmla="val 50000"/>
               </a:avLst>
             </a:prstGeom>
             <a:solidFill>
@@ -8157,12 +8083,12 @@
             </a:ln>
           </p:spPr>
           <p:txBody>
-            <a:bodyPr anchorCtr="0" anchor="ctr" bIns="91425" lIns="91425" spcFirstLastPara="1" rIns="91425" wrap="square" tIns="91425">
+            <a:bodyPr spcFirstLastPara="1" wrap="square" lIns="91425" tIns="91425" rIns="91425" bIns="91425" anchor="ctr" anchorCtr="0">
               <a:noAutofit/>
             </a:bodyPr>
             <a:lstStyle/>
             <a:p>
-              <a:pPr indent="0" lvl="0" marL="0" rtl="0" algn="l">
+              <a:pPr marL="0" lvl="0" indent="0" algn="l" rtl="0">
                 <a:spcBef>
                   <a:spcPts val="0"/>
                 </a:spcBef>
@@ -8171,9 +8097,6 @@
                 </a:spcAft>
                 <a:buNone/>
               </a:pPr>
-              <a:r>
-                <a:t/>
-              </a:r>
               <a:endParaRPr/>
             </a:p>
           </p:txBody>
@@ -8182,9 +8105,11 @@
       <p:sp>
         <p:nvSpPr>
           <p:cNvPr id="103" name="Google Shape;103;p10"/>
-          <p:cNvSpPr txBox="1"/>
+          <p:cNvSpPr txBox="1">
+            <a:spLocks noGrp="1"/>
+          </p:cNvSpPr>
           <p:nvPr>
-            <p:ph idx="1" type="body"/>
+            <p:ph type="body" idx="1"/>
           </p:nvPr>
         </p:nvSpPr>
         <p:spPr>
@@ -8197,11 +8122,11 @@
           </a:prstGeom>
         </p:spPr>
         <p:txBody>
-          <a:bodyPr anchorCtr="0" anchor="ctr" bIns="91425" lIns="91425" spcFirstLastPara="1" rIns="91425" wrap="square" tIns="91425">
+          <a:bodyPr spcFirstLastPara="1" wrap="square" lIns="91425" tIns="91425" rIns="91425" bIns="91425" anchor="ctr" anchorCtr="0">
             <a:normAutofit/>
           </a:bodyPr>
           <a:lstStyle>
-            <a:lvl1pPr indent="-228600" lvl="0" marL="457200">
+            <a:lvl1pPr marL="457200" lvl="0" indent="-228600">
               <a:lnSpc>
                 <a:spcPct val="100000"/>
               </a:lnSpc>
@@ -8216,15 +8141,19 @@
               <a:defRPr/>
             </a:lvl1pPr>
           </a:lstStyle>
-          <a:p/>
+          <a:p>
+            <a:endParaRPr/>
+          </a:p>
         </p:txBody>
       </p:sp>
       <p:sp>
         <p:nvSpPr>
           <p:cNvPr id="104" name="Google Shape;104;p10"/>
-          <p:cNvSpPr txBox="1"/>
+          <p:cNvSpPr txBox="1">
+            <a:spLocks noGrp="1"/>
+          </p:cNvSpPr>
           <p:nvPr>
-            <p:ph idx="12" type="sldNum"/>
+            <p:ph type="sldNum" idx="12"/>
           </p:nvPr>
         </p:nvSpPr>
         <p:spPr>
@@ -8237,7 +8166,7 @@
           </a:prstGeom>
         </p:spPr>
         <p:txBody>
-          <a:bodyPr anchorCtr="0" anchor="ctr" bIns="91425" lIns="91425" spcFirstLastPara="1" rIns="91425" wrap="square" tIns="91425">
+          <a:bodyPr spcFirstLastPara="1" wrap="square" lIns="91425" tIns="91425" rIns="91425" bIns="91425" anchor="ctr" anchorCtr="0">
             <a:normAutofit/>
           </a:bodyPr>
           <a:lstStyle>
@@ -8279,7 +8208,7 @@
             </a:lvl9pPr>
           </a:lstStyle>
           <a:p>
-            <a:pPr indent="0" lvl="0" marL="0" rtl="0" algn="r">
+            <a:pPr marL="0" lvl="0" indent="0" algn="r" rtl="0">
               <a:spcBef>
                 <a:spcPts val="0"/>
               </a:spcBef>
@@ -8290,7 +8219,7 @@
             </a:pPr>
             <a:fld id="{00000000-1234-1234-1234-123412341234}" type="slidenum">
               <a:rPr lang="fr"/>
-              <a:t>‹#›</a:t>
+              <a:t>‹N°›</a:t>
             </a:fld>
             <a:endParaRPr/>
           </a:p>
@@ -8305,18 +8234,19 @@
 </file>
 
 <file path=ppt/slideMasters/slideMaster1.xml><?xml version="1.0" encoding="utf-8"?>
-<p:sldMaster xmlns:a="http://schemas.openxmlformats.org/drawingml/2006/main" xmlns:r="http://schemas.openxmlformats.org/officeDocument/2006/relationships" xmlns:mc="http://schemas.openxmlformats.org/markup-compatibility/2006" xmlns:mv="urn:schemas-microsoft-com:mac:vml" xmlns:p="http://schemas.openxmlformats.org/presentationml/2006/main" xmlns:c="http://schemas.openxmlformats.org/drawingml/2006/chart" xmlns:dgm="http://schemas.openxmlformats.org/drawingml/2006/diagram" xmlns:o="urn:schemas-microsoft-com:office:office" xmlns:v="urn:schemas-microsoft-com:vml" xmlns:pvml="urn:schemas-microsoft-com:office:powerpoint" xmlns:com="http://schemas.openxmlformats.org/drawingml/2006/compatibility" xmlns:p14="http://schemas.microsoft.com/office/powerpoint/2010/main" xmlns:p15="http://schemas.microsoft.com/office/powerpoint/2012/main" xmlns:ahyp="http://schemas.microsoft.com/office/drawing/2018/hyperlinkcolor">
+<p:sldMaster xmlns:a="http://schemas.openxmlformats.org/drawingml/2006/main" xmlns:r="http://schemas.openxmlformats.org/officeDocument/2006/relationships" xmlns:p="http://schemas.openxmlformats.org/presentationml/2006/main">
   <p:cSld name="focus">
     <p:bg>
       <p:bgPr>
         <a:solidFill>
           <a:schemeClr val="dk1"/>
         </a:solidFill>
+        <a:effectLst/>
       </p:bgPr>
     </p:bg>
     <p:spTree>
       <p:nvGrpSpPr>
-        <p:cNvPr id="5" name="Shape 5"/>
+        <p:cNvPr id="1" name="Shape 5"/>
         <p:cNvGrpSpPr/>
         <p:nvPr/>
       </p:nvGrpSpPr>
@@ -8331,7 +8261,9 @@
       <p:sp>
         <p:nvSpPr>
           <p:cNvPr id="6" name="Google Shape;6;p1"/>
-          <p:cNvSpPr txBox="1"/>
+          <p:cNvSpPr txBox="1">
+            <a:spLocks noGrp="1"/>
+          </p:cNvSpPr>
           <p:nvPr>
             <p:ph type="title"/>
           </p:nvPr>
@@ -8350,7 +8282,7 @@
           </a:ln>
         </p:spPr>
         <p:txBody>
-          <a:bodyPr anchorCtr="0" anchor="t" bIns="91425" lIns="91425" spcFirstLastPara="1" rIns="91425" wrap="square" tIns="91425">
+          <a:bodyPr spcFirstLastPara="1" wrap="square" lIns="91425" tIns="91425" rIns="91425" bIns="91425" anchor="t" anchorCtr="0">
             <a:normAutofit/>
           </a:bodyPr>
           <a:lstStyle>
@@ -8562,15 +8494,19 @@
               </a:defRPr>
             </a:lvl9pPr>
           </a:lstStyle>
-          <a:p/>
+          <a:p>
+            <a:endParaRPr/>
+          </a:p>
         </p:txBody>
       </p:sp>
       <p:sp>
         <p:nvSpPr>
           <p:cNvPr id="7" name="Google Shape;7;p1"/>
-          <p:cNvSpPr txBox="1"/>
+          <p:cNvSpPr txBox="1">
+            <a:spLocks noGrp="1"/>
+          </p:cNvSpPr>
           <p:nvPr>
-            <p:ph idx="1" type="body"/>
+            <p:ph type="body" idx="1"/>
           </p:nvPr>
         </p:nvSpPr>
         <p:spPr>
@@ -8587,11 +8523,11 @@
           </a:ln>
         </p:spPr>
         <p:txBody>
-          <a:bodyPr anchorCtr="0" anchor="t" bIns="91425" lIns="91425" spcFirstLastPara="1" rIns="91425" wrap="square" tIns="91425">
+          <a:bodyPr spcFirstLastPara="1" wrap="square" lIns="91425" tIns="91425" rIns="91425" bIns="91425" anchor="t" anchorCtr="0">
             <a:normAutofit/>
           </a:bodyPr>
           <a:lstStyle>
-            <a:lvl1pPr indent="-311150" lvl="0" marL="457200">
+            <a:lvl1pPr marL="457200" lvl="0" indent="-311150">
               <a:lnSpc>
                 <a:spcPct val="115000"/>
               </a:lnSpc>
@@ -8617,7 +8553,7 @@
                 <a:sym typeface="Lato"/>
               </a:defRPr>
             </a:lvl1pPr>
-            <a:lvl2pPr indent="-298450" lvl="1" marL="914400">
+            <a:lvl2pPr marL="914400" lvl="1" indent="-298450">
               <a:lnSpc>
                 <a:spcPct val="115000"/>
               </a:lnSpc>
@@ -8643,7 +8579,7 @@
                 <a:sym typeface="Lato"/>
               </a:defRPr>
             </a:lvl2pPr>
-            <a:lvl3pPr indent="-298450" lvl="2" marL="1371600">
+            <a:lvl3pPr marL="1371600" lvl="2" indent="-298450">
               <a:lnSpc>
                 <a:spcPct val="115000"/>
               </a:lnSpc>
@@ -8669,7 +8605,7 @@
                 <a:sym typeface="Lato"/>
               </a:defRPr>
             </a:lvl3pPr>
-            <a:lvl4pPr indent="-298450" lvl="3" marL="1828800">
+            <a:lvl4pPr marL="1828800" lvl="3" indent="-298450">
               <a:lnSpc>
                 <a:spcPct val="115000"/>
               </a:lnSpc>
@@ -8695,7 +8631,7 @@
                 <a:sym typeface="Lato"/>
               </a:defRPr>
             </a:lvl4pPr>
-            <a:lvl5pPr indent="-298450" lvl="4" marL="2286000">
+            <a:lvl5pPr marL="2286000" lvl="4" indent="-298450">
               <a:lnSpc>
                 <a:spcPct val="115000"/>
               </a:lnSpc>
@@ -8721,7 +8657,7 @@
                 <a:sym typeface="Lato"/>
               </a:defRPr>
             </a:lvl5pPr>
-            <a:lvl6pPr indent="-298450" lvl="5" marL="2743200">
+            <a:lvl6pPr marL="2743200" lvl="5" indent="-298450">
               <a:lnSpc>
                 <a:spcPct val="115000"/>
               </a:lnSpc>
@@ -8747,7 +8683,7 @@
                 <a:sym typeface="Lato"/>
               </a:defRPr>
             </a:lvl6pPr>
-            <a:lvl7pPr indent="-298450" lvl="6" marL="3200400">
+            <a:lvl7pPr marL="3200400" lvl="6" indent="-298450">
               <a:lnSpc>
                 <a:spcPct val="115000"/>
               </a:lnSpc>
@@ -8773,7 +8709,7 @@
                 <a:sym typeface="Lato"/>
               </a:defRPr>
             </a:lvl7pPr>
-            <a:lvl8pPr indent="-298450" lvl="7" marL="3657600">
+            <a:lvl8pPr marL="3657600" lvl="7" indent="-298450">
               <a:lnSpc>
                 <a:spcPct val="115000"/>
               </a:lnSpc>
@@ -8799,7 +8735,7 @@
                 <a:sym typeface="Lato"/>
               </a:defRPr>
             </a:lvl8pPr>
-            <a:lvl9pPr indent="-298450" lvl="8" marL="4114800">
+            <a:lvl9pPr marL="4114800" lvl="8" indent="-298450">
               <a:lnSpc>
                 <a:spcPct val="115000"/>
               </a:lnSpc>
@@ -8826,15 +8762,19 @@
               </a:defRPr>
             </a:lvl9pPr>
           </a:lstStyle>
-          <a:p/>
+          <a:p>
+            <a:endParaRPr/>
+          </a:p>
         </p:txBody>
       </p:sp>
       <p:sp>
         <p:nvSpPr>
           <p:cNvPr id="8" name="Google Shape;8;p1"/>
-          <p:cNvSpPr txBox="1"/>
+          <p:cNvSpPr txBox="1">
+            <a:spLocks noGrp="1"/>
+          </p:cNvSpPr>
           <p:nvPr>
-            <p:ph idx="12" type="sldNum"/>
+            <p:ph type="sldNum" idx="12"/>
           </p:nvPr>
         </p:nvSpPr>
         <p:spPr>
@@ -8851,7 +8791,7 @@
           </a:ln>
         </p:spPr>
         <p:txBody>
-          <a:bodyPr anchorCtr="0" anchor="ctr" bIns="91425" lIns="91425" spcFirstLastPara="1" rIns="91425" wrap="square" tIns="91425">
+          <a:bodyPr spcFirstLastPara="1" wrap="square" lIns="91425" tIns="91425" rIns="91425" bIns="91425" anchor="ctr" anchorCtr="0">
             <a:normAutofit/>
           </a:bodyPr>
           <a:lstStyle>
@@ -8965,7 +8905,7 @@
             </a:lvl9pPr>
           </a:lstStyle>
           <a:p>
-            <a:pPr indent="0" lvl="0" marL="0" rtl="0" algn="r">
+            <a:pPr marL="0" lvl="0" indent="0" algn="r" rtl="0">
               <a:spcBef>
                 <a:spcPts val="0"/>
               </a:spcBef>
@@ -8976,7 +8916,7 @@
             </a:pPr>
             <a:fld id="{00000000-1234-1234-1234-123412341234}" type="slidenum">
               <a:rPr lang="fr"/>
-              <a:t>‹#›</a:t>
+              <a:t>‹N°›</a:t>
             </a:fld>
             <a:endParaRPr/>
           </a:p>
@@ -8984,7 +8924,7 @@
       </p:sp>
     </p:spTree>
   </p:cSld>
-  <p:clrMap accent1="accent1" accent2="accent2" accent3="accent3" accent4="accent4" accent5="accent5" accent6="accent6" bg1="lt1" bg2="dk2" tx1="dk1" tx2="lt2" folHlink="folHlink" hlink="hlink"/>
+  <p:clrMap bg1="lt1" tx1="dk1" bg2="dk2" tx2="lt2" accent1="accent1" accent2="accent2" accent3="accent3" accent4="accent4" accent5="accent5" accent6="accent6" hlink="hlink" folHlink="folHlink"/>
   <p:sldLayoutIdLst>
     <p:sldLayoutId id="2147483648" r:id="rId1"/>
     <p:sldLayoutId id="2147483649" r:id="rId2"/>
@@ -8998,10 +8938,10 @@
     <p:sldLayoutId id="2147483657" r:id="rId10"/>
     <p:sldLayoutId id="2147483658" r:id="rId11"/>
   </p:sldLayoutIdLst>
-  <p:hf dt="0" ftr="0" hdr="0" sldNum="0"/>
+  <p:hf sldNum="0" hdr="0" ftr="0" dt="0"/>
   <p:txStyles>
     <p:titleStyle>
-      <a:defPPr lvl="0" marR="0" rtl="0" algn="l">
+      <a:defPPr marR="0" lvl="0" algn="l" rtl="0">
         <a:lnSpc>
           <a:spcPct val="100000"/>
         </a:lnSpc>
@@ -9012,7 +8952,7 @@
           <a:spcPts val="0"/>
         </a:spcAft>
       </a:defPPr>
-      <a:lvl1pPr lvl="0" marR="0" rtl="0" algn="l">
+      <a:lvl1pPr marR="0" lvl="0" algn="l" rtl="0">
         <a:lnSpc>
           <a:spcPct val="100000"/>
         </a:lnSpc>
@@ -9026,7 +8966,7 @@
           <a:srgbClr val="000000"/>
         </a:buClr>
         <a:buFont typeface="Arial"/>
-        <a:defRPr b="0" i="0" sz="1400" u="none" cap="none" strike="noStrike">
+        <a:defRPr sz="1400" b="0" i="0" u="none" strike="noStrike" cap="none">
           <a:solidFill>
             <a:srgbClr val="000000"/>
           </a:solidFill>
@@ -9036,7 +8976,7 @@
           <a:sym typeface="Arial"/>
         </a:defRPr>
       </a:lvl1pPr>
-      <a:lvl2pPr lvl="1" marR="0" rtl="0" algn="l">
+      <a:lvl2pPr marR="0" lvl="1" algn="l" rtl="0">
         <a:lnSpc>
           <a:spcPct val="100000"/>
         </a:lnSpc>
@@ -9050,7 +8990,7 @@
           <a:srgbClr val="000000"/>
         </a:buClr>
         <a:buFont typeface="Arial"/>
-        <a:defRPr b="0" i="0" sz="1400" u="none" cap="none" strike="noStrike">
+        <a:defRPr sz="1400" b="0" i="0" u="none" strike="noStrike" cap="none">
           <a:solidFill>
             <a:srgbClr val="000000"/>
           </a:solidFill>
@@ -9060,7 +9000,7 @@
           <a:sym typeface="Arial"/>
         </a:defRPr>
       </a:lvl2pPr>
-      <a:lvl3pPr lvl="2" marR="0" rtl="0" algn="l">
+      <a:lvl3pPr marR="0" lvl="2" algn="l" rtl="0">
         <a:lnSpc>
           <a:spcPct val="100000"/>
         </a:lnSpc>
@@ -9074,7 +9014,7 @@
           <a:srgbClr val="000000"/>
         </a:buClr>
         <a:buFont typeface="Arial"/>
-        <a:defRPr b="0" i="0" sz="1400" u="none" cap="none" strike="noStrike">
+        <a:defRPr sz="1400" b="0" i="0" u="none" strike="noStrike" cap="none">
           <a:solidFill>
             <a:srgbClr val="000000"/>
           </a:solidFill>
@@ -9084,7 +9024,7 @@
           <a:sym typeface="Arial"/>
         </a:defRPr>
       </a:lvl3pPr>
-      <a:lvl4pPr lvl="3" marR="0" rtl="0" algn="l">
+      <a:lvl4pPr marR="0" lvl="3" algn="l" rtl="0">
         <a:lnSpc>
           <a:spcPct val="100000"/>
         </a:lnSpc>
@@ -9098,7 +9038,7 @@
           <a:srgbClr val="000000"/>
         </a:buClr>
         <a:buFont typeface="Arial"/>
-        <a:defRPr b="0" i="0" sz="1400" u="none" cap="none" strike="noStrike">
+        <a:defRPr sz="1400" b="0" i="0" u="none" strike="noStrike" cap="none">
           <a:solidFill>
             <a:srgbClr val="000000"/>
           </a:solidFill>
@@ -9108,7 +9048,7 @@
           <a:sym typeface="Arial"/>
         </a:defRPr>
       </a:lvl4pPr>
-      <a:lvl5pPr lvl="4" marR="0" rtl="0" algn="l">
+      <a:lvl5pPr marR="0" lvl="4" algn="l" rtl="0">
         <a:lnSpc>
           <a:spcPct val="100000"/>
         </a:lnSpc>
@@ -9122,7 +9062,7 @@
           <a:srgbClr val="000000"/>
         </a:buClr>
         <a:buFont typeface="Arial"/>
-        <a:defRPr b="0" i="0" sz="1400" u="none" cap="none" strike="noStrike">
+        <a:defRPr sz="1400" b="0" i="0" u="none" strike="noStrike" cap="none">
           <a:solidFill>
             <a:srgbClr val="000000"/>
           </a:solidFill>
@@ -9132,7 +9072,7 @@
           <a:sym typeface="Arial"/>
         </a:defRPr>
       </a:lvl5pPr>
-      <a:lvl6pPr lvl="5" marR="0" rtl="0" algn="l">
+      <a:lvl6pPr marR="0" lvl="5" algn="l" rtl="0">
         <a:lnSpc>
           <a:spcPct val="100000"/>
         </a:lnSpc>
@@ -9146,7 +9086,7 @@
           <a:srgbClr val="000000"/>
         </a:buClr>
         <a:buFont typeface="Arial"/>
-        <a:defRPr b="0" i="0" sz="1400" u="none" cap="none" strike="noStrike">
+        <a:defRPr sz="1400" b="0" i="0" u="none" strike="noStrike" cap="none">
           <a:solidFill>
             <a:srgbClr val="000000"/>
           </a:solidFill>
@@ -9156,7 +9096,7 @@
           <a:sym typeface="Arial"/>
         </a:defRPr>
       </a:lvl6pPr>
-      <a:lvl7pPr lvl="6" marR="0" rtl="0" algn="l">
+      <a:lvl7pPr marR="0" lvl="6" algn="l" rtl="0">
         <a:lnSpc>
           <a:spcPct val="100000"/>
         </a:lnSpc>
@@ -9170,7 +9110,7 @@
           <a:srgbClr val="000000"/>
         </a:buClr>
         <a:buFont typeface="Arial"/>
-        <a:defRPr b="0" i="0" sz="1400" u="none" cap="none" strike="noStrike">
+        <a:defRPr sz="1400" b="0" i="0" u="none" strike="noStrike" cap="none">
           <a:solidFill>
             <a:srgbClr val="000000"/>
           </a:solidFill>
@@ -9180,7 +9120,7 @@
           <a:sym typeface="Arial"/>
         </a:defRPr>
       </a:lvl7pPr>
-      <a:lvl8pPr lvl="7" marR="0" rtl="0" algn="l">
+      <a:lvl8pPr marR="0" lvl="7" algn="l" rtl="0">
         <a:lnSpc>
           <a:spcPct val="100000"/>
         </a:lnSpc>
@@ -9194,7 +9134,7 @@
           <a:srgbClr val="000000"/>
         </a:buClr>
         <a:buFont typeface="Arial"/>
-        <a:defRPr b="0" i="0" sz="1400" u="none" cap="none" strike="noStrike">
+        <a:defRPr sz="1400" b="0" i="0" u="none" strike="noStrike" cap="none">
           <a:solidFill>
             <a:srgbClr val="000000"/>
           </a:solidFill>
@@ -9204,7 +9144,7 @@
           <a:sym typeface="Arial"/>
         </a:defRPr>
       </a:lvl8pPr>
-      <a:lvl9pPr lvl="8" marR="0" rtl="0" algn="l">
+      <a:lvl9pPr marR="0" lvl="8" algn="l" rtl="0">
         <a:lnSpc>
           <a:spcPct val="100000"/>
         </a:lnSpc>
@@ -9218,7 +9158,7 @@
           <a:srgbClr val="000000"/>
         </a:buClr>
         <a:buFont typeface="Arial"/>
-        <a:defRPr b="0" i="0" sz="1400" u="none" cap="none" strike="noStrike">
+        <a:defRPr sz="1400" b="0" i="0" u="none" strike="noStrike" cap="none">
           <a:solidFill>
             <a:srgbClr val="000000"/>
           </a:solidFill>
@@ -9230,7 +9170,7 @@
       </a:lvl9pPr>
     </p:titleStyle>
     <p:bodyStyle>
-      <a:defPPr lvl="0" marR="0" rtl="0" algn="l">
+      <a:defPPr marR="0" lvl="0" algn="l" rtl="0">
         <a:lnSpc>
           <a:spcPct val="100000"/>
         </a:lnSpc>
@@ -9241,7 +9181,7 @@
           <a:spcPts val="0"/>
         </a:spcAft>
       </a:defPPr>
-      <a:lvl1pPr lvl="0" marR="0" rtl="0" algn="l">
+      <a:lvl1pPr marR="0" lvl="0" algn="l" rtl="0">
         <a:lnSpc>
           <a:spcPct val="100000"/>
         </a:lnSpc>
@@ -9255,7 +9195,7 @@
           <a:srgbClr val="000000"/>
         </a:buClr>
         <a:buFont typeface="Arial"/>
-        <a:defRPr b="0" i="0" sz="1400" u="none" cap="none" strike="noStrike">
+        <a:defRPr sz="1400" b="0" i="0" u="none" strike="noStrike" cap="none">
           <a:solidFill>
             <a:srgbClr val="000000"/>
           </a:solidFill>
@@ -9265,7 +9205,7 @@
           <a:sym typeface="Arial"/>
         </a:defRPr>
       </a:lvl1pPr>
-      <a:lvl2pPr lvl="1" marR="0" rtl="0" algn="l">
+      <a:lvl2pPr marR="0" lvl="1" algn="l" rtl="0">
         <a:lnSpc>
           <a:spcPct val="100000"/>
         </a:lnSpc>
@@ -9279,7 +9219,7 @@
           <a:srgbClr val="000000"/>
         </a:buClr>
         <a:buFont typeface="Arial"/>
-        <a:defRPr b="0" i="0" sz="1400" u="none" cap="none" strike="noStrike">
+        <a:defRPr sz="1400" b="0" i="0" u="none" strike="noStrike" cap="none">
           <a:solidFill>
             <a:srgbClr val="000000"/>
           </a:solidFill>
@@ -9289,7 +9229,7 @@
           <a:sym typeface="Arial"/>
         </a:defRPr>
       </a:lvl2pPr>
-      <a:lvl3pPr lvl="2" marR="0" rtl="0" algn="l">
+      <a:lvl3pPr marR="0" lvl="2" algn="l" rtl="0">
         <a:lnSpc>
           <a:spcPct val="100000"/>
         </a:lnSpc>
@@ -9303,7 +9243,7 @@
           <a:srgbClr val="000000"/>
         </a:buClr>
         <a:buFont typeface="Arial"/>
-        <a:defRPr b="0" i="0" sz="1400" u="none" cap="none" strike="noStrike">
+        <a:defRPr sz="1400" b="0" i="0" u="none" strike="noStrike" cap="none">
           <a:solidFill>
             <a:srgbClr val="000000"/>
           </a:solidFill>
@@ -9313,7 +9253,7 @@
           <a:sym typeface="Arial"/>
         </a:defRPr>
       </a:lvl3pPr>
-      <a:lvl4pPr lvl="3" marR="0" rtl="0" algn="l">
+      <a:lvl4pPr marR="0" lvl="3" algn="l" rtl="0">
         <a:lnSpc>
           <a:spcPct val="100000"/>
         </a:lnSpc>
@@ -9327,7 +9267,7 @@
           <a:srgbClr val="000000"/>
         </a:buClr>
         <a:buFont typeface="Arial"/>
-        <a:defRPr b="0" i="0" sz="1400" u="none" cap="none" strike="noStrike">
+        <a:defRPr sz="1400" b="0" i="0" u="none" strike="noStrike" cap="none">
           <a:solidFill>
             <a:srgbClr val="000000"/>
           </a:solidFill>
@@ -9337,7 +9277,7 @@
           <a:sym typeface="Arial"/>
         </a:defRPr>
       </a:lvl4pPr>
-      <a:lvl5pPr lvl="4" marR="0" rtl="0" algn="l">
+      <a:lvl5pPr marR="0" lvl="4" algn="l" rtl="0">
         <a:lnSpc>
           <a:spcPct val="100000"/>
         </a:lnSpc>
@@ -9351,7 +9291,7 @@
           <a:srgbClr val="000000"/>
         </a:buClr>
         <a:buFont typeface="Arial"/>
-        <a:defRPr b="0" i="0" sz="1400" u="none" cap="none" strike="noStrike">
+        <a:defRPr sz="1400" b="0" i="0" u="none" strike="noStrike" cap="none">
           <a:solidFill>
             <a:srgbClr val="000000"/>
           </a:solidFill>
@@ -9361,7 +9301,7 @@
           <a:sym typeface="Arial"/>
         </a:defRPr>
       </a:lvl5pPr>
-      <a:lvl6pPr lvl="5" marR="0" rtl="0" algn="l">
+      <a:lvl6pPr marR="0" lvl="5" algn="l" rtl="0">
         <a:lnSpc>
           <a:spcPct val="100000"/>
         </a:lnSpc>
@@ -9375,7 +9315,7 @@
           <a:srgbClr val="000000"/>
         </a:buClr>
         <a:buFont typeface="Arial"/>
-        <a:defRPr b="0" i="0" sz="1400" u="none" cap="none" strike="noStrike">
+        <a:defRPr sz="1400" b="0" i="0" u="none" strike="noStrike" cap="none">
           <a:solidFill>
             <a:srgbClr val="000000"/>
           </a:solidFill>
@@ -9385,7 +9325,7 @@
           <a:sym typeface="Arial"/>
         </a:defRPr>
       </a:lvl6pPr>
-      <a:lvl7pPr lvl="6" marR="0" rtl="0" algn="l">
+      <a:lvl7pPr marR="0" lvl="6" algn="l" rtl="0">
         <a:lnSpc>
           <a:spcPct val="100000"/>
         </a:lnSpc>
@@ -9399,7 +9339,7 @@
           <a:srgbClr val="000000"/>
         </a:buClr>
         <a:buFont typeface="Arial"/>
-        <a:defRPr b="0" i="0" sz="1400" u="none" cap="none" strike="noStrike">
+        <a:defRPr sz="1400" b="0" i="0" u="none" strike="noStrike" cap="none">
           <a:solidFill>
             <a:srgbClr val="000000"/>
           </a:solidFill>
@@ -9409,7 +9349,7 @@
           <a:sym typeface="Arial"/>
         </a:defRPr>
       </a:lvl7pPr>
-      <a:lvl8pPr lvl="7" marR="0" rtl="0" algn="l">
+      <a:lvl8pPr marR="0" lvl="7" algn="l" rtl="0">
         <a:lnSpc>
           <a:spcPct val="100000"/>
         </a:lnSpc>
@@ -9423,7 +9363,7 @@
           <a:srgbClr val="000000"/>
         </a:buClr>
         <a:buFont typeface="Arial"/>
-        <a:defRPr b="0" i="0" sz="1400" u="none" cap="none" strike="noStrike">
+        <a:defRPr sz="1400" b="0" i="0" u="none" strike="noStrike" cap="none">
           <a:solidFill>
             <a:srgbClr val="000000"/>
           </a:solidFill>
@@ -9433,7 +9373,7 @@
           <a:sym typeface="Arial"/>
         </a:defRPr>
       </a:lvl8pPr>
-      <a:lvl9pPr lvl="8" marR="0" rtl="0" algn="l">
+      <a:lvl9pPr marR="0" lvl="8" algn="l" rtl="0">
         <a:lnSpc>
           <a:spcPct val="100000"/>
         </a:lnSpc>
@@ -9447,7 +9387,7 @@
           <a:srgbClr val="000000"/>
         </a:buClr>
         <a:buFont typeface="Arial"/>
-        <a:defRPr b="0" i="0" sz="1400" u="none" cap="none" strike="noStrike">
+        <a:defRPr sz="1400" b="0" i="0" u="none" strike="noStrike" cap="none">
           <a:solidFill>
             <a:srgbClr val="000000"/>
           </a:solidFill>
@@ -9459,7 +9399,7 @@
       </a:lvl9pPr>
     </p:bodyStyle>
     <p:otherStyle>
-      <a:defPPr lvl="0" marR="0" rtl="0" algn="l">
+      <a:defPPr marR="0" lvl="0" algn="l" rtl="0">
         <a:lnSpc>
           <a:spcPct val="100000"/>
         </a:lnSpc>
@@ -9470,7 +9410,7 @@
           <a:spcPts val="0"/>
         </a:spcAft>
       </a:defPPr>
-      <a:lvl1pPr lvl="0" marR="0" rtl="0" algn="l">
+      <a:lvl1pPr marR="0" lvl="0" algn="l" rtl="0">
         <a:lnSpc>
           <a:spcPct val="100000"/>
         </a:lnSpc>
@@ -9484,7 +9424,7 @@
           <a:srgbClr val="000000"/>
         </a:buClr>
         <a:buFont typeface="Arial"/>
-        <a:defRPr b="0" i="0" sz="1400" u="none" cap="none" strike="noStrike">
+        <a:defRPr sz="1400" b="0" i="0" u="none" strike="noStrike" cap="none">
           <a:solidFill>
             <a:srgbClr val="000000"/>
           </a:solidFill>
@@ -9494,7 +9434,7 @@
           <a:sym typeface="Arial"/>
         </a:defRPr>
       </a:lvl1pPr>
-      <a:lvl2pPr lvl="1" marR="0" rtl="0" algn="l">
+      <a:lvl2pPr marR="0" lvl="1" algn="l" rtl="0">
         <a:lnSpc>
           <a:spcPct val="100000"/>
         </a:lnSpc>
@@ -9508,7 +9448,7 @@
           <a:srgbClr val="000000"/>
         </a:buClr>
         <a:buFont typeface="Arial"/>
-        <a:defRPr b="0" i="0" sz="1400" u="none" cap="none" strike="noStrike">
+        <a:defRPr sz="1400" b="0" i="0" u="none" strike="noStrike" cap="none">
           <a:solidFill>
             <a:srgbClr val="000000"/>
           </a:solidFill>
@@ -9518,7 +9458,7 @@
           <a:sym typeface="Arial"/>
         </a:defRPr>
       </a:lvl2pPr>
-      <a:lvl3pPr lvl="2" marR="0" rtl="0" algn="l">
+      <a:lvl3pPr marR="0" lvl="2" algn="l" rtl="0">
         <a:lnSpc>
           <a:spcPct val="100000"/>
         </a:lnSpc>
@@ -9532,7 +9472,7 @@
           <a:srgbClr val="000000"/>
         </a:buClr>
         <a:buFont typeface="Arial"/>
-        <a:defRPr b="0" i="0" sz="1400" u="none" cap="none" strike="noStrike">
+        <a:defRPr sz="1400" b="0" i="0" u="none" strike="noStrike" cap="none">
           <a:solidFill>
             <a:srgbClr val="000000"/>
           </a:solidFill>
@@ -9542,7 +9482,7 @@
           <a:sym typeface="Arial"/>
         </a:defRPr>
       </a:lvl3pPr>
-      <a:lvl4pPr lvl="3" marR="0" rtl="0" algn="l">
+      <a:lvl4pPr marR="0" lvl="3" algn="l" rtl="0">
         <a:lnSpc>
           <a:spcPct val="100000"/>
         </a:lnSpc>
@@ -9556,7 +9496,7 @@
           <a:srgbClr val="000000"/>
         </a:buClr>
         <a:buFont typeface="Arial"/>
-        <a:defRPr b="0" i="0" sz="1400" u="none" cap="none" strike="noStrike">
+        <a:defRPr sz="1400" b="0" i="0" u="none" strike="noStrike" cap="none">
           <a:solidFill>
             <a:srgbClr val="000000"/>
           </a:solidFill>
@@ -9566,7 +9506,7 @@
           <a:sym typeface="Arial"/>
         </a:defRPr>
       </a:lvl4pPr>
-      <a:lvl5pPr lvl="4" marR="0" rtl="0" algn="l">
+      <a:lvl5pPr marR="0" lvl="4" algn="l" rtl="0">
         <a:lnSpc>
           <a:spcPct val="100000"/>
         </a:lnSpc>
@@ -9580,7 +9520,7 @@
           <a:srgbClr val="000000"/>
         </a:buClr>
         <a:buFont typeface="Arial"/>
-        <a:defRPr b="0" i="0" sz="1400" u="none" cap="none" strike="noStrike">
+        <a:defRPr sz="1400" b="0" i="0" u="none" strike="noStrike" cap="none">
           <a:solidFill>
             <a:srgbClr val="000000"/>
           </a:solidFill>
@@ -9590,7 +9530,7 @@
           <a:sym typeface="Arial"/>
         </a:defRPr>
       </a:lvl5pPr>
-      <a:lvl6pPr lvl="5" marR="0" rtl="0" algn="l">
+      <a:lvl6pPr marR="0" lvl="5" algn="l" rtl="0">
         <a:lnSpc>
           <a:spcPct val="100000"/>
         </a:lnSpc>
@@ -9604,7 +9544,7 @@
           <a:srgbClr val="000000"/>
         </a:buClr>
         <a:buFont typeface="Arial"/>
-        <a:defRPr b="0" i="0" sz="1400" u="none" cap="none" strike="noStrike">
+        <a:defRPr sz="1400" b="0" i="0" u="none" strike="noStrike" cap="none">
           <a:solidFill>
             <a:srgbClr val="000000"/>
           </a:solidFill>
@@ -9614,7 +9554,7 @@
           <a:sym typeface="Arial"/>
         </a:defRPr>
       </a:lvl6pPr>
-      <a:lvl7pPr lvl="6" marR="0" rtl="0" algn="l">
+      <a:lvl7pPr marR="0" lvl="6" algn="l" rtl="0">
         <a:lnSpc>
           <a:spcPct val="100000"/>
         </a:lnSpc>
@@ -9628,7 +9568,7 @@
           <a:srgbClr val="000000"/>
         </a:buClr>
         <a:buFont typeface="Arial"/>
-        <a:defRPr b="0" i="0" sz="1400" u="none" cap="none" strike="noStrike">
+        <a:defRPr sz="1400" b="0" i="0" u="none" strike="noStrike" cap="none">
           <a:solidFill>
             <a:srgbClr val="000000"/>
           </a:solidFill>
@@ -9638,7 +9578,7 @@
           <a:sym typeface="Arial"/>
         </a:defRPr>
       </a:lvl7pPr>
-      <a:lvl8pPr lvl="7" marR="0" rtl="0" algn="l">
+      <a:lvl8pPr marR="0" lvl="7" algn="l" rtl="0">
         <a:lnSpc>
           <a:spcPct val="100000"/>
         </a:lnSpc>
@@ -9652,7 +9592,7 @@
           <a:srgbClr val="000000"/>
         </a:buClr>
         <a:buFont typeface="Arial"/>
-        <a:defRPr b="0" i="0" sz="1400" u="none" cap="none" strike="noStrike">
+        <a:defRPr sz="1400" b="0" i="0" u="none" strike="noStrike" cap="none">
           <a:solidFill>
             <a:srgbClr val="000000"/>
           </a:solidFill>
@@ -9662,7 +9602,7 @@
           <a:sym typeface="Arial"/>
         </a:defRPr>
       </a:lvl8pPr>
-      <a:lvl9pPr lvl="8" marR="0" rtl="0" algn="l">
+      <a:lvl9pPr marR="0" lvl="8" algn="l" rtl="0">
         <a:lnSpc>
           <a:spcPct val="100000"/>
         </a:lnSpc>
@@ -9676,7 +9616,7 @@
           <a:srgbClr val="000000"/>
         </a:buClr>
         <a:buFont typeface="Arial"/>
-        <a:defRPr b="0" i="0" sz="1400" u="none" cap="none" strike="noStrike">
+        <a:defRPr sz="1400" b="0" i="0" u="none" strike="noStrike" cap="none">
           <a:solidFill>
             <a:srgbClr val="000000"/>
           </a:solidFill>
@@ -9692,11 +9632,11 @@
 </file>
 
 <file path=ppt/slides/slide1.xml><?xml version="1.0" encoding="utf-8"?>
-<p:sld xmlns:a="http://schemas.openxmlformats.org/drawingml/2006/main" xmlns:r="http://schemas.openxmlformats.org/officeDocument/2006/relationships" xmlns:mc="http://schemas.openxmlformats.org/markup-compatibility/2006" xmlns:mv="urn:schemas-microsoft-com:mac:vml" xmlns:p="http://schemas.openxmlformats.org/presentationml/2006/main" xmlns:c="http://schemas.openxmlformats.org/drawingml/2006/chart" xmlns:dgm="http://schemas.openxmlformats.org/drawingml/2006/diagram" xmlns:o="urn:schemas-microsoft-com:office:office" xmlns:v="urn:schemas-microsoft-com:vml" xmlns:pvml="urn:schemas-microsoft-com:office:powerpoint" xmlns:com="http://schemas.openxmlformats.org/drawingml/2006/compatibility" xmlns:p14="http://schemas.microsoft.com/office/powerpoint/2010/main" xmlns:p15="http://schemas.microsoft.com/office/powerpoint/2012/main" xmlns:ahyp="http://schemas.microsoft.com/office/drawing/2018/hyperlinkcolor">
+<p:sld xmlns:a="http://schemas.openxmlformats.org/drawingml/2006/main" xmlns:r="http://schemas.openxmlformats.org/officeDocument/2006/relationships" xmlns:p="http://schemas.openxmlformats.org/presentationml/2006/main">
   <p:cSld>
     <p:spTree>
       <p:nvGrpSpPr>
-        <p:cNvPr id="133" name="Shape 133"/>
+        <p:cNvPr id="1" name="Shape 133"/>
         <p:cNvGrpSpPr/>
         <p:nvPr/>
       </p:nvGrpSpPr>
@@ -9711,7 +9651,9 @@
       <p:sp>
         <p:nvSpPr>
           <p:cNvPr id="134" name="Google Shape;134;p13"/>
-          <p:cNvSpPr txBox="1"/>
+          <p:cNvSpPr txBox="1">
+            <a:spLocks noGrp="1"/>
+          </p:cNvSpPr>
           <p:nvPr>
             <p:ph type="ctrTitle"/>
           </p:nvPr>
@@ -9726,12 +9668,12 @@
           </a:prstGeom>
         </p:spPr>
         <p:txBody>
-          <a:bodyPr anchorCtr="0" anchor="t" bIns="91425" lIns="91425" spcFirstLastPara="1" rIns="91425" wrap="square" tIns="91425">
+          <a:bodyPr spcFirstLastPara="1" wrap="square" lIns="91425" tIns="91425" rIns="91425" bIns="91425" anchor="t" anchorCtr="0">
             <a:normAutofit/>
           </a:bodyPr>
           <a:lstStyle/>
           <a:p>
-            <a:pPr indent="0" lvl="0" marL="0" rtl="0" algn="l">
+            <a:pPr marL="0" lvl="0" indent="0" algn="l" rtl="0">
               <a:spcBef>
                 <a:spcPts val="0"/>
               </a:spcBef>
@@ -9751,9 +9693,11 @@
       <p:sp>
         <p:nvSpPr>
           <p:cNvPr id="135" name="Google Shape;135;p13"/>
-          <p:cNvSpPr txBox="1"/>
+          <p:cNvSpPr txBox="1">
+            <a:spLocks noGrp="1"/>
+          </p:cNvSpPr>
           <p:nvPr>
-            <p:ph idx="1" type="subTitle"/>
+            <p:ph type="subTitle" idx="1"/>
           </p:nvPr>
         </p:nvSpPr>
         <p:spPr>
@@ -9766,12 +9710,79 @@
           </a:prstGeom>
         </p:spPr>
         <p:txBody>
-          <a:bodyPr anchorCtr="0" anchor="t" bIns="91425" lIns="91425" spcFirstLastPara="1" rIns="91425" wrap="square" tIns="91425">
+          <a:bodyPr spcFirstLastPara="1" wrap="square" lIns="91425" tIns="91425" rIns="91425" bIns="91425" anchor="t" anchorCtr="0">
             <a:normAutofit/>
           </a:bodyPr>
           <a:lstStyle/>
           <a:p>
-            <a:pPr indent="0" lvl="0" marL="0" rtl="0" algn="l">
+            <a:pPr marL="0" lvl="0" indent="0" algn="l" rtl="0">
+              <a:spcBef>
+                <a:spcPts val="0"/>
+              </a:spcBef>
+              <a:spcAft>
+                <a:spcPts val="0"/>
+              </a:spcAft>
+              <a:buNone/>
+            </a:pPr>
+            <a:r>
+              <a:rPr lang="fr-FR" dirty="0"/>
+              <a:t>Ringot Christophe</a:t>
+            </a:r>
+            <a:endParaRPr dirty="0"/>
+          </a:p>
+        </p:txBody>
+      </p:sp>
+    </p:spTree>
+  </p:cSld>
+  <p:clrMapOvr>
+    <a:masterClrMapping/>
+  </p:clrMapOvr>
+</p:sld>
+</file>
+
+<file path=ppt/slides/slide10.xml><?xml version="1.0" encoding="utf-8"?>
+<p:sld xmlns:a="http://schemas.openxmlformats.org/drawingml/2006/main" xmlns:r="http://schemas.openxmlformats.org/officeDocument/2006/relationships" xmlns:p="http://schemas.openxmlformats.org/presentationml/2006/main">
+  <p:cSld>
+    <p:spTree>
+      <p:nvGrpSpPr>
+        <p:cNvPr id="1" name="Shape 175"/>
+        <p:cNvGrpSpPr/>
+        <p:nvPr/>
+      </p:nvGrpSpPr>
+      <p:grpSpPr>
+        <a:xfrm>
+          <a:off x="0" y="0"/>
+          <a:ext cx="0" cy="0"/>
+          <a:chOff x="0" y="0"/>
+          <a:chExt cx="0" cy="0"/>
+        </a:xfrm>
+      </p:grpSpPr>
+      <p:sp>
+        <p:nvSpPr>
+          <p:cNvPr id="176" name="Google Shape;176;p20"/>
+          <p:cNvSpPr txBox="1">
+            <a:spLocks noGrp="1"/>
+          </p:cNvSpPr>
+          <p:nvPr>
+            <p:ph type="title"/>
+          </p:nvPr>
+        </p:nvSpPr>
+        <p:spPr>
+          <a:xfrm>
+            <a:off x="1297500" y="393750"/>
+            <a:ext cx="7038900" cy="914100"/>
+          </a:xfrm>
+          <a:prstGeom prst="rect">
+            <a:avLst/>
+          </a:prstGeom>
+        </p:spPr>
+        <p:txBody>
+          <a:bodyPr spcFirstLastPara="1" wrap="square" lIns="91425" tIns="91425" rIns="91425" bIns="91425" anchor="t" anchorCtr="0">
+            <a:normAutofit/>
+          </a:bodyPr>
+          <a:lstStyle/>
+          <a:p>
+            <a:pPr marL="0" lvl="0" indent="0" algn="l" rtl="0">
               <a:spcBef>
                 <a:spcPts val="0"/>
               </a:spcBef>
@@ -9782,9 +9793,242 @@
             </a:pPr>
             <a:r>
               <a:rPr lang="fr"/>
-              <a:t>Nom et Prénom</a:t>
+              <a:t>Bilan du projet réalisé</a:t>
             </a:r>
             <a:endParaRPr/>
+          </a:p>
+        </p:txBody>
+      </p:sp>
+      <p:sp>
+        <p:nvSpPr>
+          <p:cNvPr id="177" name="Google Shape;177;p20"/>
+          <p:cNvSpPr txBox="1">
+            <a:spLocks noGrp="1"/>
+          </p:cNvSpPr>
+          <p:nvPr>
+            <p:ph type="body" idx="1"/>
+          </p:nvPr>
+        </p:nvSpPr>
+        <p:spPr>
+          <a:xfrm>
+            <a:off x="1297500" y="1017528"/>
+            <a:ext cx="7038900" cy="3856980"/>
+          </a:xfrm>
+          <a:prstGeom prst="rect">
+            <a:avLst/>
+          </a:prstGeom>
+        </p:spPr>
+        <p:txBody>
+          <a:bodyPr spcFirstLastPara="1" wrap="square" lIns="91425" tIns="91425" rIns="91425" bIns="91425" anchor="t" anchorCtr="0">
+            <a:normAutofit lnSpcReduction="10000"/>
+          </a:bodyPr>
+          <a:lstStyle/>
+          <a:p>
+            <a:pPr marL="0" lvl="0" indent="0" algn="l" rtl="0">
+              <a:spcBef>
+                <a:spcPts val="1200"/>
+              </a:spcBef>
+              <a:spcAft>
+                <a:spcPts val="0"/>
+              </a:spcAft>
+              <a:buNone/>
+            </a:pPr>
+            <a:r>
+              <a:rPr lang="fr" dirty="0"/>
+              <a:t>Les défis techniques rencontrés :</a:t>
+            </a:r>
+          </a:p>
+          <a:p>
+            <a:pPr marL="285750" lvl="0" indent="-285750" algn="l" rtl="0">
+              <a:spcBef>
+                <a:spcPts val="1200"/>
+              </a:spcBef>
+              <a:spcAft>
+                <a:spcPts val="0"/>
+              </a:spcAft>
+              <a:buFontTx/>
+              <a:buChar char="-"/>
+            </a:pPr>
+            <a:r>
+              <a:rPr lang="fr" dirty="0"/>
+              <a:t>Temps de réponse de l’API.</a:t>
+            </a:r>
+          </a:p>
+          <a:p>
+            <a:pPr marL="285750" lvl="0" indent="-285750" algn="l" rtl="0">
+              <a:spcBef>
+                <a:spcPts val="1200"/>
+              </a:spcBef>
+              <a:spcAft>
+                <a:spcPts val="0"/>
+              </a:spcAft>
+              <a:buFontTx/>
+              <a:buChar char="-"/>
+            </a:pPr>
+            <a:r>
+              <a:rPr lang="fr" dirty="0"/>
+              <a:t>Traîtement des petits éléments et détection des partie gauche/droite.</a:t>
+            </a:r>
+            <a:endParaRPr dirty="0"/>
+          </a:p>
+          <a:p>
+            <a:pPr marL="0" lvl="0" indent="0" algn="l" rtl="0">
+              <a:spcBef>
+                <a:spcPts val="1200"/>
+              </a:spcBef>
+              <a:spcAft>
+                <a:spcPts val="0"/>
+              </a:spcAft>
+              <a:buNone/>
+            </a:pPr>
+            <a:r>
+              <a:rPr lang="fr" dirty="0"/>
+              <a:t>Vos idées pour améliorer le système :</a:t>
+            </a:r>
+          </a:p>
+          <a:p>
+            <a:pPr marL="0" lvl="0" indent="0" algn="l" rtl="0">
+              <a:spcBef>
+                <a:spcPts val="1200"/>
+              </a:spcBef>
+              <a:spcAft>
+                <a:spcPts val="0"/>
+              </a:spcAft>
+              <a:buNone/>
+            </a:pPr>
+            <a:r>
+              <a:rPr lang="fr" dirty="0"/>
+              <a:t>-      Fine-tuning de modèle</a:t>
+            </a:r>
+          </a:p>
+          <a:p>
+            <a:pPr marL="285750" lvl="0" indent="-285750" algn="l" rtl="0">
+              <a:spcBef>
+                <a:spcPts val="1200"/>
+              </a:spcBef>
+              <a:spcAft>
+                <a:spcPts val="0"/>
+              </a:spcAft>
+              <a:buFontTx/>
+              <a:buChar char="-"/>
+            </a:pPr>
+            <a:r>
+              <a:rPr lang="fr" dirty="0"/>
+              <a:t>Augmentation des données pour les petites classes (chaussures, saces)</a:t>
+            </a:r>
+          </a:p>
+          <a:p>
+            <a:pPr marL="285750" lvl="0" indent="-285750" algn="l" rtl="0">
+              <a:spcBef>
+                <a:spcPts val="1200"/>
+              </a:spcBef>
+              <a:spcAft>
+                <a:spcPts val="0"/>
+              </a:spcAft>
+              <a:buFontTx/>
+              <a:buChar char="-"/>
+            </a:pPr>
+            <a:r>
+              <a:rPr lang="fr-FR" dirty="0"/>
+              <a:t>Compresser les images avant l’envoie API</a:t>
+            </a:r>
+            <a:endParaRPr dirty="0"/>
+          </a:p>
+          <a:p>
+            <a:pPr marL="0" lvl="0" indent="0" algn="l" rtl="0">
+              <a:spcBef>
+                <a:spcPts val="1200"/>
+              </a:spcBef>
+              <a:spcAft>
+                <a:spcPts val="0"/>
+              </a:spcAft>
+              <a:buNone/>
+            </a:pPr>
+            <a:r>
+              <a:rPr lang="fr" dirty="0"/>
+              <a:t>Les applications potentielles pour les clients de ModeTrend :</a:t>
+            </a:r>
+          </a:p>
+          <a:p>
+            <a:pPr marL="171450" lvl="0" indent="-171450" algn="l" rtl="0">
+              <a:spcBef>
+                <a:spcPts val="1200"/>
+              </a:spcBef>
+              <a:spcAft>
+                <a:spcPts val="0"/>
+              </a:spcAft>
+              <a:buFontTx/>
+              <a:buChar char="-"/>
+            </a:pPr>
+            <a:r>
+              <a:rPr lang="fr" dirty="0">
+                <a:solidFill>
+                  <a:schemeClr val="bg1"/>
+                </a:solidFill>
+                <a:latin typeface="Lato" panose="020F0502020204030203" pitchFamily="34" charset="0"/>
+                <a:ea typeface="Lato" panose="020F0502020204030203" pitchFamily="34" charset="0"/>
+                <a:cs typeface="Lato" panose="020F0502020204030203" pitchFamily="34" charset="0"/>
+                <a:sym typeface="Inter"/>
+              </a:rPr>
+              <a:t>Dashboard de suivi des tendances</a:t>
+            </a:r>
+          </a:p>
+          <a:p>
+            <a:pPr marL="171450" lvl="0" indent="-171450" algn="l" rtl="0">
+              <a:spcBef>
+                <a:spcPts val="1200"/>
+              </a:spcBef>
+              <a:spcAft>
+                <a:spcPts val="0"/>
+              </a:spcAft>
+              <a:buFontTx/>
+              <a:buChar char="-"/>
+            </a:pPr>
+            <a:r>
+              <a:rPr lang="fr" dirty="0">
+                <a:solidFill>
+                  <a:schemeClr val="bg1"/>
+                </a:solidFill>
+                <a:latin typeface="Lato" panose="020F0502020204030203" pitchFamily="34" charset="0"/>
+                <a:ea typeface="Lato" panose="020F0502020204030203" pitchFamily="34" charset="0"/>
+                <a:cs typeface="Lato" panose="020F0502020204030203" pitchFamily="34" charset="0"/>
+                <a:sym typeface="Inter"/>
+              </a:rPr>
+              <a:t>Alertes sur émergence de nouvelles modes </a:t>
+            </a:r>
+            <a:endParaRPr dirty="0">
+              <a:solidFill>
+                <a:schemeClr val="bg1"/>
+              </a:solidFill>
+              <a:latin typeface="Lato" panose="020F0502020204030203" pitchFamily="34" charset="0"/>
+              <a:ea typeface="Lato" panose="020F0502020204030203" pitchFamily="34" charset="0"/>
+              <a:cs typeface="Lato" panose="020F0502020204030203" pitchFamily="34" charset="0"/>
+              <a:sym typeface="Inter"/>
+            </a:endParaRPr>
+          </a:p>
+          <a:p>
+            <a:pPr marL="0" lvl="0" indent="0" algn="l" rtl="0">
+              <a:spcBef>
+                <a:spcPts val="1200"/>
+              </a:spcBef>
+              <a:spcAft>
+                <a:spcPts val="0"/>
+              </a:spcAft>
+              <a:buNone/>
+            </a:pPr>
+            <a:endParaRPr dirty="0"/>
+          </a:p>
+          <a:p>
+            <a:pPr marL="0" lvl="0" indent="0" algn="l" rtl="0">
+              <a:spcBef>
+                <a:spcPts val="1200"/>
+              </a:spcBef>
+              <a:spcAft>
+                <a:spcPts val="1200"/>
+              </a:spcAft>
+              <a:buNone/>
+            </a:pPr>
+            <a:endParaRPr dirty="0"/>
           </a:p>
         </p:txBody>
       </p:sp>
@@ -9797,11 +10041,11 @@
 </file>
 
 <file path=ppt/slides/slide2.xml><?xml version="1.0" encoding="utf-8"?>
-<p:sld xmlns:a="http://schemas.openxmlformats.org/drawingml/2006/main" xmlns:r="http://schemas.openxmlformats.org/officeDocument/2006/relationships" xmlns:mc="http://schemas.openxmlformats.org/markup-compatibility/2006" xmlns:mv="urn:schemas-microsoft-com:mac:vml" xmlns:p="http://schemas.openxmlformats.org/presentationml/2006/main" xmlns:c="http://schemas.openxmlformats.org/drawingml/2006/chart" xmlns:dgm="http://schemas.openxmlformats.org/drawingml/2006/diagram" xmlns:o="urn:schemas-microsoft-com:office:office" xmlns:v="urn:schemas-microsoft-com:vml" xmlns:pvml="urn:schemas-microsoft-com:office:powerpoint" xmlns:com="http://schemas.openxmlformats.org/drawingml/2006/compatibility" xmlns:p14="http://schemas.microsoft.com/office/powerpoint/2010/main" xmlns:p15="http://schemas.microsoft.com/office/powerpoint/2012/main" xmlns:ahyp="http://schemas.microsoft.com/office/drawing/2018/hyperlinkcolor">
+<p:sld xmlns:a="http://schemas.openxmlformats.org/drawingml/2006/main" xmlns:r="http://schemas.openxmlformats.org/officeDocument/2006/relationships" xmlns:p="http://schemas.openxmlformats.org/presentationml/2006/main">
   <p:cSld>
     <p:spTree>
       <p:nvGrpSpPr>
-        <p:cNvPr id="139" name="Shape 139"/>
+        <p:cNvPr id="1" name="Shape 139"/>
         <p:cNvGrpSpPr/>
         <p:nvPr/>
       </p:nvGrpSpPr>
@@ -9816,7 +10060,9 @@
       <p:sp>
         <p:nvSpPr>
           <p:cNvPr id="140" name="Google Shape;140;p14"/>
-          <p:cNvSpPr txBox="1"/>
+          <p:cNvSpPr txBox="1">
+            <a:spLocks noGrp="1"/>
+          </p:cNvSpPr>
           <p:nvPr>
             <p:ph type="title"/>
           </p:nvPr>
@@ -9831,12 +10077,12 @@
           </a:prstGeom>
         </p:spPr>
         <p:txBody>
-          <a:bodyPr anchorCtr="0" anchor="t" bIns="91425" lIns="91425" spcFirstLastPara="1" rIns="91425" wrap="square" tIns="91425">
+          <a:bodyPr spcFirstLastPara="1" wrap="square" lIns="91425" tIns="91425" rIns="91425" bIns="91425" anchor="t" anchorCtr="0">
             <a:normAutofit/>
           </a:bodyPr>
           <a:lstStyle/>
           <a:p>
-            <a:pPr indent="0" lvl="0" marL="0" rtl="0" algn="l">
+            <a:pPr marL="0" lvl="0" indent="0" algn="l" rtl="0">
               <a:spcBef>
                 <a:spcPts val="0"/>
               </a:spcBef>
@@ -9846,19 +10092,21 @@
               <a:buNone/>
             </a:pPr>
             <a:r>
-              <a:rPr lang="fr"/>
+              <a:rPr lang="fr" dirty="0"/>
               <a:t>Présentation du projet</a:t>
             </a:r>
-            <a:endParaRPr/>
+            <a:endParaRPr dirty="0"/>
           </a:p>
         </p:txBody>
       </p:sp>
       <p:sp>
         <p:nvSpPr>
           <p:cNvPr id="141" name="Google Shape;141;p14"/>
-          <p:cNvSpPr txBox="1"/>
+          <p:cNvSpPr txBox="1">
+            <a:spLocks noGrp="1"/>
+          </p:cNvSpPr>
           <p:nvPr>
-            <p:ph idx="1" type="body"/>
+            <p:ph type="body" idx="1"/>
           </p:nvPr>
         </p:nvSpPr>
         <p:spPr>
@@ -9871,12 +10119,12 @@
           </a:prstGeom>
         </p:spPr>
         <p:txBody>
-          <a:bodyPr anchorCtr="0" anchor="t" bIns="91425" lIns="91425" spcFirstLastPara="1" rIns="91425" wrap="square" tIns="91425">
+          <a:bodyPr spcFirstLastPara="1" wrap="square" lIns="91425" tIns="91425" rIns="91425" bIns="91425" anchor="t" anchorCtr="0">
             <a:normAutofit/>
           </a:bodyPr>
           <a:lstStyle/>
           <a:p>
-            <a:pPr indent="0" lvl="0" marL="0" rtl="0" algn="l">
+            <a:pPr marL="0" lvl="0" indent="0" algn="l" rtl="0">
               <a:spcBef>
                 <a:spcPts val="0"/>
               </a:spcBef>
@@ -9886,9 +10134,68 @@
               <a:buNone/>
             </a:pPr>
             <a:r>
-              <a:t/>
+              <a:rPr lang="fr-FR" b="1" dirty="0"/>
+              <a:t>- Contexte</a:t>
             </a:r>
-            <a:endParaRPr/>
+            <a:r>
+              <a:rPr lang="fr-FR" dirty="0"/>
+              <a:t> : </a:t>
+            </a:r>
+            <a:r>
+              <a:rPr lang="fr-FR" dirty="0" err="1"/>
+              <a:t>ModeTrends</a:t>
+            </a:r>
+            <a:r>
+              <a:rPr lang="fr-FR" dirty="0"/>
+              <a:t> est une agence de marketing dans le secteur de la mode, active dans plus de 30 pays. Pour répondre à la croissance du marketing d’influence, elle lance le projet « Fashion Trend Intelligence ».</a:t>
+            </a:r>
+          </a:p>
+          <a:p>
+            <a:pPr marL="0" lvl="0" indent="0" algn="l" rtl="0">
+              <a:spcBef>
+                <a:spcPts val="0"/>
+              </a:spcBef>
+              <a:spcAft>
+                <a:spcPts val="1200"/>
+              </a:spcAft>
+              <a:buNone/>
+            </a:pPr>
+            <a:r>
+              <a:rPr lang="fr-FR" dirty="0"/>
+              <a:t>- </a:t>
+            </a:r>
+            <a:r>
+              <a:rPr lang="fr-FR" b="1" dirty="0"/>
+              <a:t>Objectif</a:t>
+            </a:r>
+            <a:r>
+              <a:rPr lang="fr-FR" dirty="0"/>
+              <a:t> : Offrir aux marques des informations en temps réel sur les tendances émergentes dans les publications d’influenceurs.</a:t>
+            </a:r>
+          </a:p>
+          <a:p>
+            <a:pPr marL="0" lvl="0" indent="0" algn="l" rtl="0">
+              <a:spcBef>
+                <a:spcPts val="0"/>
+              </a:spcBef>
+              <a:spcAft>
+                <a:spcPts val="1200"/>
+              </a:spcAft>
+              <a:buNone/>
+            </a:pPr>
+            <a:r>
+              <a:rPr lang="fr-FR" dirty="0"/>
+              <a:t>- </a:t>
+            </a:r>
+            <a:r>
+              <a:rPr lang="fr-FR" b="1" dirty="0"/>
+              <a:t>Mon rôle </a:t>
+            </a:r>
+            <a:r>
+              <a:rPr lang="fr-FR" dirty="0"/>
+              <a:t>: Je travaille sur la fonctionnalité de segmentation vestimentaire, qui vise à détecter automatiquement chaque pièce de vêtement présente sur une image.</a:t>
+            </a:r>
+            <a:endParaRPr dirty="0"/>
           </a:p>
         </p:txBody>
       </p:sp>
@@ -9901,11 +10208,11 @@
 </file>
 
 <file path=ppt/slides/slide3.xml><?xml version="1.0" encoding="utf-8"?>
-<p:sld xmlns:a="http://schemas.openxmlformats.org/drawingml/2006/main" xmlns:r="http://schemas.openxmlformats.org/officeDocument/2006/relationships" xmlns:mc="http://schemas.openxmlformats.org/markup-compatibility/2006" xmlns:mv="urn:schemas-microsoft-com:mac:vml" xmlns:p="http://schemas.openxmlformats.org/presentationml/2006/main" xmlns:c="http://schemas.openxmlformats.org/drawingml/2006/chart" xmlns:dgm="http://schemas.openxmlformats.org/drawingml/2006/diagram" xmlns:o="urn:schemas-microsoft-com:office:office" xmlns:v="urn:schemas-microsoft-com:vml" xmlns:pvml="urn:schemas-microsoft-com:office:powerpoint" xmlns:com="http://schemas.openxmlformats.org/drawingml/2006/compatibility" xmlns:p14="http://schemas.microsoft.com/office/powerpoint/2010/main" xmlns:p15="http://schemas.microsoft.com/office/powerpoint/2012/main" xmlns:ahyp="http://schemas.microsoft.com/office/drawing/2018/hyperlinkcolor">
+<p:sld xmlns:a="http://schemas.openxmlformats.org/drawingml/2006/main" xmlns:r="http://schemas.openxmlformats.org/officeDocument/2006/relationships" xmlns:p="http://schemas.openxmlformats.org/presentationml/2006/main">
   <p:cSld>
     <p:spTree>
       <p:nvGrpSpPr>
-        <p:cNvPr id="145" name="Shape 145"/>
+        <p:cNvPr id="1" name="Shape 145"/>
         <p:cNvGrpSpPr/>
         <p:nvPr/>
       </p:nvGrpSpPr>
@@ -9920,7 +10227,9 @@
       <p:sp>
         <p:nvSpPr>
           <p:cNvPr id="146" name="Google Shape;146;p15"/>
-          <p:cNvSpPr txBox="1"/>
+          <p:cNvSpPr txBox="1">
+            <a:spLocks noGrp="1"/>
+          </p:cNvSpPr>
           <p:nvPr>
             <p:ph type="title"/>
           </p:nvPr>
@@ -9935,12 +10244,12 @@
           </a:prstGeom>
         </p:spPr>
         <p:txBody>
-          <a:bodyPr anchorCtr="0" anchor="t" bIns="91425" lIns="91425" spcFirstLastPara="1" rIns="91425" wrap="square" tIns="91425">
+          <a:bodyPr spcFirstLastPara="1" wrap="square" lIns="91425" tIns="91425" rIns="91425" bIns="91425" anchor="t" anchorCtr="0">
             <a:normAutofit/>
           </a:bodyPr>
           <a:lstStyle/>
           <a:p>
-            <a:pPr indent="0" lvl="0" marL="0" rtl="0" algn="l">
+            <a:pPr marL="0" lvl="0" indent="0" algn="l" rtl="0">
               <a:spcBef>
                 <a:spcPts val="0"/>
               </a:spcBef>
@@ -9960,9 +10269,11 @@
       <p:sp>
         <p:nvSpPr>
           <p:cNvPr id="147" name="Google Shape;147;p15"/>
-          <p:cNvSpPr txBox="1"/>
+          <p:cNvSpPr txBox="1">
+            <a:spLocks noGrp="1"/>
+          </p:cNvSpPr>
           <p:nvPr>
-            <p:ph idx="1" type="body"/>
+            <p:ph type="body" idx="1"/>
           </p:nvPr>
         </p:nvSpPr>
         <p:spPr>
@@ -9975,12 +10286,12 @@
           </a:prstGeom>
         </p:spPr>
         <p:txBody>
-          <a:bodyPr anchorCtr="0" anchor="t" bIns="91425" lIns="91425" spcFirstLastPara="1" rIns="91425" wrap="square" tIns="91425">
+          <a:bodyPr spcFirstLastPara="1" wrap="square" lIns="91425" tIns="91425" rIns="91425" bIns="91425" anchor="t" anchorCtr="0">
             <a:normAutofit/>
           </a:bodyPr>
           <a:lstStyle/>
           <a:p>
-            <a:pPr indent="0" lvl="0" marL="0" rtl="0" algn="l">
+            <a:pPr marL="0" lvl="0" indent="0" algn="l" rtl="0">
               <a:spcBef>
                 <a:spcPts val="0"/>
               </a:spcBef>
@@ -9990,9 +10301,90 @@
               <a:buNone/>
             </a:pPr>
             <a:r>
-              <a:t/>
+              <a:rPr lang="fr-FR" b="1" dirty="0"/>
+              <a:t>Modèle utilisé </a:t>
             </a:r>
-            <a:endParaRPr/>
+            <a:r>
+              <a:rPr lang="fr-FR" dirty="0"/>
+              <a:t>: </a:t>
+            </a:r>
+            <a:r>
+              <a:rPr lang="fr-FR" dirty="0" err="1"/>
+              <a:t>SegFormer</a:t>
+            </a:r>
+            <a:r>
+              <a:rPr lang="fr-FR" dirty="0"/>
+              <a:t> B3</a:t>
+            </a:r>
+          </a:p>
+          <a:p>
+            <a:pPr marL="0" lvl="0" indent="0" algn="l" rtl="0">
+              <a:spcBef>
+                <a:spcPts val="0"/>
+              </a:spcBef>
+              <a:spcAft>
+                <a:spcPts val="1200"/>
+              </a:spcAft>
+              <a:buNone/>
+            </a:pPr>
+            <a:r>
+              <a:rPr lang="fr-FR" dirty="0"/>
+              <a:t>1, Réception d’une image au format RGB</a:t>
+            </a:r>
+          </a:p>
+          <a:p>
+            <a:pPr marL="0" lvl="0" indent="0" algn="l" rtl="0">
+              <a:spcBef>
+                <a:spcPts val="0"/>
+              </a:spcBef>
+              <a:spcAft>
+                <a:spcPts val="1200"/>
+              </a:spcAft>
+              <a:buNone/>
+            </a:pPr>
+            <a:r>
+              <a:rPr lang="fr-FR" dirty="0"/>
+              <a:t>2, Appel à l’API </a:t>
+            </a:r>
+            <a:r>
+              <a:rPr lang="fr-FR" dirty="0" err="1"/>
+              <a:t>Hugging</a:t>
+            </a:r>
+            <a:r>
+              <a:rPr lang="fr-FR" dirty="0"/>
+              <a:t> Face</a:t>
+            </a:r>
+          </a:p>
+          <a:p>
+            <a:pPr marL="0" lvl="0" indent="0" algn="l" rtl="0">
+              <a:spcBef>
+                <a:spcPts val="0"/>
+              </a:spcBef>
+              <a:spcAft>
+                <a:spcPts val="1200"/>
+              </a:spcAft>
+              <a:buNone/>
+            </a:pPr>
+            <a:r>
+              <a:rPr lang="fr-FR" dirty="0"/>
+              <a:t>3, Récupération d’un masque de segmentation (format base64)</a:t>
+            </a:r>
+          </a:p>
+          <a:p>
+            <a:pPr marL="0" lvl="0" indent="0" algn="l" rtl="0">
+              <a:spcBef>
+                <a:spcPts val="0"/>
+              </a:spcBef>
+              <a:spcAft>
+                <a:spcPts val="1200"/>
+              </a:spcAft>
+              <a:buNone/>
+            </a:pPr>
+            <a:r>
+              <a:rPr lang="fr-FR" dirty="0"/>
+              <a:t>4, Attribution des classes vestimentaires via un dictionnaire de mappage</a:t>
+            </a:r>
+            <a:endParaRPr dirty="0"/>
           </a:p>
         </p:txBody>
       </p:sp>
@@ -10005,11 +10397,99 @@
 </file>
 
 <file path=ppt/slides/slide4.xml><?xml version="1.0" encoding="utf-8"?>
-<p:sld xmlns:a="http://schemas.openxmlformats.org/drawingml/2006/main" xmlns:r="http://schemas.openxmlformats.org/officeDocument/2006/relationships" xmlns:mc="http://schemas.openxmlformats.org/markup-compatibility/2006" xmlns:mv="urn:schemas-microsoft-com:mac:vml" xmlns:p="http://schemas.openxmlformats.org/presentationml/2006/main" xmlns:c="http://schemas.openxmlformats.org/drawingml/2006/chart" xmlns:dgm="http://schemas.openxmlformats.org/drawingml/2006/diagram" xmlns:o="urn:schemas-microsoft-com:office:office" xmlns:v="urn:schemas-microsoft-com:vml" xmlns:pvml="urn:schemas-microsoft-com:office:powerpoint" xmlns:com="http://schemas.openxmlformats.org/drawingml/2006/compatibility" xmlns:p14="http://schemas.microsoft.com/office/powerpoint/2010/main" xmlns:p15="http://schemas.microsoft.com/office/powerpoint/2012/main" xmlns:ahyp="http://schemas.microsoft.com/office/drawing/2018/hyperlinkcolor">
+<p:sld xmlns:a="http://schemas.openxmlformats.org/drawingml/2006/main" xmlns:r="http://schemas.openxmlformats.org/officeDocument/2006/relationships" xmlns:p="http://schemas.openxmlformats.org/presentationml/2006/main">
   <p:cSld>
     <p:spTree>
       <p:nvGrpSpPr>
-        <p:cNvPr id="151" name="Shape 151"/>
+        <p:cNvPr id="1" name=""/>
+        <p:cNvGrpSpPr/>
+        <p:nvPr/>
+      </p:nvGrpSpPr>
+      <p:grpSpPr>
+        <a:xfrm>
+          <a:off x="0" y="0"/>
+          <a:ext cx="0" cy="0"/>
+          <a:chOff x="0" y="0"/>
+          <a:chExt cx="0" cy="0"/>
+        </a:xfrm>
+      </p:grpSpPr>
+      <p:sp>
+        <p:nvSpPr>
+          <p:cNvPr id="2" name="Titre 1">
+            <a:extLst>
+              <a:ext uri="{FF2B5EF4-FFF2-40B4-BE49-F238E27FC236}">
+                <a16:creationId xmlns:a16="http://schemas.microsoft.com/office/drawing/2014/main" id="{1E3B3DE0-3B7D-F78E-49A6-A75784F9B799}"/>
+              </a:ext>
+            </a:extLst>
+          </p:cNvPr>
+          <p:cNvSpPr>
+            <a:spLocks noGrp="1"/>
+          </p:cNvSpPr>
+          <p:nvPr>
+            <p:ph type="title"/>
+          </p:nvPr>
+        </p:nvSpPr>
+        <p:spPr/>
+        <p:txBody>
+          <a:bodyPr/>
+          <a:lstStyle/>
+          <a:p>
+            <a:r>
+              <a:rPr lang="fr-FR" dirty="0"/>
+              <a:t>Résultat </a:t>
+            </a:r>
+          </a:p>
+        </p:txBody>
+      </p:sp>
+      <p:pic>
+        <p:nvPicPr>
+          <p:cNvPr id="5" name="Image 4">
+            <a:extLst>
+              <a:ext uri="{FF2B5EF4-FFF2-40B4-BE49-F238E27FC236}">
+                <a16:creationId xmlns:a16="http://schemas.microsoft.com/office/drawing/2014/main" id="{B92C17B8-DBC4-28AA-3ABA-DE1FC31F1BA5}"/>
+              </a:ext>
+            </a:extLst>
+          </p:cNvPr>
+          <p:cNvPicPr>
+            <a:picLocks noChangeAspect="1"/>
+          </p:cNvPicPr>
+          <p:nvPr/>
+        </p:nvPicPr>
+        <p:blipFill>
+          <a:blip r:embed="rId2"/>
+          <a:stretch>
+            <a:fillRect/>
+          </a:stretch>
+        </p:blipFill>
+        <p:spPr>
+          <a:xfrm>
+            <a:off x="3438367" y="899879"/>
+            <a:ext cx="2267266" cy="3343742"/>
+          </a:xfrm>
+          <a:prstGeom prst="rect">
+            <a:avLst/>
+          </a:prstGeom>
+        </p:spPr>
+      </p:pic>
+    </p:spTree>
+    <p:extLst>
+      <p:ext uri="{BB962C8B-B14F-4D97-AF65-F5344CB8AC3E}">
+        <p14:creationId xmlns:p14="http://schemas.microsoft.com/office/powerpoint/2010/main" val="1658077568"/>
+      </p:ext>
+    </p:extLst>
+  </p:cSld>
+  <p:clrMapOvr>
+    <a:masterClrMapping/>
+  </p:clrMapOvr>
+</p:sld>
+</file>
+
+<file path=ppt/slides/slide5.xml><?xml version="1.0" encoding="utf-8"?>
+<p:sld xmlns:a="http://schemas.openxmlformats.org/drawingml/2006/main" xmlns:r="http://schemas.openxmlformats.org/officeDocument/2006/relationships" xmlns:p="http://schemas.openxmlformats.org/presentationml/2006/main">
+  <p:cSld>
+    <p:spTree>
+      <p:nvGrpSpPr>
+        <p:cNvPr id="1" name="Shape 151"/>
         <p:cNvGrpSpPr/>
         <p:nvPr/>
       </p:nvGrpSpPr>
@@ -10024,7 +10504,9 @@
       <p:sp>
         <p:nvSpPr>
           <p:cNvPr id="152" name="Google Shape;152;p16"/>
-          <p:cNvSpPr txBox="1"/>
+          <p:cNvSpPr txBox="1">
+            <a:spLocks noGrp="1"/>
+          </p:cNvSpPr>
           <p:nvPr>
             <p:ph type="title"/>
           </p:nvPr>
@@ -10039,12 +10521,12 @@
           </a:prstGeom>
         </p:spPr>
         <p:txBody>
-          <a:bodyPr anchorCtr="0" anchor="t" bIns="91425" lIns="91425" spcFirstLastPara="1" rIns="91425" wrap="square" tIns="91425">
+          <a:bodyPr spcFirstLastPara="1" wrap="square" lIns="91425" tIns="91425" rIns="91425" bIns="91425" anchor="t" anchorCtr="0">
             <a:normAutofit/>
           </a:bodyPr>
           <a:lstStyle/>
           <a:p>
-            <a:pPr indent="0" lvl="0" marL="0" rtl="0" algn="l">
+            <a:pPr marL="0" lvl="0" indent="0" algn="l" rtl="0">
               <a:spcBef>
                 <a:spcPts val="0"/>
               </a:spcBef>
@@ -10064,9 +10546,11 @@
       <p:sp>
         <p:nvSpPr>
           <p:cNvPr id="153" name="Google Shape;153;p16"/>
-          <p:cNvSpPr txBox="1"/>
+          <p:cNvSpPr txBox="1">
+            <a:spLocks noGrp="1"/>
+          </p:cNvSpPr>
           <p:nvPr>
-            <p:ph idx="1" type="body"/>
+            <p:ph type="body" idx="1"/>
           </p:nvPr>
         </p:nvSpPr>
         <p:spPr>
@@ -10079,12 +10563,12 @@
           </a:prstGeom>
         </p:spPr>
         <p:txBody>
-          <a:bodyPr anchorCtr="0" anchor="t" bIns="91425" lIns="91425" spcFirstLastPara="1" rIns="91425" wrap="square" tIns="91425">
+          <a:bodyPr spcFirstLastPara="1" wrap="square" lIns="91425" tIns="91425" rIns="91425" bIns="91425" anchor="t" anchorCtr="0">
             <a:normAutofit/>
           </a:bodyPr>
           <a:lstStyle/>
           <a:p>
-            <a:pPr indent="0" lvl="0" marL="0" rtl="0" algn="l">
+            <a:pPr marL="0" lvl="0" indent="0" algn="l" rtl="0">
               <a:spcBef>
                 <a:spcPts val="0"/>
               </a:spcBef>
@@ -10094,9 +10578,78 @@
               <a:buNone/>
             </a:pPr>
             <a:r>
-              <a:t/>
+              <a:rPr lang="fr-FR" dirty="0"/>
+              <a:t>Résultats du modèle :</a:t>
             </a:r>
-            <a:endParaRPr/>
+          </a:p>
+          <a:p>
+            <a:pPr marL="0" lvl="0" indent="0" algn="l" rtl="0">
+              <a:spcBef>
+                <a:spcPts val="0"/>
+              </a:spcBef>
+              <a:spcAft>
+                <a:spcPts val="1200"/>
+              </a:spcAft>
+              <a:buNone/>
+            </a:pPr>
+            <a:r>
+              <a:rPr lang="fr-FR" dirty="0"/>
+              <a:t>	- </a:t>
+            </a:r>
+            <a:r>
+              <a:rPr lang="fr-FR" dirty="0" err="1"/>
+              <a:t>IoU</a:t>
+            </a:r>
+            <a:r>
+              <a:rPr lang="fr-FR" dirty="0"/>
+              <a:t> moyenne : 0,6504</a:t>
+            </a:r>
+          </a:p>
+          <a:p>
+            <a:pPr marL="0" lvl="0" indent="0" algn="l" rtl="0">
+              <a:spcBef>
+                <a:spcPts val="0"/>
+              </a:spcBef>
+              <a:spcAft>
+                <a:spcPts val="1200"/>
+              </a:spcAft>
+              <a:buNone/>
+            </a:pPr>
+            <a:r>
+              <a:rPr lang="fr-FR" dirty="0"/>
+              <a:t>	- Catégorie la plus performante : T-shirt</a:t>
+            </a:r>
+          </a:p>
+          <a:p>
+            <a:pPr marL="0" lvl="0" indent="0" algn="l" rtl="0">
+              <a:spcBef>
+                <a:spcPts val="0"/>
+              </a:spcBef>
+              <a:spcAft>
+                <a:spcPts val="1200"/>
+              </a:spcAft>
+              <a:buNone/>
+            </a:pPr>
+            <a:r>
+              <a:rPr lang="fr-FR" dirty="0"/>
+              <a:t>	- Catégorie la plus difficile : Chaussures et accessoires</a:t>
+            </a:r>
+          </a:p>
+          <a:p>
+            <a:pPr marL="0" lvl="0" indent="0" algn="l" rtl="0">
+              <a:spcBef>
+                <a:spcPts val="0"/>
+              </a:spcBef>
+              <a:spcAft>
+                <a:spcPts val="1200"/>
+              </a:spcAft>
+              <a:buNone/>
+            </a:pPr>
+            <a:r>
+              <a:rPr lang="fr-FR" dirty="0"/>
+              <a:t>Le modèle est performant sur les vêtements bien définis, mais rencontre des difficultés sur les petits éléments. Des confusions apparaissent entre les côtés gauche et droit.</a:t>
+            </a:r>
+            <a:endParaRPr dirty="0"/>
           </a:p>
         </p:txBody>
       </p:sp>
@@ -10108,12 +10661,72 @@
 </p:sld>
 </file>
 
-<file path=ppt/slides/slide5.xml><?xml version="1.0" encoding="utf-8"?>
-<p:sld xmlns:a="http://schemas.openxmlformats.org/drawingml/2006/main" xmlns:r="http://schemas.openxmlformats.org/officeDocument/2006/relationships" xmlns:mc="http://schemas.openxmlformats.org/markup-compatibility/2006" xmlns:mv="urn:schemas-microsoft-com:mac:vml" xmlns:p="http://schemas.openxmlformats.org/presentationml/2006/main" xmlns:c="http://schemas.openxmlformats.org/drawingml/2006/chart" xmlns:dgm="http://schemas.openxmlformats.org/drawingml/2006/diagram" xmlns:o="urn:schemas-microsoft-com:office:office" xmlns:v="urn:schemas-microsoft-com:vml" xmlns:pvml="urn:schemas-microsoft-com:office:powerpoint" xmlns:com="http://schemas.openxmlformats.org/drawingml/2006/compatibility" xmlns:p14="http://schemas.microsoft.com/office/powerpoint/2010/main" xmlns:p15="http://schemas.microsoft.com/office/powerpoint/2012/main" xmlns:ahyp="http://schemas.microsoft.com/office/drawing/2018/hyperlinkcolor">
+<file path=ppt/slides/slide6.xml><?xml version="1.0" encoding="utf-8"?>
+<p:sld xmlns:a="http://schemas.openxmlformats.org/drawingml/2006/main" xmlns:r="http://schemas.openxmlformats.org/officeDocument/2006/relationships" xmlns:p="http://schemas.openxmlformats.org/presentationml/2006/main">
   <p:cSld>
     <p:spTree>
       <p:nvGrpSpPr>
-        <p:cNvPr id="157" name="Shape 157"/>
+        <p:cNvPr id="1" name=""/>
+        <p:cNvGrpSpPr/>
+        <p:nvPr/>
+      </p:nvGrpSpPr>
+      <p:grpSpPr>
+        <a:xfrm>
+          <a:off x="0" y="0"/>
+          <a:ext cx="0" cy="0"/>
+          <a:chOff x="0" y="0"/>
+          <a:chExt cx="0" cy="0"/>
+        </a:xfrm>
+      </p:grpSpPr>
+      <p:pic>
+        <p:nvPicPr>
+          <p:cNvPr id="5" name="Image 4">
+            <a:extLst>
+              <a:ext uri="{FF2B5EF4-FFF2-40B4-BE49-F238E27FC236}">
+                <a16:creationId xmlns:a16="http://schemas.microsoft.com/office/drawing/2014/main" id="{34A5C152-788F-3D22-5C31-89725B103B74}"/>
+              </a:ext>
+            </a:extLst>
+          </p:cNvPr>
+          <p:cNvPicPr>
+            <a:picLocks noChangeAspect="1"/>
+          </p:cNvPicPr>
+          <p:nvPr/>
+        </p:nvPicPr>
+        <p:blipFill>
+          <a:blip r:embed="rId2"/>
+          <a:stretch>
+            <a:fillRect/>
+          </a:stretch>
+        </p:blipFill>
+        <p:spPr>
+          <a:xfrm>
+            <a:off x="1431757" y="986590"/>
+            <a:ext cx="7179899" cy="3536046"/>
+          </a:xfrm>
+          <a:prstGeom prst="rect">
+            <a:avLst/>
+          </a:prstGeom>
+        </p:spPr>
+      </p:pic>
+    </p:spTree>
+    <p:extLst>
+      <p:ext uri="{BB962C8B-B14F-4D97-AF65-F5344CB8AC3E}">
+        <p14:creationId xmlns:p14="http://schemas.microsoft.com/office/powerpoint/2010/main" val="791802406"/>
+      </p:ext>
+    </p:extLst>
+  </p:cSld>
+  <p:clrMapOvr>
+    <a:masterClrMapping/>
+  </p:clrMapOvr>
+</p:sld>
+</file>
+
+<file path=ppt/slides/slide7.xml><?xml version="1.0" encoding="utf-8"?>
+<p:sld xmlns:a="http://schemas.openxmlformats.org/drawingml/2006/main" xmlns:r="http://schemas.openxmlformats.org/officeDocument/2006/relationships" xmlns:p="http://schemas.openxmlformats.org/presentationml/2006/main">
+  <p:cSld>
+    <p:spTree>
+      <p:nvGrpSpPr>
+        <p:cNvPr id="1" name="Shape 157"/>
         <p:cNvGrpSpPr/>
         <p:nvPr/>
       </p:nvGrpSpPr>
@@ -10128,7 +10741,9 @@
       <p:sp>
         <p:nvSpPr>
           <p:cNvPr id="158" name="Google Shape;158;p17"/>
-          <p:cNvSpPr txBox="1"/>
+          <p:cNvSpPr txBox="1">
+            <a:spLocks noGrp="1"/>
+          </p:cNvSpPr>
           <p:nvPr>
             <p:ph type="title"/>
           </p:nvPr>
@@ -10143,12 +10758,12 @@
           </a:prstGeom>
         </p:spPr>
         <p:txBody>
-          <a:bodyPr anchorCtr="0" anchor="t" bIns="91425" lIns="91425" spcFirstLastPara="1" rIns="91425" wrap="square" tIns="91425">
+          <a:bodyPr spcFirstLastPara="1" wrap="square" lIns="91425" tIns="91425" rIns="91425" bIns="91425" anchor="t" anchorCtr="0">
             <a:normAutofit fontScale="90000"/>
           </a:bodyPr>
           <a:lstStyle/>
           <a:p>
-            <a:pPr indent="0" lvl="0" marL="0" rtl="0" algn="l">
+            <a:pPr marL="0" lvl="0" indent="0" algn="l" rtl="0">
               <a:spcBef>
                 <a:spcPts val="0"/>
               </a:spcBef>
@@ -10168,9 +10783,11 @@
       <p:sp>
         <p:nvSpPr>
           <p:cNvPr id="159" name="Google Shape;159;p17"/>
-          <p:cNvSpPr txBox="1"/>
+          <p:cNvSpPr txBox="1">
+            <a:spLocks noGrp="1"/>
+          </p:cNvSpPr>
           <p:nvPr>
-            <p:ph idx="1" type="body"/>
+            <p:ph type="body" idx="1"/>
           </p:nvPr>
         </p:nvSpPr>
         <p:spPr>
@@ -10183,24 +10800,66 @@
           </a:prstGeom>
         </p:spPr>
         <p:txBody>
-          <a:bodyPr anchorCtr="0" anchor="t" bIns="91425" lIns="91425" spcFirstLastPara="1" rIns="91425" wrap="square" tIns="91425">
+          <a:bodyPr spcFirstLastPara="1" wrap="square" lIns="91425" tIns="91425" rIns="91425" bIns="91425" anchor="t" anchorCtr="0">
             <a:normAutofit/>
           </a:bodyPr>
           <a:lstStyle/>
           <a:p>
-            <a:pPr indent="0" lvl="0" marL="0" rtl="0" algn="l">
+            <a:pPr marL="285750" lvl="0" indent="-285750" algn="l" rtl="0">
               <a:spcBef>
                 <a:spcPts val="0"/>
               </a:spcBef>
               <a:spcAft>
                 <a:spcPts val="1200"/>
               </a:spcAft>
-              <a:buNone/>
+              <a:buFontTx/>
+              <a:buChar char="-"/>
             </a:pPr>
             <a:r>
-              <a:t/>
+              <a:rPr lang="fr-FR" dirty="0"/>
+              <a:t>Calcul des métriques : </a:t>
             </a:r>
-            <a:endParaRPr/>
+            <a:r>
+              <a:rPr lang="fr-FR" dirty="0" err="1"/>
+              <a:t>IoU</a:t>
+            </a:r>
+            <a:r>
+              <a:rPr lang="fr-FR" dirty="0"/>
+              <a:t> par classe</a:t>
+            </a:r>
+          </a:p>
+          <a:p>
+            <a:pPr marL="285750" lvl="0" indent="-285750" algn="l" rtl="0">
+              <a:spcBef>
+                <a:spcPts val="0"/>
+              </a:spcBef>
+              <a:spcAft>
+                <a:spcPts val="1200"/>
+              </a:spcAft>
+              <a:buFontTx/>
+              <a:buChar char="-"/>
+            </a:pPr>
+            <a:r>
+              <a:rPr lang="fr-FR" dirty="0"/>
+              <a:t>Visualisation des masques superposés pour vérification visuelle</a:t>
+            </a:r>
+          </a:p>
+          <a:p>
+            <a:pPr marL="285750" lvl="0" indent="-285750" algn="l" rtl="0">
+              <a:spcBef>
+                <a:spcPts val="0"/>
+              </a:spcBef>
+              <a:spcAft>
+                <a:spcPts val="1200"/>
+              </a:spcAft>
+              <a:buFontTx/>
+              <a:buChar char="-"/>
+            </a:pPr>
+            <a:r>
+              <a:rPr lang="fr-FR" dirty="0"/>
+              <a:t>Validation avec des volumes d’images plus grands</a:t>
+            </a:r>
+            <a:endParaRPr dirty="0"/>
           </a:p>
         </p:txBody>
       </p:sp>
@@ -10212,12 +10871,12 @@
 </p:sld>
 </file>
 
-<file path=ppt/slides/slide6.xml><?xml version="1.0" encoding="utf-8"?>
-<p:sld xmlns:a="http://schemas.openxmlformats.org/drawingml/2006/main" xmlns:r="http://schemas.openxmlformats.org/officeDocument/2006/relationships" xmlns:mc="http://schemas.openxmlformats.org/markup-compatibility/2006" xmlns:mv="urn:schemas-microsoft-com:mac:vml" xmlns:p="http://schemas.openxmlformats.org/presentationml/2006/main" xmlns:c="http://schemas.openxmlformats.org/drawingml/2006/chart" xmlns:dgm="http://schemas.openxmlformats.org/drawingml/2006/diagram" xmlns:o="urn:schemas-microsoft-com:office:office" xmlns:v="urn:schemas-microsoft-com:vml" xmlns:pvml="urn:schemas-microsoft-com:office:powerpoint" xmlns:com="http://schemas.openxmlformats.org/drawingml/2006/compatibility" xmlns:p14="http://schemas.microsoft.com/office/powerpoint/2010/main" xmlns:p15="http://schemas.microsoft.com/office/powerpoint/2012/main" xmlns:ahyp="http://schemas.microsoft.com/office/drawing/2018/hyperlinkcolor">
+<file path=ppt/slides/slide8.xml><?xml version="1.0" encoding="utf-8"?>
+<p:sld xmlns:a="http://schemas.openxmlformats.org/drawingml/2006/main" xmlns:r="http://schemas.openxmlformats.org/officeDocument/2006/relationships" xmlns:p="http://schemas.openxmlformats.org/presentationml/2006/main">
   <p:cSld>
     <p:spTree>
       <p:nvGrpSpPr>
-        <p:cNvPr id="163" name="Shape 163"/>
+        <p:cNvPr id="1" name="Shape 163"/>
         <p:cNvGrpSpPr/>
         <p:nvPr/>
       </p:nvGrpSpPr>
@@ -10232,7 +10891,9 @@
       <p:sp>
         <p:nvSpPr>
           <p:cNvPr id="164" name="Google Shape;164;p18"/>
-          <p:cNvSpPr txBox="1"/>
+          <p:cNvSpPr txBox="1">
+            <a:spLocks noGrp="1"/>
+          </p:cNvSpPr>
           <p:nvPr>
             <p:ph type="title"/>
           </p:nvPr>
@@ -10247,12 +10908,12 @@
           </a:prstGeom>
         </p:spPr>
         <p:txBody>
-          <a:bodyPr anchorCtr="0" anchor="t" bIns="91425" lIns="91425" spcFirstLastPara="1" rIns="91425" wrap="square" tIns="91425">
+          <a:bodyPr spcFirstLastPara="1" wrap="square" lIns="91425" tIns="91425" rIns="91425" bIns="91425" anchor="t" anchorCtr="0">
             <a:normAutofit/>
           </a:bodyPr>
           <a:lstStyle/>
           <a:p>
-            <a:pPr indent="0" lvl="0" marL="0" rtl="0" algn="l">
+            <a:pPr marL="0" lvl="0" indent="0" algn="l" rtl="0">
               <a:spcBef>
                 <a:spcPts val="0"/>
               </a:spcBef>
@@ -10263,11 +10924,7 @@
             </a:pPr>
             <a:r>
               <a:rPr lang="fr"/>
-              <a:t>Passage à l’échelle et co</a:t>
-            </a:r>
-            <a:r>
-              <a:rPr lang="fr"/>
-              <a:t>ût d’utilisation</a:t>
+              <a:t>Passage à l’échelle et coût d’utilisation</a:t>
             </a:r>
             <a:endParaRPr/>
           </a:p>
@@ -10276,9 +10933,11 @@
       <p:sp>
         <p:nvSpPr>
           <p:cNvPr id="165" name="Google Shape;165;p18"/>
-          <p:cNvSpPr txBox="1"/>
+          <p:cNvSpPr txBox="1">
+            <a:spLocks noGrp="1"/>
+          </p:cNvSpPr>
           <p:nvPr>
-            <p:ph idx="1" type="body"/>
+            <p:ph type="body" idx="1"/>
           </p:nvPr>
         </p:nvSpPr>
         <p:spPr>
@@ -10291,12 +10950,12 @@
           </a:prstGeom>
         </p:spPr>
         <p:txBody>
-          <a:bodyPr anchorCtr="0" anchor="t" bIns="91425" lIns="91425" spcFirstLastPara="1" rIns="91425" wrap="square" tIns="91425">
+          <a:bodyPr spcFirstLastPara="1" wrap="square" lIns="91425" tIns="91425" rIns="91425" bIns="91425" anchor="t" anchorCtr="0">
             <a:normAutofit/>
           </a:bodyPr>
           <a:lstStyle/>
           <a:p>
-            <a:pPr indent="0" lvl="0" marL="0" rtl="0" algn="l">
+            <a:pPr marL="0" lvl="0" indent="0" algn="l" rtl="0">
               <a:spcBef>
                 <a:spcPts val="0"/>
               </a:spcBef>
@@ -10306,22 +10965,88 @@
               <a:buNone/>
             </a:pPr>
             <a:r>
-              <a:rPr lang="fr"/>
-              <a:t>Chiffrez notamment ici le co</a:t>
+              <a:rPr lang="fr" dirty="0"/>
+              <a:t>Chiffrez notamment ici le coût pour 30 jours d’utilisation et 500 000 images. </a:t>
             </a:r>
+          </a:p>
+          <a:p>
+            <a:pPr marL="285750" lvl="0" indent="-285750" algn="l" rtl="0">
+              <a:spcBef>
+                <a:spcPts val="0"/>
+              </a:spcBef>
+              <a:spcAft>
+                <a:spcPts val="1200"/>
+              </a:spcAft>
+              <a:buFontTx/>
+              <a:buChar char="-"/>
+            </a:pPr>
             <a:r>
-              <a:rPr lang="fr"/>
-              <a:t>ût pour 30 </a:t>
+              <a:rPr lang="fr" dirty="0"/>
+              <a:t>Temps moyen par image : 2,02 secondes</a:t>
             </a:r>
+          </a:p>
+          <a:p>
+            <a:pPr marL="285750" lvl="0" indent="-285750" algn="l" rtl="0">
+              <a:spcBef>
+                <a:spcPts val="0"/>
+              </a:spcBef>
+              <a:spcAft>
+                <a:spcPts val="1200"/>
+              </a:spcAft>
+              <a:buFontTx/>
+              <a:buChar char="-"/>
+            </a:pPr>
             <a:r>
-              <a:rPr lang="fr"/>
-              <a:t>jours</a:t>
+              <a:rPr lang="fr" dirty="0"/>
+              <a:t>Coût estimé : 0,033 € par heure d’utilisation en fonction du CPU et de la mémoire utilisée</a:t>
             </a:r>
+          </a:p>
+          <a:p>
+            <a:pPr marL="0" lvl="0" indent="0" algn="l" rtl="0">
+              <a:spcBef>
+                <a:spcPts val="0"/>
+              </a:spcBef>
+              <a:spcAft>
+                <a:spcPts val="1200"/>
+              </a:spcAft>
+              <a:buNone/>
+            </a:pPr>
             <a:r>
-              <a:rPr lang="fr"/>
-              <a:t> d’utilisation et 500 000 images. </a:t>
+              <a:rPr lang="fr" dirty="0"/>
+              <a:t>Projection : </a:t>
             </a:r>
-            <a:endParaRPr/>
+          </a:p>
+          <a:p>
+            <a:pPr marL="285750" lvl="0" indent="-285750" algn="l" rtl="0">
+              <a:spcBef>
+                <a:spcPts val="0"/>
+              </a:spcBef>
+              <a:spcAft>
+                <a:spcPts val="1200"/>
+              </a:spcAft>
+              <a:buFontTx/>
+              <a:buChar char="-"/>
+            </a:pPr>
+            <a:r>
+              <a:rPr lang="fr" dirty="0"/>
+              <a:t>Temps total : 280 heures d’utilisation</a:t>
+            </a:r>
+          </a:p>
+          <a:p>
+            <a:pPr marL="285750" lvl="0" indent="-285750" algn="l" rtl="0">
+              <a:spcBef>
+                <a:spcPts val="0"/>
+              </a:spcBef>
+              <a:spcAft>
+                <a:spcPts val="1200"/>
+              </a:spcAft>
+              <a:buFontTx/>
+              <a:buChar char="-"/>
+            </a:pPr>
+            <a:r>
+              <a:rPr lang="fr" dirty="0"/>
+              <a:t>Coût estimé : 9,24 €</a:t>
+            </a:r>
           </a:p>
         </p:txBody>
       </p:sp>
@@ -10333,12 +11058,12 @@
 </p:sld>
 </file>
 
-<file path=ppt/slides/slide7.xml><?xml version="1.0" encoding="utf-8"?>
-<p:sld xmlns:a="http://schemas.openxmlformats.org/drawingml/2006/main" xmlns:r="http://schemas.openxmlformats.org/officeDocument/2006/relationships" xmlns:mc="http://schemas.openxmlformats.org/markup-compatibility/2006" xmlns:mv="urn:schemas-microsoft-com:mac:vml" xmlns:p="http://schemas.openxmlformats.org/presentationml/2006/main" xmlns:c="http://schemas.openxmlformats.org/drawingml/2006/chart" xmlns:dgm="http://schemas.openxmlformats.org/drawingml/2006/diagram" xmlns:o="urn:schemas-microsoft-com:office:office" xmlns:v="urn:schemas-microsoft-com:vml" xmlns:pvml="urn:schemas-microsoft-com:office:powerpoint" xmlns:com="http://schemas.openxmlformats.org/drawingml/2006/compatibility" xmlns:p14="http://schemas.microsoft.com/office/powerpoint/2010/main" xmlns:p15="http://schemas.microsoft.com/office/powerpoint/2012/main" xmlns:ahyp="http://schemas.microsoft.com/office/drawing/2018/hyperlinkcolor">
+<file path=ppt/slides/slide9.xml><?xml version="1.0" encoding="utf-8"?>
+<p:sld xmlns:a="http://schemas.openxmlformats.org/drawingml/2006/main" xmlns:r="http://schemas.openxmlformats.org/officeDocument/2006/relationships" xmlns:p="http://schemas.openxmlformats.org/presentationml/2006/main">
   <p:cSld>
     <p:spTree>
       <p:nvGrpSpPr>
-        <p:cNvPr id="169" name="Shape 169"/>
+        <p:cNvPr id="1" name="Shape 169"/>
         <p:cNvGrpSpPr/>
         <p:nvPr/>
       </p:nvGrpSpPr>
@@ -10353,7 +11078,9 @@
       <p:sp>
         <p:nvSpPr>
           <p:cNvPr id="170" name="Google Shape;170;p19"/>
-          <p:cNvSpPr txBox="1"/>
+          <p:cNvSpPr txBox="1">
+            <a:spLocks noGrp="1"/>
+          </p:cNvSpPr>
           <p:nvPr>
             <p:ph type="title"/>
           </p:nvPr>
@@ -10368,12 +11095,12 @@
           </a:prstGeom>
         </p:spPr>
         <p:txBody>
-          <a:bodyPr anchorCtr="0" anchor="t" bIns="91425" lIns="91425" spcFirstLastPara="1" rIns="91425" wrap="square" tIns="91425">
+          <a:bodyPr spcFirstLastPara="1" wrap="square" lIns="91425" tIns="91425" rIns="91425" bIns="91425" anchor="t" anchorCtr="0">
             <a:normAutofit fontScale="90000"/>
           </a:bodyPr>
           <a:lstStyle/>
           <a:p>
-            <a:pPr indent="0" lvl="0" marL="0" rtl="0" algn="l">
+            <a:pPr marL="0" lvl="0" indent="0" algn="l" rtl="0">
               <a:spcBef>
                 <a:spcPts val="0"/>
               </a:spcBef>
@@ -10393,9 +11120,11 @@
       <p:sp>
         <p:nvSpPr>
           <p:cNvPr id="171" name="Google Shape;171;p19"/>
-          <p:cNvSpPr txBox="1"/>
+          <p:cNvSpPr txBox="1">
+            <a:spLocks noGrp="1"/>
+          </p:cNvSpPr>
           <p:nvPr>
-            <p:ph idx="1" type="body"/>
+            <p:ph type="body" idx="1"/>
           </p:nvPr>
         </p:nvSpPr>
         <p:spPr>
@@ -10408,12 +11137,12 @@
           </a:prstGeom>
         </p:spPr>
         <p:txBody>
-          <a:bodyPr anchorCtr="0" anchor="t" bIns="91425" lIns="91425" spcFirstLastPara="1" rIns="91425" wrap="square" tIns="91425">
+          <a:bodyPr spcFirstLastPara="1" wrap="square" lIns="91425" tIns="91425" rIns="91425" bIns="91425" anchor="t" anchorCtr="0">
             <a:normAutofit/>
           </a:bodyPr>
           <a:lstStyle/>
           <a:p>
-            <a:pPr indent="0" lvl="0" marL="0" rtl="0" algn="l">
+            <a:pPr marL="0" lvl="0" indent="0" algn="l" rtl="0">
               <a:spcBef>
                 <a:spcPts val="0"/>
               </a:spcBef>
@@ -10438,203 +11167,289 @@
 </p:sld>
 </file>
 
-<file path=ppt/slides/slide8.xml><?xml version="1.0" encoding="utf-8"?>
-<p:sld xmlns:a="http://schemas.openxmlformats.org/drawingml/2006/main" xmlns:r="http://schemas.openxmlformats.org/officeDocument/2006/relationships" xmlns:mc="http://schemas.openxmlformats.org/markup-compatibility/2006" xmlns:mv="urn:schemas-microsoft-com:mac:vml" xmlns:p="http://schemas.openxmlformats.org/presentationml/2006/main" xmlns:c="http://schemas.openxmlformats.org/drawingml/2006/chart" xmlns:dgm="http://schemas.openxmlformats.org/drawingml/2006/diagram" xmlns:o="urn:schemas-microsoft-com:office:office" xmlns:v="urn:schemas-microsoft-com:vml" xmlns:pvml="urn:schemas-microsoft-com:office:powerpoint" xmlns:com="http://schemas.openxmlformats.org/drawingml/2006/compatibility" xmlns:p14="http://schemas.microsoft.com/office/powerpoint/2010/main" xmlns:p15="http://schemas.microsoft.com/office/powerpoint/2012/main" xmlns:ahyp="http://schemas.microsoft.com/office/drawing/2018/hyperlinkcolor">
-  <p:cSld>
-    <p:spTree>
-      <p:nvGrpSpPr>
-        <p:cNvPr id="175" name="Shape 175"/>
-        <p:cNvGrpSpPr/>
-        <p:nvPr/>
-      </p:nvGrpSpPr>
-      <p:grpSpPr>
-        <a:xfrm>
-          <a:off x="0" y="0"/>
-          <a:ext cx="0" cy="0"/>
-          <a:chOff x="0" y="0"/>
-          <a:chExt cx="0" cy="0"/>
-        </a:xfrm>
-      </p:grpSpPr>
-      <p:sp>
-        <p:nvSpPr>
-          <p:cNvPr id="176" name="Google Shape;176;p20"/>
-          <p:cNvSpPr txBox="1"/>
-          <p:nvPr>
-            <p:ph type="title"/>
-          </p:nvPr>
-        </p:nvSpPr>
-        <p:spPr>
-          <a:xfrm>
-            <a:off x="1297500" y="393750"/>
-            <a:ext cx="7038900" cy="914100"/>
-          </a:xfrm>
-          <a:prstGeom prst="rect">
-            <a:avLst/>
-          </a:prstGeom>
-        </p:spPr>
-        <p:txBody>
-          <a:bodyPr anchorCtr="0" anchor="t" bIns="91425" lIns="91425" spcFirstLastPara="1" rIns="91425" wrap="square" tIns="91425">
-            <a:normAutofit/>
-          </a:bodyPr>
-          <a:lstStyle/>
-          <a:p>
-            <a:pPr indent="0" lvl="0" marL="0" rtl="0" algn="l">
-              <a:spcBef>
-                <a:spcPts val="0"/>
-              </a:spcBef>
-              <a:spcAft>
-                <a:spcPts val="0"/>
-              </a:spcAft>
-              <a:buNone/>
-            </a:pPr>
-            <a:r>
-              <a:rPr lang="fr"/>
-              <a:t>Bilan du projet réalisé</a:t>
-            </a:r>
-            <a:endParaRPr/>
-          </a:p>
-        </p:txBody>
-      </p:sp>
-      <p:sp>
-        <p:nvSpPr>
-          <p:cNvPr id="177" name="Google Shape;177;p20"/>
-          <p:cNvSpPr txBox="1"/>
-          <p:nvPr>
-            <p:ph idx="1" type="body"/>
-          </p:nvPr>
-        </p:nvSpPr>
-        <p:spPr>
-          <a:xfrm>
-            <a:off x="1297500" y="1567550"/>
-            <a:ext cx="7038900" cy="2911200"/>
-          </a:xfrm>
-          <a:prstGeom prst="rect">
-            <a:avLst/>
-          </a:prstGeom>
-        </p:spPr>
-        <p:txBody>
-          <a:bodyPr anchorCtr="0" anchor="t" bIns="91425" lIns="91425" spcFirstLastPara="1" rIns="91425" wrap="square" tIns="91425">
-            <a:normAutofit/>
-          </a:bodyPr>
-          <a:lstStyle/>
-          <a:p>
-            <a:pPr indent="0" lvl="0" marL="0" rtl="0" algn="l">
-              <a:spcBef>
-                <a:spcPts val="0"/>
-              </a:spcBef>
-              <a:spcAft>
-                <a:spcPts val="0"/>
-              </a:spcAft>
-              <a:buNone/>
-            </a:pPr>
-            <a:r>
-              <a:rPr lang="fr"/>
-              <a:t>Résumez</a:t>
-            </a:r>
-            <a:r>
-              <a:rPr lang="fr"/>
-              <a:t>  : </a:t>
-            </a:r>
-            <a:endParaRPr/>
-          </a:p>
-          <a:p>
-            <a:pPr indent="0" lvl="0" marL="0" rtl="0" algn="l">
-              <a:spcBef>
-                <a:spcPts val="1200"/>
-              </a:spcBef>
-              <a:spcAft>
-                <a:spcPts val="0"/>
-              </a:spcAft>
-              <a:buNone/>
-            </a:pPr>
-            <a:r>
-              <a:rPr lang="fr"/>
-              <a:t>Les défis techniques rencontrés </a:t>
-            </a:r>
-            <a:endParaRPr/>
-          </a:p>
-          <a:p>
-            <a:pPr indent="0" lvl="0" marL="0" rtl="0" algn="l">
-              <a:spcBef>
-                <a:spcPts val="1200"/>
-              </a:spcBef>
-              <a:spcAft>
-                <a:spcPts val="0"/>
-              </a:spcAft>
-              <a:buNone/>
-            </a:pPr>
-            <a:r>
-              <a:rPr lang="fr"/>
-              <a:t>Vos idées pour améliorer le système</a:t>
-            </a:r>
-            <a:endParaRPr/>
-          </a:p>
-          <a:p>
-            <a:pPr indent="0" lvl="0" marL="0" rtl="0" algn="l">
-              <a:spcBef>
-                <a:spcPts val="1200"/>
-              </a:spcBef>
-              <a:spcAft>
-                <a:spcPts val="0"/>
-              </a:spcAft>
-              <a:buNone/>
-            </a:pPr>
-            <a:r>
-              <a:rPr lang="fr"/>
-              <a:t>Les applications potentielles pour les clients de ModeTrend</a:t>
-            </a:r>
-            <a:endParaRPr sz="1100">
-              <a:solidFill>
-                <a:srgbClr val="000000"/>
-              </a:solidFill>
-              <a:latin typeface="Inter"/>
-              <a:ea typeface="Inter"/>
-              <a:cs typeface="Inter"/>
-              <a:sym typeface="Inter"/>
-            </a:endParaRPr>
-          </a:p>
-          <a:p>
-            <a:pPr indent="0" lvl="0" marL="0" rtl="0" algn="l">
-              <a:spcBef>
-                <a:spcPts val="1200"/>
-              </a:spcBef>
-              <a:spcAft>
-                <a:spcPts val="0"/>
-              </a:spcAft>
-              <a:buNone/>
-            </a:pPr>
-            <a:r>
-              <a:t/>
-            </a:r>
-            <a:endParaRPr/>
-          </a:p>
-          <a:p>
-            <a:pPr indent="0" lvl="0" marL="0" rtl="0" algn="l">
-              <a:spcBef>
-                <a:spcPts val="1200"/>
-              </a:spcBef>
-              <a:spcAft>
-                <a:spcPts val="1200"/>
-              </a:spcAft>
-              <a:buNone/>
-            </a:pPr>
-            <a:r>
-              <a:t/>
-            </a:r>
-            <a:endParaRPr/>
-          </a:p>
-        </p:txBody>
-      </p:sp>
-    </p:spTree>
-  </p:cSld>
-  <p:clrMapOvr>
-    <a:masterClrMapping/>
-  </p:clrMapOvr>
-</p:sld>
+<file path=ppt/theme/theme1.xml><?xml version="1.0" encoding="utf-8"?>
+<a:theme xmlns:a="http://schemas.openxmlformats.org/drawingml/2006/main" name="Focus">
+  <a:themeElements>
+    <a:clrScheme name="Focus">
+      <a:dk1>
+        <a:srgbClr val="1B212C"/>
+      </a:dk1>
+      <a:lt1>
+        <a:srgbClr val="FFFFFF"/>
+      </a:lt1>
+      <a:dk2>
+        <a:srgbClr val="D9D9D9"/>
+      </a:dk2>
+      <a:lt2>
+        <a:srgbClr val="82C7A5"/>
+      </a:lt2>
+      <a:accent1>
+        <a:srgbClr val="0145AC"/>
+      </a:accent1>
+      <a:accent2>
+        <a:srgbClr val="EECE1A"/>
+      </a:accent2>
+      <a:accent3>
+        <a:srgbClr val="4E5567"/>
+      </a:accent3>
+      <a:accent4>
+        <a:srgbClr val="F4D6AD"/>
+      </a:accent4>
+      <a:accent5>
+        <a:srgbClr val="7890CD"/>
+      </a:accent5>
+      <a:accent6>
+        <a:srgbClr val="F15E22"/>
+      </a:accent6>
+      <a:hlink>
+        <a:srgbClr val="7890CD"/>
+      </a:hlink>
+      <a:folHlink>
+        <a:srgbClr val="7890CD"/>
+      </a:folHlink>
+    </a:clrScheme>
+    <a:fontScheme name="Office">
+      <a:majorFont>
+        <a:latin typeface="Arial"/>
+        <a:ea typeface=""/>
+        <a:cs typeface=""/>
+        <a:font script="Jpan" typeface="ＭＳ Ｐゴシック"/>
+        <a:font script="Hang" typeface="맑은 고딕"/>
+        <a:font script="Hans" typeface="宋体"/>
+        <a:font script="Hant" typeface="新細明體"/>
+        <a:font script="Arab" typeface="Times New Roman"/>
+        <a:font script="Hebr" typeface="Times New Roman"/>
+        <a:font script="Thai" typeface="Angsana New"/>
+        <a:font script="Ethi" typeface="Nyala"/>
+        <a:font script="Beng" typeface="Vrinda"/>
+        <a:font script="Gujr" typeface="Shruti"/>
+        <a:font script="Khmr" typeface="MoolBoran"/>
+        <a:font script="Knda" typeface="Tunga"/>
+        <a:font script="Guru" typeface="Raavi"/>
+        <a:font script="Cans" typeface="Euphemia"/>
+        <a:font script="Cher" typeface="Plantagenet Cherokee"/>
+        <a:font script="Yiii" typeface="Microsoft Yi Baiti"/>
+        <a:font script="Tibt" typeface="Microsoft Himalaya"/>
+        <a:font script="Thaa" typeface="MV Boli"/>
+        <a:font script="Deva" typeface="Mangal"/>
+        <a:font script="Telu" typeface="Gautami"/>
+        <a:font script="Taml" typeface="Latha"/>
+        <a:font script="Syrc" typeface="Estrangelo Edessa"/>
+        <a:font script="Orya" typeface="Kalinga"/>
+        <a:font script="Mlym" typeface="Kartika"/>
+        <a:font script="Laoo" typeface="DokChampa"/>
+        <a:font script="Sinh" typeface="Iskoola Pota"/>
+        <a:font script="Mong" typeface="Mongolian Baiti"/>
+        <a:font script="Viet" typeface="Times New Roman"/>
+        <a:font script="Uigh" typeface="Microsoft Uighur"/>
+        <a:font script="Geor" typeface="Sylfaen"/>
+      </a:majorFont>
+      <a:minorFont>
+        <a:latin typeface="Arial"/>
+        <a:ea typeface=""/>
+        <a:cs typeface=""/>
+        <a:font script="Jpan" typeface="ＭＳ Ｐゴシック"/>
+        <a:font script="Hang" typeface="맑은 고딕"/>
+        <a:font script="Hans" typeface="宋体"/>
+        <a:font script="Hant" typeface="新細明體"/>
+        <a:font script="Arab" typeface="Arial"/>
+        <a:font script="Hebr" typeface="Arial"/>
+        <a:font script="Thai" typeface="Cordia New"/>
+        <a:font script="Ethi" typeface="Nyala"/>
+        <a:font script="Beng" typeface="Vrinda"/>
+        <a:font script="Gujr" typeface="Shruti"/>
+        <a:font script="Khmr" typeface="DaunPenh"/>
+        <a:font script="Knda" typeface="Tunga"/>
+        <a:font script="Guru" typeface="Raavi"/>
+        <a:font script="Cans" typeface="Euphemia"/>
+        <a:font script="Cher" typeface="Plantagenet Cherokee"/>
+        <a:font script="Yiii" typeface="Microsoft Yi Baiti"/>
+        <a:font script="Tibt" typeface="Microsoft Himalaya"/>
+        <a:font script="Thaa" typeface="MV Boli"/>
+        <a:font script="Deva" typeface="Mangal"/>
+        <a:font script="Telu" typeface="Gautami"/>
+        <a:font script="Taml" typeface="Latha"/>
+        <a:font script="Syrc" typeface="Estrangelo Edessa"/>
+        <a:font script="Orya" typeface="Kalinga"/>
+        <a:font script="Mlym" typeface="Kartika"/>
+        <a:font script="Laoo" typeface="DokChampa"/>
+        <a:font script="Sinh" typeface="Iskoola Pota"/>
+        <a:font script="Mong" typeface="Mongolian Baiti"/>
+        <a:font script="Viet" typeface="Arial"/>
+        <a:font script="Uigh" typeface="Microsoft Uighur"/>
+        <a:font script="Geor" typeface="Sylfaen"/>
+      </a:minorFont>
+    </a:fontScheme>
+    <a:fmtScheme name="Office">
+      <a:fillStyleLst>
+        <a:solidFill>
+          <a:schemeClr val="phClr"/>
+        </a:solidFill>
+        <a:gradFill rotWithShape="1">
+          <a:gsLst>
+            <a:gs pos="0">
+              <a:schemeClr val="phClr">
+                <a:tint val="50000"/>
+                <a:satMod val="300000"/>
+              </a:schemeClr>
+            </a:gs>
+            <a:gs pos="35000">
+              <a:schemeClr val="phClr">
+                <a:tint val="37000"/>
+                <a:satMod val="300000"/>
+              </a:schemeClr>
+            </a:gs>
+            <a:gs pos="100000">
+              <a:schemeClr val="phClr">
+                <a:tint val="15000"/>
+                <a:satMod val="350000"/>
+              </a:schemeClr>
+            </a:gs>
+          </a:gsLst>
+          <a:lin ang="16200000" scaled="1"/>
+        </a:gradFill>
+        <a:gradFill rotWithShape="1">
+          <a:gsLst>
+            <a:gs pos="0">
+              <a:schemeClr val="phClr">
+                <a:tint val="100000"/>
+                <a:shade val="100000"/>
+                <a:satMod val="130000"/>
+              </a:schemeClr>
+            </a:gs>
+            <a:gs pos="100000">
+              <a:schemeClr val="phClr">
+                <a:tint val="50000"/>
+                <a:shade val="100000"/>
+                <a:satMod val="350000"/>
+              </a:schemeClr>
+            </a:gs>
+          </a:gsLst>
+          <a:lin ang="16200000" scaled="0"/>
+        </a:gradFill>
+      </a:fillStyleLst>
+      <a:lnStyleLst>
+        <a:ln w="9525" cap="flat" cmpd="sng" algn="ctr">
+          <a:solidFill>
+            <a:schemeClr val="phClr">
+              <a:shade val="95000"/>
+              <a:satMod val="105000"/>
+            </a:schemeClr>
+          </a:solidFill>
+          <a:prstDash val="solid"/>
+        </a:ln>
+        <a:ln w="25400" cap="flat" cmpd="sng" algn="ctr">
+          <a:solidFill>
+            <a:schemeClr val="phClr"/>
+          </a:solidFill>
+          <a:prstDash val="solid"/>
+        </a:ln>
+        <a:ln w="38100" cap="flat" cmpd="sng" algn="ctr">
+          <a:solidFill>
+            <a:schemeClr val="phClr"/>
+          </a:solidFill>
+          <a:prstDash val="solid"/>
+        </a:ln>
+      </a:lnStyleLst>
+      <a:effectStyleLst>
+        <a:effectStyle>
+          <a:effectLst>
+            <a:outerShdw blurRad="40000" dist="20000" dir="5400000" rotWithShape="0">
+              <a:srgbClr val="000000">
+                <a:alpha val="38000"/>
+              </a:srgbClr>
+            </a:outerShdw>
+          </a:effectLst>
+        </a:effectStyle>
+        <a:effectStyle>
+          <a:effectLst>
+            <a:outerShdw blurRad="40000" dist="23000" dir="5400000" rotWithShape="0">
+              <a:srgbClr val="000000">
+                <a:alpha val="35000"/>
+              </a:srgbClr>
+            </a:outerShdw>
+          </a:effectLst>
+        </a:effectStyle>
+        <a:effectStyle>
+          <a:effectLst>
+            <a:outerShdw blurRad="40000" dist="23000" dir="5400000" rotWithShape="0">
+              <a:srgbClr val="000000">
+                <a:alpha val="35000"/>
+              </a:srgbClr>
+            </a:outerShdw>
+          </a:effectLst>
+          <a:scene3d>
+            <a:camera prst="orthographicFront">
+              <a:rot lat="0" lon="0" rev="0"/>
+            </a:camera>
+            <a:lightRig rig="threePt" dir="t">
+              <a:rot lat="0" lon="0" rev="1200000"/>
+            </a:lightRig>
+          </a:scene3d>
+          <a:sp3d>
+            <a:bevelT w="63500" h="25400"/>
+          </a:sp3d>
+        </a:effectStyle>
+      </a:effectStyleLst>
+      <a:bgFillStyleLst>
+        <a:solidFill>
+          <a:schemeClr val="phClr"/>
+        </a:solidFill>
+        <a:gradFill rotWithShape="1">
+          <a:gsLst>
+            <a:gs pos="0">
+              <a:schemeClr val="phClr">
+                <a:tint val="40000"/>
+                <a:satMod val="350000"/>
+              </a:schemeClr>
+            </a:gs>
+            <a:gs pos="40000">
+              <a:schemeClr val="phClr">
+                <a:tint val="45000"/>
+                <a:shade val="99000"/>
+                <a:satMod val="350000"/>
+              </a:schemeClr>
+            </a:gs>
+            <a:gs pos="100000">
+              <a:schemeClr val="phClr">
+                <a:shade val="20000"/>
+                <a:satMod val="255000"/>
+              </a:schemeClr>
+            </a:gs>
+          </a:gsLst>
+          <a:path path="circle">
+            <a:fillToRect l="50000" t="-80000" r="50000" b="180000"/>
+          </a:path>
+        </a:gradFill>
+        <a:gradFill rotWithShape="1">
+          <a:gsLst>
+            <a:gs pos="0">
+              <a:schemeClr val="phClr">
+                <a:tint val="80000"/>
+                <a:satMod val="300000"/>
+              </a:schemeClr>
+            </a:gs>
+            <a:gs pos="100000">
+              <a:schemeClr val="phClr">
+                <a:shade val="30000"/>
+                <a:satMod val="200000"/>
+              </a:schemeClr>
+            </a:gs>
+          </a:gsLst>
+          <a:path path="circle">
+            <a:fillToRect l="50000" t="50000" r="50000" b="50000"/>
+          </a:path>
+        </a:gradFill>
+      </a:bgFillStyleLst>
+    </a:fmtScheme>
+  </a:themeElements>
+  <a:objectDefaults/>
+  <a:extraClrSchemeLst/>
+</a:theme>
 </file>
 
-<file path=ppt/theme/theme1.xml><?xml version="1.0" encoding="utf-8"?>
-<a:theme xmlns:a="http://schemas.openxmlformats.org/drawingml/2006/main" xmlns:r="http://schemas.openxmlformats.org/officeDocument/2006/relationships">
+<file path=ppt/theme/theme2.xml><?xml version="1.0" encoding="utf-8"?>
+<a:theme xmlns:a="http://schemas.openxmlformats.org/drawingml/2006/main">
   <a:themeElements>
     <a:clrScheme name="Default">
       <a:dk1>
@@ -10909,284 +11724,7 @@
       </a:bgFillStyleLst>
     </a:fmtScheme>
   </a:themeElements>
-</a:theme>
-</file>
-
-<file path=ppt/theme/theme2.xml><?xml version="1.0" encoding="utf-8"?>
-<a:theme xmlns:a="http://schemas.openxmlformats.org/drawingml/2006/main" xmlns:r="http://schemas.openxmlformats.org/officeDocument/2006/relationships" name="Focus">
-  <a:themeElements>
-    <a:clrScheme name="Focus">
-      <a:dk1>
-        <a:srgbClr val="1B212C"/>
-      </a:dk1>
-      <a:lt1>
-        <a:srgbClr val="FFFFFF"/>
-      </a:lt1>
-      <a:dk2>
-        <a:srgbClr val="D9D9D9"/>
-      </a:dk2>
-      <a:lt2>
-        <a:srgbClr val="82C7A5"/>
-      </a:lt2>
-      <a:accent1>
-        <a:srgbClr val="0145AC"/>
-      </a:accent1>
-      <a:accent2>
-        <a:srgbClr val="EECE1A"/>
-      </a:accent2>
-      <a:accent3>
-        <a:srgbClr val="4E5567"/>
-      </a:accent3>
-      <a:accent4>
-        <a:srgbClr val="F4D6AD"/>
-      </a:accent4>
-      <a:accent5>
-        <a:srgbClr val="7890CD"/>
-      </a:accent5>
-      <a:accent6>
-        <a:srgbClr val="F15E22"/>
-      </a:accent6>
-      <a:hlink>
-        <a:srgbClr val="7890CD"/>
-      </a:hlink>
-      <a:folHlink>
-        <a:srgbClr val="7890CD"/>
-      </a:folHlink>
-    </a:clrScheme>
-    <a:fontScheme name="Office">
-      <a:majorFont>
-        <a:latin typeface="Arial"/>
-        <a:ea typeface=""/>
-        <a:cs typeface=""/>
-        <a:font script="Jpan" typeface="ＭＳ Ｐゴシック"/>
-        <a:font script="Hang" typeface="맑은 고딕"/>
-        <a:font script="Hans" typeface="宋体"/>
-        <a:font script="Hant" typeface="新細明體"/>
-        <a:font script="Arab" typeface="Times New Roman"/>
-        <a:font script="Hebr" typeface="Times New Roman"/>
-        <a:font script="Thai" typeface="Angsana New"/>
-        <a:font script="Ethi" typeface="Nyala"/>
-        <a:font script="Beng" typeface="Vrinda"/>
-        <a:font script="Gujr" typeface="Shruti"/>
-        <a:font script="Khmr" typeface="MoolBoran"/>
-        <a:font script="Knda" typeface="Tunga"/>
-        <a:font script="Guru" typeface="Raavi"/>
-        <a:font script="Cans" typeface="Euphemia"/>
-        <a:font script="Cher" typeface="Plantagenet Cherokee"/>
-        <a:font script="Yiii" typeface="Microsoft Yi Baiti"/>
-        <a:font script="Tibt" typeface="Microsoft Himalaya"/>
-        <a:font script="Thaa" typeface="MV Boli"/>
-        <a:font script="Deva" typeface="Mangal"/>
-        <a:font script="Telu" typeface="Gautami"/>
-        <a:font script="Taml" typeface="Latha"/>
-        <a:font script="Syrc" typeface="Estrangelo Edessa"/>
-        <a:font script="Orya" typeface="Kalinga"/>
-        <a:font script="Mlym" typeface="Kartika"/>
-        <a:font script="Laoo" typeface="DokChampa"/>
-        <a:font script="Sinh" typeface="Iskoola Pota"/>
-        <a:font script="Mong" typeface="Mongolian Baiti"/>
-        <a:font script="Viet" typeface="Times New Roman"/>
-        <a:font script="Uigh" typeface="Microsoft Uighur"/>
-        <a:font script="Geor" typeface="Sylfaen"/>
-      </a:majorFont>
-      <a:minorFont>
-        <a:latin typeface="Arial"/>
-        <a:ea typeface=""/>
-        <a:cs typeface=""/>
-        <a:font script="Jpan" typeface="ＭＳ Ｐゴシック"/>
-        <a:font script="Hang" typeface="맑은 고딕"/>
-        <a:font script="Hans" typeface="宋体"/>
-        <a:font script="Hant" typeface="新細明體"/>
-        <a:font script="Arab" typeface="Arial"/>
-        <a:font script="Hebr" typeface="Arial"/>
-        <a:font script="Thai" typeface="Cordia New"/>
-        <a:font script="Ethi" typeface="Nyala"/>
-        <a:font script="Beng" typeface="Vrinda"/>
-        <a:font script="Gujr" typeface="Shruti"/>
-        <a:font script="Khmr" typeface="DaunPenh"/>
-        <a:font script="Knda" typeface="Tunga"/>
-        <a:font script="Guru" typeface="Raavi"/>
-        <a:font script="Cans" typeface="Euphemia"/>
-        <a:font script="Cher" typeface="Plantagenet Cherokee"/>
-        <a:font script="Yiii" typeface="Microsoft Yi Baiti"/>
-        <a:font script="Tibt" typeface="Microsoft Himalaya"/>
-        <a:font script="Thaa" typeface="MV Boli"/>
-        <a:font script="Deva" typeface="Mangal"/>
-        <a:font script="Telu" typeface="Gautami"/>
-        <a:font script="Taml" typeface="Latha"/>
-        <a:font script="Syrc" typeface="Estrangelo Edessa"/>
-        <a:font script="Orya" typeface="Kalinga"/>
-        <a:font script="Mlym" typeface="Kartika"/>
-        <a:font script="Laoo" typeface="DokChampa"/>
-        <a:font script="Sinh" typeface="Iskoola Pota"/>
-        <a:font script="Mong" typeface="Mongolian Baiti"/>
-        <a:font script="Viet" typeface="Arial"/>
-        <a:font script="Uigh" typeface="Microsoft Uighur"/>
-        <a:font script="Geor" typeface="Sylfaen"/>
-      </a:minorFont>
-    </a:fontScheme>
-    <a:fmtScheme name="Office">
-      <a:fillStyleLst>
-        <a:solidFill>
-          <a:schemeClr val="phClr"/>
-        </a:solidFill>
-        <a:gradFill rotWithShape="1">
-          <a:gsLst>
-            <a:gs pos="0">
-              <a:schemeClr val="phClr">
-                <a:tint val="50000"/>
-                <a:satMod val="300000"/>
-              </a:schemeClr>
-            </a:gs>
-            <a:gs pos="35000">
-              <a:schemeClr val="phClr">
-                <a:tint val="37000"/>
-                <a:satMod val="300000"/>
-              </a:schemeClr>
-            </a:gs>
-            <a:gs pos="100000">
-              <a:schemeClr val="phClr">
-                <a:tint val="15000"/>
-                <a:satMod val="350000"/>
-              </a:schemeClr>
-            </a:gs>
-          </a:gsLst>
-          <a:lin ang="16200000" scaled="1"/>
-        </a:gradFill>
-        <a:gradFill rotWithShape="1">
-          <a:gsLst>
-            <a:gs pos="0">
-              <a:schemeClr val="phClr">
-                <a:tint val="100000"/>
-                <a:shade val="100000"/>
-                <a:satMod val="130000"/>
-              </a:schemeClr>
-            </a:gs>
-            <a:gs pos="100000">
-              <a:schemeClr val="phClr">
-                <a:tint val="50000"/>
-                <a:shade val="100000"/>
-                <a:satMod val="350000"/>
-              </a:schemeClr>
-            </a:gs>
-          </a:gsLst>
-          <a:lin ang="16200000" scaled="0"/>
-        </a:gradFill>
-      </a:fillStyleLst>
-      <a:lnStyleLst>
-        <a:ln w="9525" cap="flat" cmpd="sng" algn="ctr">
-          <a:solidFill>
-            <a:schemeClr val="phClr">
-              <a:shade val="95000"/>
-              <a:satMod val="105000"/>
-            </a:schemeClr>
-          </a:solidFill>
-          <a:prstDash val="solid"/>
-        </a:ln>
-        <a:ln w="25400" cap="flat" cmpd="sng" algn="ctr">
-          <a:solidFill>
-            <a:schemeClr val="phClr"/>
-          </a:solidFill>
-          <a:prstDash val="solid"/>
-        </a:ln>
-        <a:ln w="38100" cap="flat" cmpd="sng" algn="ctr">
-          <a:solidFill>
-            <a:schemeClr val="phClr"/>
-          </a:solidFill>
-          <a:prstDash val="solid"/>
-        </a:ln>
-      </a:lnStyleLst>
-      <a:effectStyleLst>
-        <a:effectStyle>
-          <a:effectLst>
-            <a:outerShdw blurRad="40000" dist="20000" dir="5400000" rotWithShape="0">
-              <a:srgbClr val="000000">
-                <a:alpha val="38000"/>
-              </a:srgbClr>
-            </a:outerShdw>
-          </a:effectLst>
-        </a:effectStyle>
-        <a:effectStyle>
-          <a:effectLst>
-            <a:outerShdw blurRad="40000" dist="23000" dir="5400000" rotWithShape="0">
-              <a:srgbClr val="000000">
-                <a:alpha val="35000"/>
-              </a:srgbClr>
-            </a:outerShdw>
-          </a:effectLst>
-        </a:effectStyle>
-        <a:effectStyle>
-          <a:effectLst>
-            <a:outerShdw blurRad="40000" dist="23000" dir="5400000" rotWithShape="0">
-              <a:srgbClr val="000000">
-                <a:alpha val="35000"/>
-              </a:srgbClr>
-            </a:outerShdw>
-          </a:effectLst>
-          <a:scene3d>
-            <a:camera prst="orthographicFront">
-              <a:rot lat="0" lon="0" rev="0"/>
-            </a:camera>
-            <a:lightRig rig="threePt" dir="t">
-              <a:rot lat="0" lon="0" rev="1200000"/>
-            </a:lightRig>
-          </a:scene3d>
-          <a:sp3d>
-            <a:bevelT w="63500" h="25400"/>
-          </a:sp3d>
-        </a:effectStyle>
-      </a:effectStyleLst>
-      <a:bgFillStyleLst>
-        <a:solidFill>
-          <a:schemeClr val="phClr"/>
-        </a:solidFill>
-        <a:gradFill rotWithShape="1">
-          <a:gsLst>
-            <a:gs pos="0">
-              <a:schemeClr val="phClr">
-                <a:tint val="40000"/>
-                <a:satMod val="350000"/>
-              </a:schemeClr>
-            </a:gs>
-            <a:gs pos="40000">
-              <a:schemeClr val="phClr">
-                <a:tint val="45000"/>
-                <a:shade val="99000"/>
-                <a:satMod val="350000"/>
-              </a:schemeClr>
-            </a:gs>
-            <a:gs pos="100000">
-              <a:schemeClr val="phClr">
-                <a:shade val="20000"/>
-                <a:satMod val="255000"/>
-              </a:schemeClr>
-            </a:gs>
-          </a:gsLst>
-          <a:path path="circle">
-            <a:fillToRect l="50000" t="-80000" r="50000" b="180000"/>
-          </a:path>
-        </a:gradFill>
-        <a:gradFill rotWithShape="1">
-          <a:gsLst>
-            <a:gs pos="0">
-              <a:schemeClr val="phClr">
-                <a:tint val="80000"/>
-                <a:satMod val="300000"/>
-              </a:schemeClr>
-            </a:gs>
-            <a:gs pos="100000">
-              <a:schemeClr val="phClr">
-                <a:shade val="30000"/>
-                <a:satMod val="200000"/>
-              </a:schemeClr>
-            </a:gs>
-          </a:gsLst>
-          <a:path path="circle">
-            <a:fillToRect l="50000" t="50000" r="50000" b="50000"/>
-          </a:path>
-        </a:gradFill>
-      </a:bgFillStyleLst>
-    </a:fmtScheme>
-  </a:themeElements>
+  <a:objectDefaults/>
+  <a:extraClrSchemeLst/>
 </a:theme>
 </file>